--- a/CodeAlpha - Phishing Awareness/Task 1 - Phishing Awareness.pptx
+++ b/CodeAlpha - Phishing Awareness/Task 1 - Phishing Awareness.pptx
@@ -8,15 +8,19 @@
     <p:sldId id="256" r:id="rId2"/>
     <p:sldId id="257" r:id="rId3"/>
     <p:sldId id="258" r:id="rId4"/>
-    <p:sldId id="266" r:id="rId5"/>
-    <p:sldId id="259" r:id="rId6"/>
-    <p:sldId id="260" r:id="rId7"/>
-    <p:sldId id="261" r:id="rId8"/>
-    <p:sldId id="262" r:id="rId9"/>
-    <p:sldId id="263" r:id="rId10"/>
-    <p:sldId id="264" r:id="rId11"/>
-    <p:sldId id="265" r:id="rId12"/>
-    <p:sldId id="267" r:id="rId13"/>
+    <p:sldId id="268" r:id="rId5"/>
+    <p:sldId id="266" r:id="rId6"/>
+    <p:sldId id="269" r:id="rId7"/>
+    <p:sldId id="259" r:id="rId8"/>
+    <p:sldId id="270" r:id="rId9"/>
+    <p:sldId id="260" r:id="rId10"/>
+    <p:sldId id="261" r:id="rId11"/>
+    <p:sldId id="262" r:id="rId12"/>
+    <p:sldId id="271" r:id="rId13"/>
+    <p:sldId id="263" r:id="rId14"/>
+    <p:sldId id="264" r:id="rId15"/>
+    <p:sldId id="265" r:id="rId16"/>
+    <p:sldId id="267" r:id="rId17"/>
   </p:sldIdLst>
   <p:sldSz cx="12192000" cy="6858000"/>
   <p:notesSz cx="6858000" cy="9144000"/>
@@ -123,6 +127,3164 @@
 </p:presentation>
 </file>
 
+<file path=ppt/diagrams/colors1.xml><?xml version="1.0" encoding="utf-8"?>
+<dgm:colorsDef xmlns:dgm="http://schemas.openxmlformats.org/drawingml/2006/diagram" xmlns:a="http://schemas.openxmlformats.org/drawingml/2006/main" uniqueId="urn:microsoft.com/office/officeart/2005/8/colors/accent1_2">
+  <dgm:title val=""/>
+  <dgm:desc val=""/>
+  <dgm:catLst>
+    <dgm:cat type="accent1" pri="11200"/>
+  </dgm:catLst>
+  <dgm:styleLbl name="node0">
+    <dgm:fillClrLst meth="repeat">
+      <a:schemeClr val="accent1"/>
+    </dgm:fillClrLst>
+    <dgm:linClrLst meth="repeat">
+      <a:schemeClr val="lt1"/>
+    </dgm:linClrLst>
+    <dgm:effectClrLst/>
+    <dgm:txLinClrLst/>
+    <dgm:txFillClrLst/>
+    <dgm:txEffectClrLst/>
+  </dgm:styleLbl>
+  <dgm:styleLbl name="alignNode1">
+    <dgm:fillClrLst meth="repeat">
+      <a:schemeClr val="accent1"/>
+    </dgm:fillClrLst>
+    <dgm:linClrLst meth="repeat">
+      <a:schemeClr val="accent1"/>
+    </dgm:linClrLst>
+    <dgm:effectClrLst/>
+    <dgm:txLinClrLst/>
+    <dgm:txFillClrLst/>
+    <dgm:txEffectClrLst/>
+  </dgm:styleLbl>
+  <dgm:styleLbl name="node1">
+    <dgm:fillClrLst meth="repeat">
+      <a:schemeClr val="accent1"/>
+    </dgm:fillClrLst>
+    <dgm:linClrLst meth="repeat">
+      <a:schemeClr val="lt1"/>
+    </dgm:linClrLst>
+    <dgm:effectClrLst/>
+    <dgm:txLinClrLst/>
+    <dgm:txFillClrLst/>
+    <dgm:txEffectClrLst/>
+  </dgm:styleLbl>
+  <dgm:styleLbl name="lnNode1">
+    <dgm:fillClrLst meth="repeat">
+      <a:schemeClr val="accent1"/>
+    </dgm:fillClrLst>
+    <dgm:linClrLst meth="repeat">
+      <a:schemeClr val="lt1"/>
+    </dgm:linClrLst>
+    <dgm:effectClrLst/>
+    <dgm:txLinClrLst/>
+    <dgm:txFillClrLst/>
+    <dgm:txEffectClrLst/>
+  </dgm:styleLbl>
+  <dgm:styleLbl name="vennNode1">
+    <dgm:fillClrLst meth="repeat">
+      <a:schemeClr val="accent1">
+        <a:alpha val="50000"/>
+      </a:schemeClr>
+    </dgm:fillClrLst>
+    <dgm:linClrLst meth="repeat">
+      <a:schemeClr val="lt1"/>
+    </dgm:linClrLst>
+    <dgm:effectClrLst/>
+    <dgm:txLinClrLst/>
+    <dgm:txFillClrLst/>
+    <dgm:txEffectClrLst/>
+  </dgm:styleLbl>
+  <dgm:styleLbl name="node2">
+    <dgm:fillClrLst meth="repeat">
+      <a:schemeClr val="accent1"/>
+    </dgm:fillClrLst>
+    <dgm:linClrLst meth="repeat">
+      <a:schemeClr val="lt1"/>
+    </dgm:linClrLst>
+    <dgm:effectClrLst/>
+    <dgm:txLinClrLst/>
+    <dgm:txFillClrLst/>
+    <dgm:txEffectClrLst/>
+  </dgm:styleLbl>
+  <dgm:styleLbl name="node3">
+    <dgm:fillClrLst meth="repeat">
+      <a:schemeClr val="accent1"/>
+    </dgm:fillClrLst>
+    <dgm:linClrLst meth="repeat">
+      <a:schemeClr val="lt1"/>
+    </dgm:linClrLst>
+    <dgm:effectClrLst/>
+    <dgm:txLinClrLst/>
+    <dgm:txFillClrLst/>
+    <dgm:txEffectClrLst/>
+  </dgm:styleLbl>
+  <dgm:styleLbl name="node4">
+    <dgm:fillClrLst meth="repeat">
+      <a:schemeClr val="accent1"/>
+    </dgm:fillClrLst>
+    <dgm:linClrLst meth="repeat">
+      <a:schemeClr val="lt1"/>
+    </dgm:linClrLst>
+    <dgm:effectClrLst/>
+    <dgm:txLinClrLst/>
+    <dgm:txFillClrLst/>
+    <dgm:txEffectClrLst/>
+  </dgm:styleLbl>
+  <dgm:styleLbl name="fgImgPlace1">
+    <dgm:fillClrLst meth="repeat">
+      <a:schemeClr val="accent1">
+        <a:tint val="50000"/>
+      </a:schemeClr>
+    </dgm:fillClrLst>
+    <dgm:linClrLst meth="repeat">
+      <a:schemeClr val="lt1"/>
+    </dgm:linClrLst>
+    <dgm:effectClrLst/>
+    <dgm:txLinClrLst/>
+    <dgm:txFillClrLst meth="repeat">
+      <a:schemeClr val="lt1"/>
+    </dgm:txFillClrLst>
+    <dgm:txEffectClrLst/>
+  </dgm:styleLbl>
+  <dgm:styleLbl name="alignImgPlace1">
+    <dgm:fillClrLst meth="repeat">
+      <a:schemeClr val="accent1">
+        <a:tint val="50000"/>
+      </a:schemeClr>
+    </dgm:fillClrLst>
+    <dgm:linClrLst meth="repeat">
+      <a:schemeClr val="lt1"/>
+    </dgm:linClrLst>
+    <dgm:effectClrLst/>
+    <dgm:txLinClrLst/>
+    <dgm:txFillClrLst meth="repeat">
+      <a:schemeClr val="lt1"/>
+    </dgm:txFillClrLst>
+    <dgm:txEffectClrLst/>
+  </dgm:styleLbl>
+  <dgm:styleLbl name="bgImgPlace1">
+    <dgm:fillClrLst meth="repeat">
+      <a:schemeClr val="accent1">
+        <a:tint val="50000"/>
+      </a:schemeClr>
+    </dgm:fillClrLst>
+    <dgm:linClrLst meth="repeat">
+      <a:schemeClr val="lt1"/>
+    </dgm:linClrLst>
+    <dgm:effectClrLst/>
+    <dgm:txLinClrLst/>
+    <dgm:txFillClrLst meth="repeat">
+      <a:schemeClr val="lt1"/>
+    </dgm:txFillClrLst>
+    <dgm:txEffectClrLst/>
+  </dgm:styleLbl>
+  <dgm:styleLbl name="sibTrans2D1">
+    <dgm:fillClrLst meth="repeat">
+      <a:schemeClr val="accent1">
+        <a:tint val="60000"/>
+      </a:schemeClr>
+    </dgm:fillClrLst>
+    <dgm:linClrLst meth="repeat">
+      <a:schemeClr val="accent1">
+        <a:tint val="60000"/>
+      </a:schemeClr>
+    </dgm:linClrLst>
+    <dgm:effectClrLst/>
+    <dgm:txLinClrLst/>
+    <dgm:txFillClrLst/>
+    <dgm:txEffectClrLst/>
+  </dgm:styleLbl>
+  <dgm:styleLbl name="fgSibTrans2D1">
+    <dgm:fillClrLst meth="repeat">
+      <a:schemeClr val="accent1">
+        <a:tint val="60000"/>
+      </a:schemeClr>
+    </dgm:fillClrLst>
+    <dgm:linClrLst meth="repeat">
+      <a:schemeClr val="accent1">
+        <a:tint val="60000"/>
+      </a:schemeClr>
+    </dgm:linClrLst>
+    <dgm:effectClrLst/>
+    <dgm:txLinClrLst/>
+    <dgm:txFillClrLst/>
+    <dgm:txEffectClrLst/>
+  </dgm:styleLbl>
+  <dgm:styleLbl name="bgSibTrans2D1">
+    <dgm:fillClrLst meth="repeat">
+      <a:schemeClr val="accent1">
+        <a:tint val="60000"/>
+      </a:schemeClr>
+    </dgm:fillClrLst>
+    <dgm:linClrLst meth="repeat">
+      <a:schemeClr val="accent1">
+        <a:tint val="60000"/>
+      </a:schemeClr>
+    </dgm:linClrLst>
+    <dgm:effectClrLst/>
+    <dgm:txLinClrLst/>
+    <dgm:txFillClrLst/>
+    <dgm:txEffectClrLst/>
+  </dgm:styleLbl>
+  <dgm:styleLbl name="sibTrans1D1">
+    <dgm:fillClrLst meth="repeat">
+      <a:schemeClr val="accent1"/>
+    </dgm:fillClrLst>
+    <dgm:linClrLst meth="repeat">
+      <a:schemeClr val="accent1"/>
+    </dgm:linClrLst>
+    <dgm:effectClrLst/>
+    <dgm:txLinClrLst/>
+    <dgm:txFillClrLst meth="repeat">
+      <a:schemeClr val="tx1"/>
+    </dgm:txFillClrLst>
+    <dgm:txEffectClrLst/>
+  </dgm:styleLbl>
+  <dgm:styleLbl name="callout">
+    <dgm:fillClrLst meth="repeat">
+      <a:schemeClr val="accent1"/>
+    </dgm:fillClrLst>
+    <dgm:linClrLst meth="repeat">
+      <a:schemeClr val="accent1">
+        <a:tint val="50000"/>
+      </a:schemeClr>
+    </dgm:linClrLst>
+    <dgm:effectClrLst/>
+    <dgm:txLinClrLst/>
+    <dgm:txFillClrLst meth="repeat">
+      <a:schemeClr val="tx1"/>
+    </dgm:txFillClrLst>
+    <dgm:txEffectClrLst/>
+  </dgm:styleLbl>
+  <dgm:styleLbl name="asst0">
+    <dgm:fillClrLst meth="repeat">
+      <a:schemeClr val="accent1"/>
+    </dgm:fillClrLst>
+    <dgm:linClrLst meth="repeat">
+      <a:schemeClr val="lt1"/>
+    </dgm:linClrLst>
+    <dgm:effectClrLst/>
+    <dgm:txLinClrLst/>
+    <dgm:txFillClrLst/>
+    <dgm:txEffectClrLst/>
+  </dgm:styleLbl>
+  <dgm:styleLbl name="asst1">
+    <dgm:fillClrLst meth="repeat">
+      <a:schemeClr val="accent1"/>
+    </dgm:fillClrLst>
+    <dgm:linClrLst meth="repeat">
+      <a:schemeClr val="lt1"/>
+    </dgm:linClrLst>
+    <dgm:effectClrLst/>
+    <dgm:txLinClrLst/>
+    <dgm:txFillClrLst/>
+    <dgm:txEffectClrLst/>
+  </dgm:styleLbl>
+  <dgm:styleLbl name="asst2">
+    <dgm:fillClrLst meth="repeat">
+      <a:schemeClr val="accent1"/>
+    </dgm:fillClrLst>
+    <dgm:linClrLst meth="repeat">
+      <a:schemeClr val="lt1"/>
+    </dgm:linClrLst>
+    <dgm:effectClrLst/>
+    <dgm:txLinClrLst/>
+    <dgm:txFillClrLst/>
+    <dgm:txEffectClrLst/>
+  </dgm:styleLbl>
+  <dgm:styleLbl name="asst3">
+    <dgm:fillClrLst meth="repeat">
+      <a:schemeClr val="accent1"/>
+    </dgm:fillClrLst>
+    <dgm:linClrLst meth="repeat">
+      <a:schemeClr val="lt1"/>
+    </dgm:linClrLst>
+    <dgm:effectClrLst/>
+    <dgm:txLinClrLst/>
+    <dgm:txFillClrLst/>
+    <dgm:txEffectClrLst/>
+  </dgm:styleLbl>
+  <dgm:styleLbl name="asst4">
+    <dgm:fillClrLst meth="repeat">
+      <a:schemeClr val="accent1"/>
+    </dgm:fillClrLst>
+    <dgm:linClrLst meth="repeat">
+      <a:schemeClr val="lt1"/>
+    </dgm:linClrLst>
+    <dgm:effectClrLst/>
+    <dgm:txLinClrLst/>
+    <dgm:txFillClrLst/>
+    <dgm:txEffectClrLst/>
+  </dgm:styleLbl>
+  <dgm:styleLbl name="parChTrans2D1">
+    <dgm:fillClrLst meth="repeat">
+      <a:schemeClr val="accent1">
+        <a:tint val="60000"/>
+      </a:schemeClr>
+    </dgm:fillClrLst>
+    <dgm:linClrLst meth="repeat">
+      <a:schemeClr val="accent1">
+        <a:tint val="60000"/>
+      </a:schemeClr>
+    </dgm:linClrLst>
+    <dgm:effectClrLst/>
+    <dgm:txLinClrLst/>
+    <dgm:txFillClrLst meth="repeat">
+      <a:schemeClr val="lt1"/>
+    </dgm:txFillClrLst>
+    <dgm:txEffectClrLst/>
+  </dgm:styleLbl>
+  <dgm:styleLbl name="parChTrans2D2">
+    <dgm:fillClrLst meth="repeat">
+      <a:schemeClr val="accent1"/>
+    </dgm:fillClrLst>
+    <dgm:linClrLst meth="repeat">
+      <a:schemeClr val="accent1"/>
+    </dgm:linClrLst>
+    <dgm:effectClrLst/>
+    <dgm:txLinClrLst/>
+    <dgm:txFillClrLst meth="repeat">
+      <a:schemeClr val="lt1"/>
+    </dgm:txFillClrLst>
+    <dgm:txEffectClrLst/>
+  </dgm:styleLbl>
+  <dgm:styleLbl name="parChTrans2D3">
+    <dgm:fillClrLst meth="repeat">
+      <a:schemeClr val="accent1"/>
+    </dgm:fillClrLst>
+    <dgm:linClrLst meth="repeat">
+      <a:schemeClr val="accent1"/>
+    </dgm:linClrLst>
+    <dgm:effectClrLst/>
+    <dgm:txLinClrLst/>
+    <dgm:txFillClrLst meth="repeat">
+      <a:schemeClr val="lt1"/>
+    </dgm:txFillClrLst>
+    <dgm:txEffectClrLst/>
+  </dgm:styleLbl>
+  <dgm:styleLbl name="parChTrans2D4">
+    <dgm:fillClrLst meth="repeat">
+      <a:schemeClr val="accent1"/>
+    </dgm:fillClrLst>
+    <dgm:linClrLst meth="repeat">
+      <a:schemeClr val="accent1"/>
+    </dgm:linClrLst>
+    <dgm:effectClrLst/>
+    <dgm:txLinClrLst/>
+    <dgm:txFillClrLst meth="repeat">
+      <a:schemeClr val="lt1"/>
+    </dgm:txFillClrLst>
+    <dgm:txEffectClrLst/>
+  </dgm:styleLbl>
+  <dgm:styleLbl name="parChTrans1D1">
+    <dgm:fillClrLst meth="repeat">
+      <a:schemeClr val="accent1"/>
+    </dgm:fillClrLst>
+    <dgm:linClrLst meth="repeat">
+      <a:schemeClr val="accent1">
+        <a:shade val="60000"/>
+      </a:schemeClr>
+    </dgm:linClrLst>
+    <dgm:effectClrLst/>
+    <dgm:txLinClrLst/>
+    <dgm:txFillClrLst meth="repeat">
+      <a:schemeClr val="tx1"/>
+    </dgm:txFillClrLst>
+    <dgm:txEffectClrLst/>
+  </dgm:styleLbl>
+  <dgm:styleLbl name="parChTrans1D2">
+    <dgm:fillClrLst meth="repeat">
+      <a:schemeClr val="accent1"/>
+    </dgm:fillClrLst>
+    <dgm:linClrLst meth="repeat">
+      <a:schemeClr val="accent1">
+        <a:shade val="60000"/>
+      </a:schemeClr>
+    </dgm:linClrLst>
+    <dgm:effectClrLst/>
+    <dgm:txLinClrLst/>
+    <dgm:txFillClrLst meth="repeat">
+      <a:schemeClr val="tx1"/>
+    </dgm:txFillClrLst>
+    <dgm:txEffectClrLst/>
+  </dgm:styleLbl>
+  <dgm:styleLbl name="parChTrans1D3">
+    <dgm:fillClrLst meth="repeat">
+      <a:schemeClr val="accent1"/>
+    </dgm:fillClrLst>
+    <dgm:linClrLst meth="repeat">
+      <a:schemeClr val="accent1">
+        <a:shade val="80000"/>
+      </a:schemeClr>
+    </dgm:linClrLst>
+    <dgm:effectClrLst/>
+    <dgm:txLinClrLst/>
+    <dgm:txFillClrLst meth="repeat">
+      <a:schemeClr val="tx1"/>
+    </dgm:txFillClrLst>
+    <dgm:txEffectClrLst/>
+  </dgm:styleLbl>
+  <dgm:styleLbl name="parChTrans1D4">
+    <dgm:fillClrLst meth="repeat">
+      <a:schemeClr val="accent1"/>
+    </dgm:fillClrLst>
+    <dgm:linClrLst meth="repeat">
+      <a:schemeClr val="accent1">
+        <a:shade val="80000"/>
+      </a:schemeClr>
+    </dgm:linClrLst>
+    <dgm:effectClrLst/>
+    <dgm:txLinClrLst/>
+    <dgm:txFillClrLst meth="repeat">
+      <a:schemeClr val="tx1"/>
+    </dgm:txFillClrLst>
+    <dgm:txEffectClrLst/>
+  </dgm:styleLbl>
+  <dgm:styleLbl name="fgAcc1">
+    <dgm:fillClrLst meth="repeat">
+      <a:schemeClr val="lt1">
+        <a:alpha val="90000"/>
+      </a:schemeClr>
+    </dgm:fillClrLst>
+    <dgm:linClrLst meth="repeat">
+      <a:schemeClr val="accent1"/>
+    </dgm:linClrLst>
+    <dgm:effectClrLst/>
+    <dgm:txLinClrLst/>
+    <dgm:txFillClrLst meth="repeat">
+      <a:schemeClr val="dk1"/>
+    </dgm:txFillClrLst>
+    <dgm:txEffectClrLst/>
+  </dgm:styleLbl>
+  <dgm:styleLbl name="conFgAcc1">
+    <dgm:fillClrLst meth="repeat">
+      <a:schemeClr val="lt1">
+        <a:alpha val="90000"/>
+      </a:schemeClr>
+    </dgm:fillClrLst>
+    <dgm:linClrLst meth="repeat">
+      <a:schemeClr val="accent1"/>
+    </dgm:linClrLst>
+    <dgm:effectClrLst/>
+    <dgm:txLinClrLst/>
+    <dgm:txFillClrLst meth="repeat">
+      <a:schemeClr val="dk1"/>
+    </dgm:txFillClrLst>
+    <dgm:txEffectClrLst/>
+  </dgm:styleLbl>
+  <dgm:styleLbl name="alignAcc1">
+    <dgm:fillClrLst meth="repeat">
+      <a:schemeClr val="lt1">
+        <a:alpha val="90000"/>
+      </a:schemeClr>
+    </dgm:fillClrLst>
+    <dgm:linClrLst meth="repeat">
+      <a:schemeClr val="accent1"/>
+    </dgm:linClrLst>
+    <dgm:effectClrLst/>
+    <dgm:txLinClrLst/>
+    <dgm:txFillClrLst meth="repeat">
+      <a:schemeClr val="dk1"/>
+    </dgm:txFillClrLst>
+    <dgm:txEffectClrLst/>
+  </dgm:styleLbl>
+  <dgm:styleLbl name="trAlignAcc1">
+    <dgm:fillClrLst meth="repeat">
+      <a:schemeClr val="lt1">
+        <a:alpha val="40000"/>
+      </a:schemeClr>
+    </dgm:fillClrLst>
+    <dgm:linClrLst meth="repeat">
+      <a:schemeClr val="accent1"/>
+    </dgm:linClrLst>
+    <dgm:effectClrLst/>
+    <dgm:txLinClrLst/>
+    <dgm:txFillClrLst meth="repeat">
+      <a:schemeClr val="dk1"/>
+    </dgm:txFillClrLst>
+    <dgm:txEffectClrLst/>
+  </dgm:styleLbl>
+  <dgm:styleLbl name="bgAcc1">
+    <dgm:fillClrLst meth="repeat">
+      <a:schemeClr val="lt1">
+        <a:alpha val="90000"/>
+      </a:schemeClr>
+    </dgm:fillClrLst>
+    <dgm:linClrLst meth="repeat">
+      <a:schemeClr val="accent1"/>
+    </dgm:linClrLst>
+    <dgm:effectClrLst/>
+    <dgm:txLinClrLst/>
+    <dgm:txFillClrLst meth="repeat">
+      <a:schemeClr val="dk1"/>
+    </dgm:txFillClrLst>
+    <dgm:txEffectClrLst/>
+  </dgm:styleLbl>
+  <dgm:styleLbl name="solidFgAcc1">
+    <dgm:fillClrLst meth="repeat">
+      <a:schemeClr val="lt1"/>
+    </dgm:fillClrLst>
+    <dgm:linClrLst meth="repeat">
+      <a:schemeClr val="accent1"/>
+    </dgm:linClrLst>
+    <dgm:effectClrLst/>
+    <dgm:txLinClrLst/>
+    <dgm:txFillClrLst meth="repeat">
+      <a:schemeClr val="dk1"/>
+    </dgm:txFillClrLst>
+    <dgm:txEffectClrLst/>
+  </dgm:styleLbl>
+  <dgm:styleLbl name="solidAlignAcc1">
+    <dgm:fillClrLst meth="repeat">
+      <a:schemeClr val="lt1"/>
+    </dgm:fillClrLst>
+    <dgm:linClrLst meth="repeat">
+      <a:schemeClr val="accent1"/>
+    </dgm:linClrLst>
+    <dgm:effectClrLst/>
+    <dgm:txLinClrLst/>
+    <dgm:txFillClrLst meth="repeat">
+      <a:schemeClr val="dk1"/>
+    </dgm:txFillClrLst>
+    <dgm:txEffectClrLst/>
+  </dgm:styleLbl>
+  <dgm:styleLbl name="solidBgAcc1">
+    <dgm:fillClrLst meth="repeat">
+      <a:schemeClr val="lt1"/>
+    </dgm:fillClrLst>
+    <dgm:linClrLst meth="repeat">
+      <a:schemeClr val="accent1"/>
+    </dgm:linClrLst>
+    <dgm:effectClrLst/>
+    <dgm:txLinClrLst/>
+    <dgm:txFillClrLst meth="repeat">
+      <a:schemeClr val="dk1"/>
+    </dgm:txFillClrLst>
+    <dgm:txEffectClrLst/>
+  </dgm:styleLbl>
+  <dgm:styleLbl name="fgAccFollowNode1">
+    <dgm:fillClrLst meth="repeat">
+      <a:schemeClr val="accent1">
+        <a:alpha val="90000"/>
+        <a:tint val="40000"/>
+      </a:schemeClr>
+    </dgm:fillClrLst>
+    <dgm:linClrLst meth="repeat">
+      <a:schemeClr val="accent1">
+        <a:alpha val="90000"/>
+        <a:tint val="40000"/>
+      </a:schemeClr>
+    </dgm:linClrLst>
+    <dgm:effectClrLst/>
+    <dgm:txLinClrLst/>
+    <dgm:txFillClrLst meth="repeat">
+      <a:schemeClr val="dk1"/>
+    </dgm:txFillClrLst>
+    <dgm:txEffectClrLst/>
+  </dgm:styleLbl>
+  <dgm:styleLbl name="alignAccFollowNode1">
+    <dgm:fillClrLst meth="repeat">
+      <a:schemeClr val="accent1">
+        <a:alpha val="90000"/>
+        <a:tint val="40000"/>
+      </a:schemeClr>
+    </dgm:fillClrLst>
+    <dgm:linClrLst meth="repeat">
+      <a:schemeClr val="accent1">
+        <a:alpha val="90000"/>
+        <a:tint val="40000"/>
+      </a:schemeClr>
+    </dgm:linClrLst>
+    <dgm:effectClrLst/>
+    <dgm:txLinClrLst/>
+    <dgm:txFillClrLst meth="repeat">
+      <a:schemeClr val="dk1"/>
+    </dgm:txFillClrLst>
+    <dgm:txEffectClrLst/>
+  </dgm:styleLbl>
+  <dgm:styleLbl name="bgAccFollowNode1">
+    <dgm:fillClrLst meth="repeat">
+      <a:schemeClr val="accent1">
+        <a:alpha val="90000"/>
+        <a:tint val="40000"/>
+      </a:schemeClr>
+    </dgm:fillClrLst>
+    <dgm:linClrLst meth="repeat">
+      <a:schemeClr val="accent1">
+        <a:alpha val="90000"/>
+        <a:tint val="40000"/>
+      </a:schemeClr>
+    </dgm:linClrLst>
+    <dgm:effectClrLst/>
+    <dgm:txLinClrLst/>
+    <dgm:txFillClrLst meth="repeat">
+      <a:schemeClr val="dk1"/>
+    </dgm:txFillClrLst>
+    <dgm:txEffectClrLst/>
+  </dgm:styleLbl>
+  <dgm:styleLbl name="fgAcc0">
+    <dgm:fillClrLst meth="repeat">
+      <a:schemeClr val="lt1">
+        <a:alpha val="90000"/>
+      </a:schemeClr>
+    </dgm:fillClrLst>
+    <dgm:linClrLst meth="repeat">
+      <a:schemeClr val="accent1"/>
+    </dgm:linClrLst>
+    <dgm:effectClrLst/>
+    <dgm:txLinClrLst/>
+    <dgm:txFillClrLst meth="repeat">
+      <a:schemeClr val="dk1"/>
+    </dgm:txFillClrLst>
+    <dgm:txEffectClrLst/>
+  </dgm:styleLbl>
+  <dgm:styleLbl name="fgAcc2">
+    <dgm:fillClrLst meth="repeat">
+      <a:schemeClr val="lt1">
+        <a:alpha val="90000"/>
+      </a:schemeClr>
+    </dgm:fillClrLst>
+    <dgm:linClrLst meth="repeat">
+      <a:schemeClr val="accent1"/>
+    </dgm:linClrLst>
+    <dgm:effectClrLst/>
+    <dgm:txLinClrLst/>
+    <dgm:txFillClrLst meth="repeat">
+      <a:schemeClr val="dk1"/>
+    </dgm:txFillClrLst>
+    <dgm:txEffectClrLst/>
+  </dgm:styleLbl>
+  <dgm:styleLbl name="fgAcc3">
+    <dgm:fillClrLst meth="repeat">
+      <a:schemeClr val="lt1">
+        <a:alpha val="90000"/>
+      </a:schemeClr>
+    </dgm:fillClrLst>
+    <dgm:linClrLst meth="repeat">
+      <a:schemeClr val="accent1"/>
+    </dgm:linClrLst>
+    <dgm:effectClrLst/>
+    <dgm:txLinClrLst/>
+    <dgm:txFillClrLst meth="repeat">
+      <a:schemeClr val="dk1"/>
+    </dgm:txFillClrLst>
+    <dgm:txEffectClrLst/>
+  </dgm:styleLbl>
+  <dgm:styleLbl name="fgAcc4">
+    <dgm:fillClrLst meth="repeat">
+      <a:schemeClr val="lt1">
+        <a:alpha val="90000"/>
+      </a:schemeClr>
+    </dgm:fillClrLst>
+    <dgm:linClrLst meth="repeat">
+      <a:schemeClr val="accent1"/>
+    </dgm:linClrLst>
+    <dgm:effectClrLst/>
+    <dgm:txLinClrLst/>
+    <dgm:txFillClrLst meth="repeat">
+      <a:schemeClr val="dk1"/>
+    </dgm:txFillClrLst>
+    <dgm:txEffectClrLst/>
+  </dgm:styleLbl>
+  <dgm:styleLbl name="bgShp">
+    <dgm:fillClrLst meth="repeat">
+      <a:schemeClr val="accent1">
+        <a:tint val="40000"/>
+      </a:schemeClr>
+    </dgm:fillClrLst>
+    <dgm:linClrLst meth="repeat">
+      <a:schemeClr val="accent1"/>
+    </dgm:linClrLst>
+    <dgm:effectClrLst/>
+    <dgm:txLinClrLst/>
+    <dgm:txFillClrLst meth="repeat">
+      <a:schemeClr val="dk1"/>
+    </dgm:txFillClrLst>
+    <dgm:txEffectClrLst/>
+  </dgm:styleLbl>
+  <dgm:styleLbl name="dkBgShp">
+    <dgm:fillClrLst meth="repeat">
+      <a:schemeClr val="accent1">
+        <a:shade val="80000"/>
+      </a:schemeClr>
+    </dgm:fillClrLst>
+    <dgm:linClrLst meth="repeat">
+      <a:schemeClr val="accent1"/>
+    </dgm:linClrLst>
+    <dgm:effectClrLst/>
+    <dgm:txLinClrLst/>
+    <dgm:txFillClrLst meth="repeat">
+      <a:schemeClr val="lt1"/>
+    </dgm:txFillClrLst>
+    <dgm:txEffectClrLst/>
+  </dgm:styleLbl>
+  <dgm:styleLbl name="trBgShp">
+    <dgm:fillClrLst meth="repeat">
+      <a:schemeClr val="accent1">
+        <a:tint val="50000"/>
+        <a:alpha val="40000"/>
+      </a:schemeClr>
+    </dgm:fillClrLst>
+    <dgm:linClrLst meth="repeat">
+      <a:schemeClr val="accent1"/>
+    </dgm:linClrLst>
+    <dgm:effectClrLst/>
+    <dgm:txLinClrLst/>
+    <dgm:txFillClrLst meth="repeat">
+      <a:schemeClr val="lt1"/>
+    </dgm:txFillClrLst>
+    <dgm:txEffectClrLst/>
+  </dgm:styleLbl>
+  <dgm:styleLbl name="fgShp">
+    <dgm:fillClrLst meth="repeat">
+      <a:schemeClr val="accent1">
+        <a:tint val="60000"/>
+      </a:schemeClr>
+    </dgm:fillClrLst>
+    <dgm:linClrLst meth="repeat">
+      <a:schemeClr val="lt1"/>
+    </dgm:linClrLst>
+    <dgm:effectClrLst/>
+    <dgm:txLinClrLst/>
+    <dgm:txFillClrLst meth="repeat">
+      <a:schemeClr val="dk1"/>
+    </dgm:txFillClrLst>
+    <dgm:txEffectClrLst/>
+  </dgm:styleLbl>
+  <dgm:styleLbl name="revTx">
+    <dgm:fillClrLst meth="repeat">
+      <a:schemeClr val="lt1">
+        <a:alpha val="0"/>
+      </a:schemeClr>
+    </dgm:fillClrLst>
+    <dgm:linClrLst meth="repeat">
+      <a:schemeClr val="dk1">
+        <a:alpha val="0"/>
+      </a:schemeClr>
+    </dgm:linClrLst>
+    <dgm:effectClrLst/>
+    <dgm:txLinClrLst/>
+    <dgm:txFillClrLst meth="repeat">
+      <a:schemeClr val="tx1"/>
+    </dgm:txFillClrLst>
+    <dgm:txEffectClrLst/>
+  </dgm:styleLbl>
+</dgm:colorsDef>
+</file>
+
+<file path=ppt/diagrams/data1.xml><?xml version="1.0" encoding="utf-8"?>
+<dgm:dataModel xmlns:dgm="http://schemas.openxmlformats.org/drawingml/2006/diagram" xmlns:a="http://schemas.openxmlformats.org/drawingml/2006/main">
+  <dgm:ptLst>
+    <dgm:pt modelId="{5FEB284E-37B8-4AF2-BBE1-8DE4ED4A7673}" type="doc">
+      <dgm:prSet loTypeId="urn:microsoft.com/office/officeart/2005/8/layout/hList3" loCatId="list" qsTypeId="urn:microsoft.com/office/officeart/2005/8/quickstyle/simple3" qsCatId="simple" csTypeId="urn:microsoft.com/office/officeart/2005/8/colors/accent1_2" csCatId="accent1" phldr="1"/>
+      <dgm:spPr/>
+      <dgm:t>
+        <a:bodyPr/>
+        <a:lstStyle/>
+        <a:p>
+          <a:endParaRPr lang="en-IN"/>
+        </a:p>
+      </dgm:t>
+    </dgm:pt>
+    <dgm:pt modelId="{3D56B899-81FC-4A90-82A6-9D15AFBA38EA}">
+      <dgm:prSet/>
+      <dgm:spPr>
+        <a:effectLst>
+          <a:outerShdw blurRad="50800" dist="38100" dir="2700000" algn="tl" rotWithShape="0">
+            <a:prstClr val="black">
+              <a:alpha val="40000"/>
+            </a:prstClr>
+          </a:outerShdw>
+        </a:effectLst>
+      </dgm:spPr>
+      <dgm:t>
+        <a:bodyPr/>
+        <a:lstStyle/>
+        <a:p>
+          <a:r>
+            <a:rPr lang="en-US" b="1" dirty="0">
+              <a:latin typeface="ae_AlArabiya" panose="02060603050605020204" pitchFamily="18" charset="-78"/>
+              <a:cs typeface="ae_AlArabiya" panose="02060603050605020204" pitchFamily="18" charset="-78"/>
+            </a:rPr>
+            <a:t>Techniques of Phishing</a:t>
+          </a:r>
+          <a:endParaRPr lang="en-IN" b="1" dirty="0">
+            <a:latin typeface="ae_AlArabiya" panose="02060603050605020204" pitchFamily="18" charset="-78"/>
+            <a:cs typeface="ae_AlArabiya" panose="02060603050605020204" pitchFamily="18" charset="-78"/>
+          </a:endParaRPr>
+        </a:p>
+      </dgm:t>
+    </dgm:pt>
+    <dgm:pt modelId="{F62AA3B6-D549-4C68-81A5-CC19D37E3BBE}" type="parTrans" cxnId="{5F077F6E-3121-4B86-AD6E-2E9F9456F196}">
+      <dgm:prSet/>
+      <dgm:spPr/>
+      <dgm:t>
+        <a:bodyPr/>
+        <a:lstStyle/>
+        <a:p>
+          <a:endParaRPr lang="en-IN"/>
+        </a:p>
+      </dgm:t>
+    </dgm:pt>
+    <dgm:pt modelId="{42207C03-8BCD-42F0-AF77-2AB9CDD7131E}" type="sibTrans" cxnId="{5F077F6E-3121-4B86-AD6E-2E9F9456F196}">
+      <dgm:prSet/>
+      <dgm:spPr/>
+      <dgm:t>
+        <a:bodyPr/>
+        <a:lstStyle/>
+        <a:p>
+          <a:endParaRPr lang="en-IN"/>
+        </a:p>
+      </dgm:t>
+    </dgm:pt>
+    <dgm:pt modelId="{8155C943-5A4F-4B79-A2E8-D2E03C3F0101}">
+      <dgm:prSet/>
+      <dgm:spPr>
+        <a:effectLst>
+          <a:outerShdw blurRad="50800" dist="38100" dir="2700000" algn="tl" rotWithShape="0">
+            <a:prstClr val="black">
+              <a:alpha val="40000"/>
+            </a:prstClr>
+          </a:outerShdw>
+        </a:effectLst>
+      </dgm:spPr>
+      <dgm:t>
+        <a:bodyPr/>
+        <a:lstStyle/>
+        <a:p>
+          <a:r>
+            <a:rPr lang="en-US" b="1">
+              <a:latin typeface="ae_AlArabiya" panose="02060603050605020204" pitchFamily="18" charset="-78"/>
+              <a:cs typeface="ae_AlArabiya" panose="02060603050605020204" pitchFamily="18" charset="-78"/>
+            </a:rPr>
+            <a:t>Social Engineering</a:t>
+          </a:r>
+          <a:endParaRPr lang="en-IN" b="1">
+            <a:latin typeface="ae_AlArabiya" panose="02060603050605020204" pitchFamily="18" charset="-78"/>
+            <a:cs typeface="ae_AlArabiya" panose="02060603050605020204" pitchFamily="18" charset="-78"/>
+          </a:endParaRPr>
+        </a:p>
+      </dgm:t>
+    </dgm:pt>
+    <dgm:pt modelId="{C966E735-1C39-45E8-9CC1-0F421554BFD6}" type="parTrans" cxnId="{5CEBDA29-17A4-45CE-8E15-883296FAE638}">
+      <dgm:prSet/>
+      <dgm:spPr/>
+      <dgm:t>
+        <a:bodyPr/>
+        <a:lstStyle/>
+        <a:p>
+          <a:endParaRPr lang="en-IN"/>
+        </a:p>
+      </dgm:t>
+    </dgm:pt>
+    <dgm:pt modelId="{64E5636C-4AE4-41EE-BCF9-18D727BB3A88}" type="sibTrans" cxnId="{5CEBDA29-17A4-45CE-8E15-883296FAE638}">
+      <dgm:prSet/>
+      <dgm:spPr/>
+      <dgm:t>
+        <a:bodyPr/>
+        <a:lstStyle/>
+        <a:p>
+          <a:endParaRPr lang="en-IN"/>
+        </a:p>
+      </dgm:t>
+    </dgm:pt>
+    <dgm:pt modelId="{7E6B6AB8-FD22-4B28-9203-AC514B6A2CA1}">
+      <dgm:prSet/>
+      <dgm:spPr>
+        <a:effectLst>
+          <a:outerShdw blurRad="50800" dist="38100" dir="2700000" algn="tl" rotWithShape="0">
+            <a:prstClr val="black">
+              <a:alpha val="40000"/>
+            </a:prstClr>
+          </a:outerShdw>
+        </a:effectLst>
+      </dgm:spPr>
+      <dgm:t>
+        <a:bodyPr/>
+        <a:lstStyle/>
+        <a:p>
+          <a:r>
+            <a:rPr lang="en-US" b="1">
+              <a:latin typeface="ae_AlArabiya" panose="02060603050605020204" pitchFamily="18" charset="-78"/>
+              <a:cs typeface="ae_AlArabiya" panose="02060603050605020204" pitchFamily="18" charset="-78"/>
+            </a:rPr>
+            <a:t>Typo Squatting</a:t>
+          </a:r>
+          <a:endParaRPr lang="en-IN" b="1">
+            <a:latin typeface="ae_AlArabiya" panose="02060603050605020204" pitchFamily="18" charset="-78"/>
+            <a:cs typeface="ae_AlArabiya" panose="02060603050605020204" pitchFamily="18" charset="-78"/>
+          </a:endParaRPr>
+        </a:p>
+      </dgm:t>
+    </dgm:pt>
+    <dgm:pt modelId="{F6EDF7EA-B52D-4D67-91F3-0C48129D8224}" type="parTrans" cxnId="{F15CB4B9-AB76-4E38-987A-46ED016BBB00}">
+      <dgm:prSet/>
+      <dgm:spPr/>
+      <dgm:t>
+        <a:bodyPr/>
+        <a:lstStyle/>
+        <a:p>
+          <a:endParaRPr lang="en-IN"/>
+        </a:p>
+      </dgm:t>
+    </dgm:pt>
+    <dgm:pt modelId="{3EE20276-471B-47AE-BA97-59989DB660EA}" type="sibTrans" cxnId="{F15CB4B9-AB76-4E38-987A-46ED016BBB00}">
+      <dgm:prSet/>
+      <dgm:spPr/>
+      <dgm:t>
+        <a:bodyPr/>
+        <a:lstStyle/>
+        <a:p>
+          <a:endParaRPr lang="en-IN"/>
+        </a:p>
+      </dgm:t>
+    </dgm:pt>
+    <dgm:pt modelId="{FBE2F9A6-44C6-49DD-AC27-FECB78B9A7B7}">
+      <dgm:prSet/>
+      <dgm:spPr>
+        <a:effectLst>
+          <a:outerShdw blurRad="50800" dist="38100" dir="2700000" algn="tl" rotWithShape="0">
+            <a:prstClr val="black">
+              <a:alpha val="40000"/>
+            </a:prstClr>
+          </a:outerShdw>
+        </a:effectLst>
+      </dgm:spPr>
+      <dgm:t>
+        <a:bodyPr/>
+        <a:lstStyle/>
+        <a:p>
+          <a:r>
+            <a:rPr lang="en-US" b="1">
+              <a:latin typeface="ae_AlArabiya" panose="02060603050605020204" pitchFamily="18" charset="-78"/>
+              <a:cs typeface="ae_AlArabiya" panose="02060603050605020204" pitchFamily="18" charset="-78"/>
+            </a:rPr>
+            <a:t>Email Spoofing</a:t>
+          </a:r>
+          <a:endParaRPr lang="en-IN" b="1">
+            <a:latin typeface="ae_AlArabiya" panose="02060603050605020204" pitchFamily="18" charset="-78"/>
+            <a:cs typeface="ae_AlArabiya" panose="02060603050605020204" pitchFamily="18" charset="-78"/>
+          </a:endParaRPr>
+        </a:p>
+      </dgm:t>
+    </dgm:pt>
+    <dgm:pt modelId="{3412B7B4-1651-4F86-BA9E-280C1E7F5494}" type="parTrans" cxnId="{FBEB5A0B-A91E-42A5-97C8-9930E8BF3FA8}">
+      <dgm:prSet/>
+      <dgm:spPr/>
+      <dgm:t>
+        <a:bodyPr/>
+        <a:lstStyle/>
+        <a:p>
+          <a:endParaRPr lang="en-IN"/>
+        </a:p>
+      </dgm:t>
+    </dgm:pt>
+    <dgm:pt modelId="{5764A331-EA0E-4CC0-ADC3-00ABC9EBA540}" type="sibTrans" cxnId="{FBEB5A0B-A91E-42A5-97C8-9930E8BF3FA8}">
+      <dgm:prSet/>
+      <dgm:spPr/>
+      <dgm:t>
+        <a:bodyPr/>
+        <a:lstStyle/>
+        <a:p>
+          <a:endParaRPr lang="en-IN"/>
+        </a:p>
+      </dgm:t>
+    </dgm:pt>
+    <dgm:pt modelId="{B694B2F4-CDDE-47E3-8C30-1D91228988E0}">
+      <dgm:prSet/>
+      <dgm:spPr>
+        <a:effectLst>
+          <a:outerShdw blurRad="50800" dist="38100" dir="2700000" algn="tl" rotWithShape="0">
+            <a:prstClr val="black">
+              <a:alpha val="40000"/>
+            </a:prstClr>
+          </a:outerShdw>
+        </a:effectLst>
+      </dgm:spPr>
+      <dgm:t>
+        <a:bodyPr/>
+        <a:lstStyle/>
+        <a:p>
+          <a:r>
+            <a:rPr lang="en-US" b="1">
+              <a:latin typeface="ae_AlArabiya" panose="02060603050605020204" pitchFamily="18" charset="-78"/>
+              <a:cs typeface="ae_AlArabiya" panose="02060603050605020204" pitchFamily="18" charset="-78"/>
+            </a:rPr>
+            <a:t>URL Shortening</a:t>
+          </a:r>
+          <a:endParaRPr lang="en-IN" b="1">
+            <a:latin typeface="ae_AlArabiya" panose="02060603050605020204" pitchFamily="18" charset="-78"/>
+            <a:cs typeface="ae_AlArabiya" panose="02060603050605020204" pitchFamily="18" charset="-78"/>
+          </a:endParaRPr>
+        </a:p>
+      </dgm:t>
+    </dgm:pt>
+    <dgm:pt modelId="{D8C5D217-8109-47CA-871B-D63E261EE0B4}" type="parTrans" cxnId="{667BD793-315F-4867-84AE-319BD9DCD7EB}">
+      <dgm:prSet/>
+      <dgm:spPr/>
+      <dgm:t>
+        <a:bodyPr/>
+        <a:lstStyle/>
+        <a:p>
+          <a:endParaRPr lang="en-IN"/>
+        </a:p>
+      </dgm:t>
+    </dgm:pt>
+    <dgm:pt modelId="{AD920B85-14F0-4A0F-A702-3DE70AEDD934}" type="sibTrans" cxnId="{667BD793-315F-4867-84AE-319BD9DCD7EB}">
+      <dgm:prSet/>
+      <dgm:spPr/>
+      <dgm:t>
+        <a:bodyPr/>
+        <a:lstStyle/>
+        <a:p>
+          <a:endParaRPr lang="en-IN"/>
+        </a:p>
+      </dgm:t>
+    </dgm:pt>
+    <dgm:pt modelId="{1E27EB1C-DA01-458C-9F0D-AD2F87418270}">
+      <dgm:prSet/>
+      <dgm:spPr>
+        <a:effectLst>
+          <a:outerShdw blurRad="50800" dist="38100" dir="2700000" algn="tl" rotWithShape="0">
+            <a:prstClr val="black">
+              <a:alpha val="40000"/>
+            </a:prstClr>
+          </a:outerShdw>
+        </a:effectLst>
+      </dgm:spPr>
+      <dgm:t>
+        <a:bodyPr/>
+        <a:lstStyle/>
+        <a:p>
+          <a:r>
+            <a:rPr lang="en-US" b="1">
+              <a:latin typeface="ae_AlArabiya" panose="02060603050605020204" pitchFamily="18" charset="-78"/>
+              <a:cs typeface="ae_AlArabiya" panose="02060603050605020204" pitchFamily="18" charset="-78"/>
+            </a:rPr>
+            <a:t>Malicious Redirect</a:t>
+          </a:r>
+          <a:endParaRPr lang="en-IN" b="1">
+            <a:latin typeface="ae_AlArabiya" panose="02060603050605020204" pitchFamily="18" charset="-78"/>
+            <a:cs typeface="ae_AlArabiya" panose="02060603050605020204" pitchFamily="18" charset="-78"/>
+          </a:endParaRPr>
+        </a:p>
+      </dgm:t>
+    </dgm:pt>
+    <dgm:pt modelId="{C2C46F4B-23E4-4AF4-AE7F-FAA3A851CB4A}" type="parTrans" cxnId="{1FB45D39-65FB-4C38-873F-1B295CA900EE}">
+      <dgm:prSet/>
+      <dgm:spPr/>
+      <dgm:t>
+        <a:bodyPr/>
+        <a:lstStyle/>
+        <a:p>
+          <a:endParaRPr lang="en-IN"/>
+        </a:p>
+      </dgm:t>
+    </dgm:pt>
+    <dgm:pt modelId="{FC2DCBCE-FAEE-4A1A-8064-91D5908D3E59}" type="sibTrans" cxnId="{1FB45D39-65FB-4C38-873F-1B295CA900EE}">
+      <dgm:prSet/>
+      <dgm:spPr/>
+      <dgm:t>
+        <a:bodyPr/>
+        <a:lstStyle/>
+        <a:p>
+          <a:endParaRPr lang="en-IN"/>
+        </a:p>
+      </dgm:t>
+    </dgm:pt>
+    <dgm:pt modelId="{9F9B1E55-8BE5-4E65-8CD9-D2FD19EDD402}" type="pres">
+      <dgm:prSet presAssocID="{5FEB284E-37B8-4AF2-BBE1-8DE4ED4A7673}" presName="composite" presStyleCnt="0">
+        <dgm:presLayoutVars>
+          <dgm:chMax val="1"/>
+          <dgm:dir/>
+          <dgm:resizeHandles val="exact"/>
+        </dgm:presLayoutVars>
+      </dgm:prSet>
+      <dgm:spPr/>
+    </dgm:pt>
+    <dgm:pt modelId="{17BBF4DC-A887-4ADF-B680-09137155A0EA}" type="pres">
+      <dgm:prSet presAssocID="{3D56B899-81FC-4A90-82A6-9D15AFBA38EA}" presName="roof" presStyleLbl="dkBgShp" presStyleIdx="0" presStyleCnt="2" custLinFactNeighborY="-577"/>
+      <dgm:spPr/>
+    </dgm:pt>
+    <dgm:pt modelId="{78047CF8-79CA-49D2-9FA1-9DA0F992E0DF}" type="pres">
+      <dgm:prSet presAssocID="{3D56B899-81FC-4A90-82A6-9D15AFBA38EA}" presName="pillars" presStyleCnt="0"/>
+      <dgm:spPr/>
+    </dgm:pt>
+    <dgm:pt modelId="{D7418E4D-6631-481A-9AE2-0750751854E4}" type="pres">
+      <dgm:prSet presAssocID="{3D56B899-81FC-4A90-82A6-9D15AFBA38EA}" presName="pillar1" presStyleLbl="node1" presStyleIdx="0" presStyleCnt="5">
+        <dgm:presLayoutVars>
+          <dgm:bulletEnabled val="1"/>
+        </dgm:presLayoutVars>
+      </dgm:prSet>
+      <dgm:spPr/>
+    </dgm:pt>
+    <dgm:pt modelId="{02FF219C-CDC8-48E5-9BCB-C7CD1320CF00}" type="pres">
+      <dgm:prSet presAssocID="{7E6B6AB8-FD22-4B28-9203-AC514B6A2CA1}" presName="pillarX" presStyleLbl="node1" presStyleIdx="1" presStyleCnt="5">
+        <dgm:presLayoutVars>
+          <dgm:bulletEnabled val="1"/>
+        </dgm:presLayoutVars>
+      </dgm:prSet>
+      <dgm:spPr/>
+    </dgm:pt>
+    <dgm:pt modelId="{47640091-D731-4DF7-91CE-48AAB3C6ED20}" type="pres">
+      <dgm:prSet presAssocID="{FBE2F9A6-44C6-49DD-AC27-FECB78B9A7B7}" presName="pillarX" presStyleLbl="node1" presStyleIdx="2" presStyleCnt="5">
+        <dgm:presLayoutVars>
+          <dgm:bulletEnabled val="1"/>
+        </dgm:presLayoutVars>
+      </dgm:prSet>
+      <dgm:spPr/>
+    </dgm:pt>
+    <dgm:pt modelId="{E53EAF41-EC8A-4C15-950C-F28BEE89E60F}" type="pres">
+      <dgm:prSet presAssocID="{B694B2F4-CDDE-47E3-8C30-1D91228988E0}" presName="pillarX" presStyleLbl="node1" presStyleIdx="3" presStyleCnt="5">
+        <dgm:presLayoutVars>
+          <dgm:bulletEnabled val="1"/>
+        </dgm:presLayoutVars>
+      </dgm:prSet>
+      <dgm:spPr/>
+    </dgm:pt>
+    <dgm:pt modelId="{6A6D6BD3-B505-44F2-B72B-1E7357AB77F4}" type="pres">
+      <dgm:prSet presAssocID="{1E27EB1C-DA01-458C-9F0D-AD2F87418270}" presName="pillarX" presStyleLbl="node1" presStyleIdx="4" presStyleCnt="5">
+        <dgm:presLayoutVars>
+          <dgm:bulletEnabled val="1"/>
+        </dgm:presLayoutVars>
+      </dgm:prSet>
+      <dgm:spPr/>
+    </dgm:pt>
+    <dgm:pt modelId="{A4C3FF04-5B13-44C9-B3CB-4FE180B5128C}" type="pres">
+      <dgm:prSet presAssocID="{3D56B899-81FC-4A90-82A6-9D15AFBA38EA}" presName="base" presStyleLbl="dkBgShp" presStyleIdx="1" presStyleCnt="2" custLinFactNeighborX="691" custLinFactNeighborY="-2472"/>
+      <dgm:spPr>
+        <a:effectLst>
+          <a:outerShdw blurRad="50800" dist="38100" dir="2700000" algn="tl" rotWithShape="0">
+            <a:prstClr val="black">
+              <a:alpha val="40000"/>
+            </a:prstClr>
+          </a:outerShdw>
+        </a:effectLst>
+      </dgm:spPr>
+    </dgm:pt>
+  </dgm:ptLst>
+  <dgm:cxnLst>
+    <dgm:cxn modelId="{F7AB8A02-5043-412A-B675-01493E0D0231}" type="presOf" srcId="{3D56B899-81FC-4A90-82A6-9D15AFBA38EA}" destId="{17BBF4DC-A887-4ADF-B680-09137155A0EA}" srcOrd="0" destOrd="0" presId="urn:microsoft.com/office/officeart/2005/8/layout/hList3"/>
+    <dgm:cxn modelId="{2580AD09-6952-4583-AD21-037BCB74F1C1}" type="presOf" srcId="{B694B2F4-CDDE-47E3-8C30-1D91228988E0}" destId="{E53EAF41-EC8A-4C15-950C-F28BEE89E60F}" srcOrd="0" destOrd="0" presId="urn:microsoft.com/office/officeart/2005/8/layout/hList3"/>
+    <dgm:cxn modelId="{FBEB5A0B-A91E-42A5-97C8-9930E8BF3FA8}" srcId="{3D56B899-81FC-4A90-82A6-9D15AFBA38EA}" destId="{FBE2F9A6-44C6-49DD-AC27-FECB78B9A7B7}" srcOrd="2" destOrd="0" parTransId="{3412B7B4-1651-4F86-BA9E-280C1E7F5494}" sibTransId="{5764A331-EA0E-4CC0-ADC3-00ABC9EBA540}"/>
+    <dgm:cxn modelId="{5CEBDA29-17A4-45CE-8E15-883296FAE638}" srcId="{3D56B899-81FC-4A90-82A6-9D15AFBA38EA}" destId="{8155C943-5A4F-4B79-A2E8-D2E03C3F0101}" srcOrd="0" destOrd="0" parTransId="{C966E735-1C39-45E8-9CC1-0F421554BFD6}" sibTransId="{64E5636C-4AE4-41EE-BCF9-18D727BB3A88}"/>
+    <dgm:cxn modelId="{1FB45D39-65FB-4C38-873F-1B295CA900EE}" srcId="{3D56B899-81FC-4A90-82A6-9D15AFBA38EA}" destId="{1E27EB1C-DA01-458C-9F0D-AD2F87418270}" srcOrd="4" destOrd="0" parTransId="{C2C46F4B-23E4-4AF4-AE7F-FAA3A851CB4A}" sibTransId="{FC2DCBCE-FAEE-4A1A-8064-91D5908D3E59}"/>
+    <dgm:cxn modelId="{2573266B-89EF-46DB-AE9A-336A82FF81C4}" type="presOf" srcId="{FBE2F9A6-44C6-49DD-AC27-FECB78B9A7B7}" destId="{47640091-D731-4DF7-91CE-48AAB3C6ED20}" srcOrd="0" destOrd="0" presId="urn:microsoft.com/office/officeart/2005/8/layout/hList3"/>
+    <dgm:cxn modelId="{5F077F6E-3121-4B86-AD6E-2E9F9456F196}" srcId="{5FEB284E-37B8-4AF2-BBE1-8DE4ED4A7673}" destId="{3D56B899-81FC-4A90-82A6-9D15AFBA38EA}" srcOrd="0" destOrd="0" parTransId="{F62AA3B6-D549-4C68-81A5-CC19D37E3BBE}" sibTransId="{42207C03-8BCD-42F0-AF77-2AB9CDD7131E}"/>
+    <dgm:cxn modelId="{17327382-C7A2-4074-B5DE-C5F7F824B02F}" type="presOf" srcId="{8155C943-5A4F-4B79-A2E8-D2E03C3F0101}" destId="{D7418E4D-6631-481A-9AE2-0750751854E4}" srcOrd="0" destOrd="0" presId="urn:microsoft.com/office/officeart/2005/8/layout/hList3"/>
+    <dgm:cxn modelId="{8D4CB485-9DCF-4CB4-8EC4-678C8E0B4590}" type="presOf" srcId="{5FEB284E-37B8-4AF2-BBE1-8DE4ED4A7673}" destId="{9F9B1E55-8BE5-4E65-8CD9-D2FD19EDD402}" srcOrd="0" destOrd="0" presId="urn:microsoft.com/office/officeart/2005/8/layout/hList3"/>
+    <dgm:cxn modelId="{667BD793-315F-4867-84AE-319BD9DCD7EB}" srcId="{3D56B899-81FC-4A90-82A6-9D15AFBA38EA}" destId="{B694B2F4-CDDE-47E3-8C30-1D91228988E0}" srcOrd="3" destOrd="0" parTransId="{D8C5D217-8109-47CA-871B-D63E261EE0B4}" sibTransId="{AD920B85-14F0-4A0F-A702-3DE70AEDD934}"/>
+    <dgm:cxn modelId="{14B6029C-BA9D-4F6C-829E-C75731469534}" type="presOf" srcId="{1E27EB1C-DA01-458C-9F0D-AD2F87418270}" destId="{6A6D6BD3-B505-44F2-B72B-1E7357AB77F4}" srcOrd="0" destOrd="0" presId="urn:microsoft.com/office/officeart/2005/8/layout/hList3"/>
+    <dgm:cxn modelId="{F15CB4B9-AB76-4E38-987A-46ED016BBB00}" srcId="{3D56B899-81FC-4A90-82A6-9D15AFBA38EA}" destId="{7E6B6AB8-FD22-4B28-9203-AC514B6A2CA1}" srcOrd="1" destOrd="0" parTransId="{F6EDF7EA-B52D-4D67-91F3-0C48129D8224}" sibTransId="{3EE20276-471B-47AE-BA97-59989DB660EA}"/>
+    <dgm:cxn modelId="{98F906DF-DC19-4C49-A9CA-D7A1DC09C7BD}" type="presOf" srcId="{7E6B6AB8-FD22-4B28-9203-AC514B6A2CA1}" destId="{02FF219C-CDC8-48E5-9BCB-C7CD1320CF00}" srcOrd="0" destOrd="0" presId="urn:microsoft.com/office/officeart/2005/8/layout/hList3"/>
+    <dgm:cxn modelId="{AC58A4A3-615D-4A53-B48B-4C881FE48BA1}" type="presParOf" srcId="{9F9B1E55-8BE5-4E65-8CD9-D2FD19EDD402}" destId="{17BBF4DC-A887-4ADF-B680-09137155A0EA}" srcOrd="0" destOrd="0" presId="urn:microsoft.com/office/officeart/2005/8/layout/hList3"/>
+    <dgm:cxn modelId="{36883136-6A37-4919-A197-8B4AE8C2518B}" type="presParOf" srcId="{9F9B1E55-8BE5-4E65-8CD9-D2FD19EDD402}" destId="{78047CF8-79CA-49D2-9FA1-9DA0F992E0DF}" srcOrd="1" destOrd="0" presId="urn:microsoft.com/office/officeart/2005/8/layout/hList3"/>
+    <dgm:cxn modelId="{5749567C-FC2E-4DFB-A678-CFA506536D54}" type="presParOf" srcId="{78047CF8-79CA-49D2-9FA1-9DA0F992E0DF}" destId="{D7418E4D-6631-481A-9AE2-0750751854E4}" srcOrd="0" destOrd="0" presId="urn:microsoft.com/office/officeart/2005/8/layout/hList3"/>
+    <dgm:cxn modelId="{2EC451C1-12E5-4B64-BF5B-A606E2DC6699}" type="presParOf" srcId="{78047CF8-79CA-49D2-9FA1-9DA0F992E0DF}" destId="{02FF219C-CDC8-48E5-9BCB-C7CD1320CF00}" srcOrd="1" destOrd="0" presId="urn:microsoft.com/office/officeart/2005/8/layout/hList3"/>
+    <dgm:cxn modelId="{CC5BE220-4C35-4E5E-980A-0391DCFC02A9}" type="presParOf" srcId="{78047CF8-79CA-49D2-9FA1-9DA0F992E0DF}" destId="{47640091-D731-4DF7-91CE-48AAB3C6ED20}" srcOrd="2" destOrd="0" presId="urn:microsoft.com/office/officeart/2005/8/layout/hList3"/>
+    <dgm:cxn modelId="{F1C4E182-228B-44E1-ADA1-510B528E0ECD}" type="presParOf" srcId="{78047CF8-79CA-49D2-9FA1-9DA0F992E0DF}" destId="{E53EAF41-EC8A-4C15-950C-F28BEE89E60F}" srcOrd="3" destOrd="0" presId="urn:microsoft.com/office/officeart/2005/8/layout/hList3"/>
+    <dgm:cxn modelId="{1AD60E64-08D3-4E10-8A4C-AF0E8DCBE170}" type="presParOf" srcId="{78047CF8-79CA-49D2-9FA1-9DA0F992E0DF}" destId="{6A6D6BD3-B505-44F2-B72B-1E7357AB77F4}" srcOrd="4" destOrd="0" presId="urn:microsoft.com/office/officeart/2005/8/layout/hList3"/>
+    <dgm:cxn modelId="{73CE1614-CE92-479B-B4BD-80E0EE514E34}" type="presParOf" srcId="{9F9B1E55-8BE5-4E65-8CD9-D2FD19EDD402}" destId="{A4C3FF04-5B13-44C9-B3CB-4FE180B5128C}" srcOrd="2" destOrd="0" presId="urn:microsoft.com/office/officeart/2005/8/layout/hList3"/>
+  </dgm:cxnLst>
+  <dgm:bg/>
+  <dgm:whole/>
+  <dgm:extLst>
+    <a:ext uri="http://schemas.microsoft.com/office/drawing/2008/diagram">
+      <dsp:dataModelExt xmlns:dsp="http://schemas.microsoft.com/office/drawing/2008/diagram" relId="rId6" minVer="http://schemas.openxmlformats.org/drawingml/2006/diagram"/>
+    </a:ext>
+  </dgm:extLst>
+</dgm:dataModel>
+</file>
+
+<file path=ppt/diagrams/drawing1.xml><?xml version="1.0" encoding="utf-8"?>
+<dsp:drawing xmlns:dgm="http://schemas.openxmlformats.org/drawingml/2006/diagram" xmlns:dsp="http://schemas.microsoft.com/office/drawing/2008/diagram" xmlns:a="http://schemas.openxmlformats.org/drawingml/2006/main">
+  <dsp:spTree>
+    <dsp:nvGrpSpPr>
+      <dsp:cNvPr id="0" name=""/>
+      <dsp:cNvGrpSpPr/>
+    </dsp:nvGrpSpPr>
+    <dsp:grpSpPr/>
+    <dsp:sp modelId="{17BBF4DC-A887-4ADF-B680-09137155A0EA}">
+      <dsp:nvSpPr>
+        <dsp:cNvPr id="0" name=""/>
+        <dsp:cNvSpPr/>
+      </dsp:nvSpPr>
+      <dsp:spPr>
+        <a:xfrm>
+          <a:off x="0" y="0"/>
+          <a:ext cx="7936992" cy="1585569"/>
+        </a:xfrm>
+        <a:prstGeom prst="rect">
+          <a:avLst/>
+        </a:prstGeom>
+        <a:solidFill>
+          <a:schemeClr val="accent1">
+            <a:shade val="80000"/>
+            <a:hueOff val="0"/>
+            <a:satOff val="0"/>
+            <a:lumOff val="0"/>
+            <a:alphaOff val="0"/>
+          </a:schemeClr>
+        </a:solidFill>
+        <a:ln>
+          <a:noFill/>
+        </a:ln>
+        <a:effectLst>
+          <a:outerShdw blurRad="50800" dist="38100" dir="2700000" algn="tl" rotWithShape="0">
+            <a:prstClr val="black">
+              <a:alpha val="40000"/>
+            </a:prstClr>
+          </a:outerShdw>
+        </a:effectLst>
+      </dsp:spPr>
+      <dsp:style>
+        <a:lnRef idx="0">
+          <a:scrgbClr r="0" g="0" b="0"/>
+        </a:lnRef>
+        <a:fillRef idx="1">
+          <a:scrgbClr r="0" g="0" b="0"/>
+        </a:fillRef>
+        <a:effectRef idx="1">
+          <a:scrgbClr r="0" g="0" b="0"/>
+        </a:effectRef>
+        <a:fontRef idx="minor"/>
+      </dsp:style>
+      <dsp:txBody>
+        <a:bodyPr spcFirstLastPara="0" vert="horz" wrap="square" lIns="190500" tIns="190500" rIns="190500" bIns="190500" numCol="1" spcCol="1270" anchor="ctr" anchorCtr="0">
+          <a:noAutofit/>
+        </a:bodyPr>
+        <a:lstStyle/>
+        <a:p>
+          <a:pPr marL="0" lvl="0" indent="0" algn="ctr" defTabSz="2222500">
+            <a:lnSpc>
+              <a:spcPct val="90000"/>
+            </a:lnSpc>
+            <a:spcBef>
+              <a:spcPct val="0"/>
+            </a:spcBef>
+            <a:spcAft>
+              <a:spcPct val="35000"/>
+            </a:spcAft>
+            <a:buNone/>
+          </a:pPr>
+          <a:r>
+            <a:rPr lang="en-US" sz="5000" b="1" kern="1200" dirty="0">
+              <a:latin typeface="ae_AlArabiya" panose="02060603050605020204" pitchFamily="18" charset="-78"/>
+              <a:cs typeface="ae_AlArabiya" panose="02060603050605020204" pitchFamily="18" charset="-78"/>
+            </a:rPr>
+            <a:t>Techniques of Phishing</a:t>
+          </a:r>
+          <a:endParaRPr lang="en-IN" sz="5000" b="1" kern="1200" dirty="0">
+            <a:latin typeface="ae_AlArabiya" panose="02060603050605020204" pitchFamily="18" charset="-78"/>
+            <a:cs typeface="ae_AlArabiya" panose="02060603050605020204" pitchFamily="18" charset="-78"/>
+          </a:endParaRPr>
+        </a:p>
+      </dsp:txBody>
+      <dsp:txXfrm>
+        <a:off x="0" y="0"/>
+        <a:ext cx="7936992" cy="1585569"/>
+      </dsp:txXfrm>
+    </dsp:sp>
+    <dsp:sp modelId="{D7418E4D-6631-481A-9AE2-0750751854E4}">
+      <dsp:nvSpPr>
+        <dsp:cNvPr id="0" name=""/>
+        <dsp:cNvSpPr/>
+      </dsp:nvSpPr>
+      <dsp:spPr>
+        <a:xfrm>
+          <a:off x="968" y="1585569"/>
+          <a:ext cx="1587010" cy="3329696"/>
+        </a:xfrm>
+        <a:prstGeom prst="rect">
+          <a:avLst/>
+        </a:prstGeom>
+        <a:gradFill rotWithShape="0">
+          <a:gsLst>
+            <a:gs pos="0">
+              <a:schemeClr val="accent1">
+                <a:hueOff val="0"/>
+                <a:satOff val="0"/>
+                <a:lumOff val="0"/>
+                <a:alphaOff val="0"/>
+                <a:lumMod val="110000"/>
+                <a:satMod val="105000"/>
+                <a:tint val="67000"/>
+              </a:schemeClr>
+            </a:gs>
+            <a:gs pos="50000">
+              <a:schemeClr val="accent1">
+                <a:hueOff val="0"/>
+                <a:satOff val="0"/>
+                <a:lumOff val="0"/>
+                <a:alphaOff val="0"/>
+                <a:lumMod val="105000"/>
+                <a:satMod val="103000"/>
+                <a:tint val="73000"/>
+              </a:schemeClr>
+            </a:gs>
+            <a:gs pos="100000">
+              <a:schemeClr val="accent1">
+                <a:hueOff val="0"/>
+                <a:satOff val="0"/>
+                <a:lumOff val="0"/>
+                <a:alphaOff val="0"/>
+                <a:lumMod val="105000"/>
+                <a:satMod val="109000"/>
+                <a:tint val="81000"/>
+              </a:schemeClr>
+            </a:gs>
+          </a:gsLst>
+          <a:lin ang="5400000" scaled="0"/>
+        </a:gradFill>
+        <a:ln>
+          <a:noFill/>
+        </a:ln>
+        <a:effectLst>
+          <a:outerShdw blurRad="50800" dist="38100" dir="2700000" algn="tl" rotWithShape="0">
+            <a:prstClr val="black">
+              <a:alpha val="40000"/>
+            </a:prstClr>
+          </a:outerShdw>
+        </a:effectLst>
+        <a:scene3d>
+          <a:camera prst="orthographicFront"/>
+          <a:lightRig rig="flat" dir="t"/>
+        </a:scene3d>
+        <a:sp3d prstMaterial="dkEdge">
+          <a:bevelT w="8200" h="38100"/>
+        </a:sp3d>
+      </dsp:spPr>
+      <dsp:style>
+        <a:lnRef idx="0">
+          <a:scrgbClr r="0" g="0" b="0"/>
+        </a:lnRef>
+        <a:fillRef idx="2">
+          <a:scrgbClr r="0" g="0" b="0"/>
+        </a:fillRef>
+        <a:effectRef idx="1">
+          <a:scrgbClr r="0" g="0" b="0"/>
+        </a:effectRef>
+        <a:fontRef idx="minor">
+          <a:schemeClr val="dk1"/>
+        </a:fontRef>
+      </dsp:style>
+      <dsp:txBody>
+        <a:bodyPr spcFirstLastPara="0" vert="horz" wrap="square" lIns="68580" tIns="68580" rIns="68580" bIns="68580" numCol="1" spcCol="1270" anchor="ctr" anchorCtr="0">
+          <a:noAutofit/>
+        </a:bodyPr>
+        <a:lstStyle/>
+        <a:p>
+          <a:pPr marL="0" lvl="0" indent="0" algn="ctr" defTabSz="800100">
+            <a:lnSpc>
+              <a:spcPct val="90000"/>
+            </a:lnSpc>
+            <a:spcBef>
+              <a:spcPct val="0"/>
+            </a:spcBef>
+            <a:spcAft>
+              <a:spcPct val="35000"/>
+            </a:spcAft>
+            <a:buNone/>
+          </a:pPr>
+          <a:r>
+            <a:rPr lang="en-US" sz="1800" b="1" kern="1200">
+              <a:latin typeface="ae_AlArabiya" panose="02060603050605020204" pitchFamily="18" charset="-78"/>
+              <a:cs typeface="ae_AlArabiya" panose="02060603050605020204" pitchFamily="18" charset="-78"/>
+            </a:rPr>
+            <a:t>Social Engineering</a:t>
+          </a:r>
+          <a:endParaRPr lang="en-IN" sz="1800" b="1" kern="1200">
+            <a:latin typeface="ae_AlArabiya" panose="02060603050605020204" pitchFamily="18" charset="-78"/>
+            <a:cs typeface="ae_AlArabiya" panose="02060603050605020204" pitchFamily="18" charset="-78"/>
+          </a:endParaRPr>
+        </a:p>
+      </dsp:txBody>
+      <dsp:txXfrm>
+        <a:off x="968" y="1585569"/>
+        <a:ext cx="1587010" cy="3329696"/>
+      </dsp:txXfrm>
+    </dsp:sp>
+    <dsp:sp modelId="{02FF219C-CDC8-48E5-9BCB-C7CD1320CF00}">
+      <dsp:nvSpPr>
+        <dsp:cNvPr id="0" name=""/>
+        <dsp:cNvSpPr/>
+      </dsp:nvSpPr>
+      <dsp:spPr>
+        <a:xfrm>
+          <a:off x="1587979" y="1585569"/>
+          <a:ext cx="1587010" cy="3329696"/>
+        </a:xfrm>
+        <a:prstGeom prst="rect">
+          <a:avLst/>
+        </a:prstGeom>
+        <a:gradFill rotWithShape="0">
+          <a:gsLst>
+            <a:gs pos="0">
+              <a:schemeClr val="accent1">
+                <a:hueOff val="0"/>
+                <a:satOff val="0"/>
+                <a:lumOff val="0"/>
+                <a:alphaOff val="0"/>
+                <a:lumMod val="110000"/>
+                <a:satMod val="105000"/>
+                <a:tint val="67000"/>
+              </a:schemeClr>
+            </a:gs>
+            <a:gs pos="50000">
+              <a:schemeClr val="accent1">
+                <a:hueOff val="0"/>
+                <a:satOff val="0"/>
+                <a:lumOff val="0"/>
+                <a:alphaOff val="0"/>
+                <a:lumMod val="105000"/>
+                <a:satMod val="103000"/>
+                <a:tint val="73000"/>
+              </a:schemeClr>
+            </a:gs>
+            <a:gs pos="100000">
+              <a:schemeClr val="accent1">
+                <a:hueOff val="0"/>
+                <a:satOff val="0"/>
+                <a:lumOff val="0"/>
+                <a:alphaOff val="0"/>
+                <a:lumMod val="105000"/>
+                <a:satMod val="109000"/>
+                <a:tint val="81000"/>
+              </a:schemeClr>
+            </a:gs>
+          </a:gsLst>
+          <a:lin ang="5400000" scaled="0"/>
+        </a:gradFill>
+        <a:ln>
+          <a:noFill/>
+        </a:ln>
+        <a:effectLst>
+          <a:outerShdw blurRad="50800" dist="38100" dir="2700000" algn="tl" rotWithShape="0">
+            <a:prstClr val="black">
+              <a:alpha val="40000"/>
+            </a:prstClr>
+          </a:outerShdw>
+        </a:effectLst>
+        <a:scene3d>
+          <a:camera prst="orthographicFront"/>
+          <a:lightRig rig="flat" dir="t"/>
+        </a:scene3d>
+        <a:sp3d prstMaterial="dkEdge">
+          <a:bevelT w="8200" h="38100"/>
+        </a:sp3d>
+      </dsp:spPr>
+      <dsp:style>
+        <a:lnRef idx="0">
+          <a:scrgbClr r="0" g="0" b="0"/>
+        </a:lnRef>
+        <a:fillRef idx="2">
+          <a:scrgbClr r="0" g="0" b="0"/>
+        </a:fillRef>
+        <a:effectRef idx="1">
+          <a:scrgbClr r="0" g="0" b="0"/>
+        </a:effectRef>
+        <a:fontRef idx="minor">
+          <a:schemeClr val="dk1"/>
+        </a:fontRef>
+      </dsp:style>
+      <dsp:txBody>
+        <a:bodyPr spcFirstLastPara="0" vert="horz" wrap="square" lIns="68580" tIns="68580" rIns="68580" bIns="68580" numCol="1" spcCol="1270" anchor="ctr" anchorCtr="0">
+          <a:noAutofit/>
+        </a:bodyPr>
+        <a:lstStyle/>
+        <a:p>
+          <a:pPr marL="0" lvl="0" indent="0" algn="ctr" defTabSz="800100">
+            <a:lnSpc>
+              <a:spcPct val="90000"/>
+            </a:lnSpc>
+            <a:spcBef>
+              <a:spcPct val="0"/>
+            </a:spcBef>
+            <a:spcAft>
+              <a:spcPct val="35000"/>
+            </a:spcAft>
+            <a:buNone/>
+          </a:pPr>
+          <a:r>
+            <a:rPr lang="en-US" sz="1800" b="1" kern="1200">
+              <a:latin typeface="ae_AlArabiya" panose="02060603050605020204" pitchFamily="18" charset="-78"/>
+              <a:cs typeface="ae_AlArabiya" panose="02060603050605020204" pitchFamily="18" charset="-78"/>
+            </a:rPr>
+            <a:t>Typo Squatting</a:t>
+          </a:r>
+          <a:endParaRPr lang="en-IN" sz="1800" b="1" kern="1200">
+            <a:latin typeface="ae_AlArabiya" panose="02060603050605020204" pitchFamily="18" charset="-78"/>
+            <a:cs typeface="ae_AlArabiya" panose="02060603050605020204" pitchFamily="18" charset="-78"/>
+          </a:endParaRPr>
+        </a:p>
+      </dsp:txBody>
+      <dsp:txXfrm>
+        <a:off x="1587979" y="1585569"/>
+        <a:ext cx="1587010" cy="3329696"/>
+      </dsp:txXfrm>
+    </dsp:sp>
+    <dsp:sp modelId="{47640091-D731-4DF7-91CE-48AAB3C6ED20}">
+      <dsp:nvSpPr>
+        <dsp:cNvPr id="0" name=""/>
+        <dsp:cNvSpPr/>
+      </dsp:nvSpPr>
+      <dsp:spPr>
+        <a:xfrm>
+          <a:off x="3174990" y="1585569"/>
+          <a:ext cx="1587010" cy="3329696"/>
+        </a:xfrm>
+        <a:prstGeom prst="rect">
+          <a:avLst/>
+        </a:prstGeom>
+        <a:gradFill rotWithShape="0">
+          <a:gsLst>
+            <a:gs pos="0">
+              <a:schemeClr val="accent1">
+                <a:hueOff val="0"/>
+                <a:satOff val="0"/>
+                <a:lumOff val="0"/>
+                <a:alphaOff val="0"/>
+                <a:lumMod val="110000"/>
+                <a:satMod val="105000"/>
+                <a:tint val="67000"/>
+              </a:schemeClr>
+            </a:gs>
+            <a:gs pos="50000">
+              <a:schemeClr val="accent1">
+                <a:hueOff val="0"/>
+                <a:satOff val="0"/>
+                <a:lumOff val="0"/>
+                <a:alphaOff val="0"/>
+                <a:lumMod val="105000"/>
+                <a:satMod val="103000"/>
+                <a:tint val="73000"/>
+              </a:schemeClr>
+            </a:gs>
+            <a:gs pos="100000">
+              <a:schemeClr val="accent1">
+                <a:hueOff val="0"/>
+                <a:satOff val="0"/>
+                <a:lumOff val="0"/>
+                <a:alphaOff val="0"/>
+                <a:lumMod val="105000"/>
+                <a:satMod val="109000"/>
+                <a:tint val="81000"/>
+              </a:schemeClr>
+            </a:gs>
+          </a:gsLst>
+          <a:lin ang="5400000" scaled="0"/>
+        </a:gradFill>
+        <a:ln>
+          <a:noFill/>
+        </a:ln>
+        <a:effectLst>
+          <a:outerShdw blurRad="50800" dist="38100" dir="2700000" algn="tl" rotWithShape="0">
+            <a:prstClr val="black">
+              <a:alpha val="40000"/>
+            </a:prstClr>
+          </a:outerShdw>
+        </a:effectLst>
+        <a:scene3d>
+          <a:camera prst="orthographicFront"/>
+          <a:lightRig rig="flat" dir="t"/>
+        </a:scene3d>
+        <a:sp3d prstMaterial="dkEdge">
+          <a:bevelT w="8200" h="38100"/>
+        </a:sp3d>
+      </dsp:spPr>
+      <dsp:style>
+        <a:lnRef idx="0">
+          <a:scrgbClr r="0" g="0" b="0"/>
+        </a:lnRef>
+        <a:fillRef idx="2">
+          <a:scrgbClr r="0" g="0" b="0"/>
+        </a:fillRef>
+        <a:effectRef idx="1">
+          <a:scrgbClr r="0" g="0" b="0"/>
+        </a:effectRef>
+        <a:fontRef idx="minor">
+          <a:schemeClr val="dk1"/>
+        </a:fontRef>
+      </dsp:style>
+      <dsp:txBody>
+        <a:bodyPr spcFirstLastPara="0" vert="horz" wrap="square" lIns="68580" tIns="68580" rIns="68580" bIns="68580" numCol="1" spcCol="1270" anchor="ctr" anchorCtr="0">
+          <a:noAutofit/>
+        </a:bodyPr>
+        <a:lstStyle/>
+        <a:p>
+          <a:pPr marL="0" lvl="0" indent="0" algn="ctr" defTabSz="800100">
+            <a:lnSpc>
+              <a:spcPct val="90000"/>
+            </a:lnSpc>
+            <a:spcBef>
+              <a:spcPct val="0"/>
+            </a:spcBef>
+            <a:spcAft>
+              <a:spcPct val="35000"/>
+            </a:spcAft>
+            <a:buNone/>
+          </a:pPr>
+          <a:r>
+            <a:rPr lang="en-US" sz="1800" b="1" kern="1200">
+              <a:latin typeface="ae_AlArabiya" panose="02060603050605020204" pitchFamily="18" charset="-78"/>
+              <a:cs typeface="ae_AlArabiya" panose="02060603050605020204" pitchFamily="18" charset="-78"/>
+            </a:rPr>
+            <a:t>Email Spoofing</a:t>
+          </a:r>
+          <a:endParaRPr lang="en-IN" sz="1800" b="1" kern="1200">
+            <a:latin typeface="ae_AlArabiya" panose="02060603050605020204" pitchFamily="18" charset="-78"/>
+            <a:cs typeface="ae_AlArabiya" panose="02060603050605020204" pitchFamily="18" charset="-78"/>
+          </a:endParaRPr>
+        </a:p>
+      </dsp:txBody>
+      <dsp:txXfrm>
+        <a:off x="3174990" y="1585569"/>
+        <a:ext cx="1587010" cy="3329696"/>
+      </dsp:txXfrm>
+    </dsp:sp>
+    <dsp:sp modelId="{E53EAF41-EC8A-4C15-950C-F28BEE89E60F}">
+      <dsp:nvSpPr>
+        <dsp:cNvPr id="0" name=""/>
+        <dsp:cNvSpPr/>
+      </dsp:nvSpPr>
+      <dsp:spPr>
+        <a:xfrm>
+          <a:off x="4762001" y="1585569"/>
+          <a:ext cx="1587010" cy="3329696"/>
+        </a:xfrm>
+        <a:prstGeom prst="rect">
+          <a:avLst/>
+        </a:prstGeom>
+        <a:gradFill rotWithShape="0">
+          <a:gsLst>
+            <a:gs pos="0">
+              <a:schemeClr val="accent1">
+                <a:hueOff val="0"/>
+                <a:satOff val="0"/>
+                <a:lumOff val="0"/>
+                <a:alphaOff val="0"/>
+                <a:lumMod val="110000"/>
+                <a:satMod val="105000"/>
+                <a:tint val="67000"/>
+              </a:schemeClr>
+            </a:gs>
+            <a:gs pos="50000">
+              <a:schemeClr val="accent1">
+                <a:hueOff val="0"/>
+                <a:satOff val="0"/>
+                <a:lumOff val="0"/>
+                <a:alphaOff val="0"/>
+                <a:lumMod val="105000"/>
+                <a:satMod val="103000"/>
+                <a:tint val="73000"/>
+              </a:schemeClr>
+            </a:gs>
+            <a:gs pos="100000">
+              <a:schemeClr val="accent1">
+                <a:hueOff val="0"/>
+                <a:satOff val="0"/>
+                <a:lumOff val="0"/>
+                <a:alphaOff val="0"/>
+                <a:lumMod val="105000"/>
+                <a:satMod val="109000"/>
+                <a:tint val="81000"/>
+              </a:schemeClr>
+            </a:gs>
+          </a:gsLst>
+          <a:lin ang="5400000" scaled="0"/>
+        </a:gradFill>
+        <a:ln>
+          <a:noFill/>
+        </a:ln>
+        <a:effectLst>
+          <a:outerShdw blurRad="50800" dist="38100" dir="2700000" algn="tl" rotWithShape="0">
+            <a:prstClr val="black">
+              <a:alpha val="40000"/>
+            </a:prstClr>
+          </a:outerShdw>
+        </a:effectLst>
+        <a:scene3d>
+          <a:camera prst="orthographicFront"/>
+          <a:lightRig rig="flat" dir="t"/>
+        </a:scene3d>
+        <a:sp3d prstMaterial="dkEdge">
+          <a:bevelT w="8200" h="38100"/>
+        </a:sp3d>
+      </dsp:spPr>
+      <dsp:style>
+        <a:lnRef idx="0">
+          <a:scrgbClr r="0" g="0" b="0"/>
+        </a:lnRef>
+        <a:fillRef idx="2">
+          <a:scrgbClr r="0" g="0" b="0"/>
+        </a:fillRef>
+        <a:effectRef idx="1">
+          <a:scrgbClr r="0" g="0" b="0"/>
+        </a:effectRef>
+        <a:fontRef idx="minor">
+          <a:schemeClr val="dk1"/>
+        </a:fontRef>
+      </dsp:style>
+      <dsp:txBody>
+        <a:bodyPr spcFirstLastPara="0" vert="horz" wrap="square" lIns="68580" tIns="68580" rIns="68580" bIns="68580" numCol="1" spcCol="1270" anchor="ctr" anchorCtr="0">
+          <a:noAutofit/>
+        </a:bodyPr>
+        <a:lstStyle/>
+        <a:p>
+          <a:pPr marL="0" lvl="0" indent="0" algn="ctr" defTabSz="800100">
+            <a:lnSpc>
+              <a:spcPct val="90000"/>
+            </a:lnSpc>
+            <a:spcBef>
+              <a:spcPct val="0"/>
+            </a:spcBef>
+            <a:spcAft>
+              <a:spcPct val="35000"/>
+            </a:spcAft>
+            <a:buNone/>
+          </a:pPr>
+          <a:r>
+            <a:rPr lang="en-US" sz="1800" b="1" kern="1200">
+              <a:latin typeface="ae_AlArabiya" panose="02060603050605020204" pitchFamily="18" charset="-78"/>
+              <a:cs typeface="ae_AlArabiya" panose="02060603050605020204" pitchFamily="18" charset="-78"/>
+            </a:rPr>
+            <a:t>URL Shortening</a:t>
+          </a:r>
+          <a:endParaRPr lang="en-IN" sz="1800" b="1" kern="1200">
+            <a:latin typeface="ae_AlArabiya" panose="02060603050605020204" pitchFamily="18" charset="-78"/>
+            <a:cs typeface="ae_AlArabiya" panose="02060603050605020204" pitchFamily="18" charset="-78"/>
+          </a:endParaRPr>
+        </a:p>
+      </dsp:txBody>
+      <dsp:txXfrm>
+        <a:off x="4762001" y="1585569"/>
+        <a:ext cx="1587010" cy="3329696"/>
+      </dsp:txXfrm>
+    </dsp:sp>
+    <dsp:sp modelId="{6A6D6BD3-B505-44F2-B72B-1E7357AB77F4}">
+      <dsp:nvSpPr>
+        <dsp:cNvPr id="0" name=""/>
+        <dsp:cNvSpPr/>
+      </dsp:nvSpPr>
+      <dsp:spPr>
+        <a:xfrm>
+          <a:off x="6349012" y="1585569"/>
+          <a:ext cx="1587010" cy="3329696"/>
+        </a:xfrm>
+        <a:prstGeom prst="rect">
+          <a:avLst/>
+        </a:prstGeom>
+        <a:gradFill rotWithShape="0">
+          <a:gsLst>
+            <a:gs pos="0">
+              <a:schemeClr val="accent1">
+                <a:hueOff val="0"/>
+                <a:satOff val="0"/>
+                <a:lumOff val="0"/>
+                <a:alphaOff val="0"/>
+                <a:lumMod val="110000"/>
+                <a:satMod val="105000"/>
+                <a:tint val="67000"/>
+              </a:schemeClr>
+            </a:gs>
+            <a:gs pos="50000">
+              <a:schemeClr val="accent1">
+                <a:hueOff val="0"/>
+                <a:satOff val="0"/>
+                <a:lumOff val="0"/>
+                <a:alphaOff val="0"/>
+                <a:lumMod val="105000"/>
+                <a:satMod val="103000"/>
+                <a:tint val="73000"/>
+              </a:schemeClr>
+            </a:gs>
+            <a:gs pos="100000">
+              <a:schemeClr val="accent1">
+                <a:hueOff val="0"/>
+                <a:satOff val="0"/>
+                <a:lumOff val="0"/>
+                <a:alphaOff val="0"/>
+                <a:lumMod val="105000"/>
+                <a:satMod val="109000"/>
+                <a:tint val="81000"/>
+              </a:schemeClr>
+            </a:gs>
+          </a:gsLst>
+          <a:lin ang="5400000" scaled="0"/>
+        </a:gradFill>
+        <a:ln>
+          <a:noFill/>
+        </a:ln>
+        <a:effectLst>
+          <a:outerShdw blurRad="50800" dist="38100" dir="2700000" algn="tl" rotWithShape="0">
+            <a:prstClr val="black">
+              <a:alpha val="40000"/>
+            </a:prstClr>
+          </a:outerShdw>
+        </a:effectLst>
+        <a:scene3d>
+          <a:camera prst="orthographicFront"/>
+          <a:lightRig rig="flat" dir="t"/>
+        </a:scene3d>
+        <a:sp3d prstMaterial="dkEdge">
+          <a:bevelT w="8200" h="38100"/>
+        </a:sp3d>
+      </dsp:spPr>
+      <dsp:style>
+        <a:lnRef idx="0">
+          <a:scrgbClr r="0" g="0" b="0"/>
+        </a:lnRef>
+        <a:fillRef idx="2">
+          <a:scrgbClr r="0" g="0" b="0"/>
+        </a:fillRef>
+        <a:effectRef idx="1">
+          <a:scrgbClr r="0" g="0" b="0"/>
+        </a:effectRef>
+        <a:fontRef idx="minor">
+          <a:schemeClr val="dk1"/>
+        </a:fontRef>
+      </dsp:style>
+      <dsp:txBody>
+        <a:bodyPr spcFirstLastPara="0" vert="horz" wrap="square" lIns="68580" tIns="68580" rIns="68580" bIns="68580" numCol="1" spcCol="1270" anchor="ctr" anchorCtr="0">
+          <a:noAutofit/>
+        </a:bodyPr>
+        <a:lstStyle/>
+        <a:p>
+          <a:pPr marL="0" lvl="0" indent="0" algn="ctr" defTabSz="800100">
+            <a:lnSpc>
+              <a:spcPct val="90000"/>
+            </a:lnSpc>
+            <a:spcBef>
+              <a:spcPct val="0"/>
+            </a:spcBef>
+            <a:spcAft>
+              <a:spcPct val="35000"/>
+            </a:spcAft>
+            <a:buNone/>
+          </a:pPr>
+          <a:r>
+            <a:rPr lang="en-US" sz="1800" b="1" kern="1200">
+              <a:latin typeface="ae_AlArabiya" panose="02060603050605020204" pitchFamily="18" charset="-78"/>
+              <a:cs typeface="ae_AlArabiya" panose="02060603050605020204" pitchFamily="18" charset="-78"/>
+            </a:rPr>
+            <a:t>Malicious Redirect</a:t>
+          </a:r>
+          <a:endParaRPr lang="en-IN" sz="1800" b="1" kern="1200">
+            <a:latin typeface="ae_AlArabiya" panose="02060603050605020204" pitchFamily="18" charset="-78"/>
+            <a:cs typeface="ae_AlArabiya" panose="02060603050605020204" pitchFamily="18" charset="-78"/>
+          </a:endParaRPr>
+        </a:p>
+      </dsp:txBody>
+      <dsp:txXfrm>
+        <a:off x="6349012" y="1585569"/>
+        <a:ext cx="1587010" cy="3329696"/>
+      </dsp:txXfrm>
+    </dsp:sp>
+    <dsp:sp modelId="{A4C3FF04-5B13-44C9-B3CB-4FE180B5128C}">
+      <dsp:nvSpPr>
+        <dsp:cNvPr id="0" name=""/>
+        <dsp:cNvSpPr/>
+      </dsp:nvSpPr>
+      <dsp:spPr>
+        <a:xfrm>
+          <a:off x="0" y="4906120"/>
+          <a:ext cx="7936992" cy="369966"/>
+        </a:xfrm>
+        <a:prstGeom prst="rect">
+          <a:avLst/>
+        </a:prstGeom>
+        <a:solidFill>
+          <a:schemeClr val="accent1">
+            <a:shade val="80000"/>
+            <a:hueOff val="0"/>
+            <a:satOff val="0"/>
+            <a:lumOff val="0"/>
+            <a:alphaOff val="0"/>
+          </a:schemeClr>
+        </a:solidFill>
+        <a:ln>
+          <a:noFill/>
+        </a:ln>
+        <a:effectLst>
+          <a:outerShdw blurRad="50800" dist="38100" dir="2700000" algn="tl" rotWithShape="0">
+            <a:prstClr val="black">
+              <a:alpha val="40000"/>
+            </a:prstClr>
+          </a:outerShdw>
+        </a:effectLst>
+      </dsp:spPr>
+      <dsp:style>
+        <a:lnRef idx="0">
+          <a:scrgbClr r="0" g="0" b="0"/>
+        </a:lnRef>
+        <a:fillRef idx="1">
+          <a:scrgbClr r="0" g="0" b="0"/>
+        </a:fillRef>
+        <a:effectRef idx="1">
+          <a:scrgbClr r="0" g="0" b="0"/>
+        </a:effectRef>
+        <a:fontRef idx="minor"/>
+      </dsp:style>
+    </dsp:sp>
+  </dsp:spTree>
+</dsp:drawing>
+</file>
+
+<file path=ppt/diagrams/layout1.xml><?xml version="1.0" encoding="utf-8"?>
+<dgm:layoutDef xmlns:dgm="http://schemas.openxmlformats.org/drawingml/2006/diagram" xmlns:a="http://schemas.openxmlformats.org/drawingml/2006/main" uniqueId="urn:microsoft.com/office/officeart/2005/8/layout/hList3">
+  <dgm:title val=""/>
+  <dgm:desc val=""/>
+  <dgm:catLst>
+    <dgm:cat type="list" pri="19000"/>
+  </dgm:catLst>
+  <dgm:sampData>
+    <dgm:dataModel>
+      <dgm:ptLst>
+        <dgm:pt modelId="0" type="doc"/>
+        <dgm:pt modelId="1">
+          <dgm:prSet phldr="1"/>
+        </dgm:pt>
+        <dgm:pt modelId="2">
+          <dgm:prSet phldr="1"/>
+        </dgm:pt>
+        <dgm:pt modelId="3">
+          <dgm:prSet phldr="1"/>
+        </dgm:pt>
+        <dgm:pt modelId="4">
+          <dgm:prSet phldr="1"/>
+        </dgm:pt>
+      </dgm:ptLst>
+      <dgm:cxnLst>
+        <dgm:cxn modelId="5" srcId="0" destId="1" srcOrd="0" destOrd="0"/>
+        <dgm:cxn modelId="6" srcId="1" destId="2" srcOrd="0" destOrd="0"/>
+        <dgm:cxn modelId="7" srcId="1" destId="3" srcOrd="1" destOrd="0"/>
+        <dgm:cxn modelId="8" srcId="1" destId="4" srcOrd="2" destOrd="0"/>
+      </dgm:cxnLst>
+      <dgm:bg/>
+      <dgm:whole/>
+    </dgm:dataModel>
+  </dgm:sampData>
+  <dgm:styleData>
+    <dgm:dataModel>
+      <dgm:ptLst>
+        <dgm:pt modelId="0" type="doc"/>
+        <dgm:pt modelId="1"/>
+        <dgm:pt modelId="2"/>
+        <dgm:pt modelId="3"/>
+      </dgm:ptLst>
+      <dgm:cxnLst>
+        <dgm:cxn modelId="5" srcId="0" destId="1" srcOrd="0" destOrd="0"/>
+        <dgm:cxn modelId="6" srcId="1" destId="2" srcOrd="0" destOrd="0"/>
+        <dgm:cxn modelId="7" srcId="1" destId="3" srcOrd="1" destOrd="0"/>
+      </dgm:cxnLst>
+      <dgm:bg/>
+      <dgm:whole/>
+    </dgm:dataModel>
+  </dgm:styleData>
+  <dgm:clrData>
+    <dgm:dataModel>
+      <dgm:ptLst>
+        <dgm:pt modelId="0" type="doc"/>
+        <dgm:pt modelId="1"/>
+        <dgm:pt modelId="2"/>
+        <dgm:pt modelId="3"/>
+        <dgm:pt modelId="4"/>
+        <dgm:pt modelId="5"/>
+      </dgm:ptLst>
+      <dgm:cxnLst>
+        <dgm:cxn modelId="6" srcId="0" destId="1" srcOrd="0" destOrd="0"/>
+        <dgm:cxn modelId="7" srcId="1" destId="2" srcOrd="0" destOrd="0"/>
+        <dgm:cxn modelId="8" srcId="1" destId="3" srcOrd="1" destOrd="0"/>
+        <dgm:cxn modelId="9" srcId="1" destId="4" srcOrd="2" destOrd="0"/>
+        <dgm:cxn modelId="10" srcId="1" destId="5" srcOrd="3" destOrd="0"/>
+      </dgm:cxnLst>
+      <dgm:bg/>
+      <dgm:whole/>
+    </dgm:dataModel>
+  </dgm:clrData>
+  <dgm:layoutNode name="composite">
+    <dgm:varLst>
+      <dgm:chMax val="1"/>
+      <dgm:dir/>
+      <dgm:resizeHandles val="exact"/>
+    </dgm:varLst>
+    <dgm:alg type="composite"/>
+    <dgm:shape xmlns:r="http://schemas.openxmlformats.org/officeDocument/2006/relationships" r:blip="">
+      <dgm:adjLst/>
+    </dgm:shape>
+    <dgm:presOf/>
+    <dgm:constrLst>
+      <dgm:constr type="w" for="ch" forName="roof" refType="w"/>
+      <dgm:constr type="h" for="ch" forName="roof" refType="h" fact="0.3"/>
+      <dgm:constr type="primFontSz" for="ch" forName="roof" val="65"/>
+      <dgm:constr type="w" for="ch" forName="pillars" refType="w"/>
+      <dgm:constr type="h" for="ch" forName="pillars" refType="h" fact="0.63"/>
+      <dgm:constr type="t" for="ch" forName="pillars" refType="h" fact="0.3"/>
+      <dgm:constr type="primFontSz" for="des" forName="pillar1" val="65"/>
+      <dgm:constr type="primFontSz" for="des" forName="pillarX" refType="primFontSz" refFor="des" refForName="pillar1" op="equ"/>
+      <dgm:constr type="w" for="ch" forName="base" refType="w"/>
+      <dgm:constr type="h" for="ch" forName="base" refType="h" fact="0.07"/>
+      <dgm:constr type="t" for="ch" forName="base" refType="h" fact="0.93"/>
+    </dgm:constrLst>
+    <dgm:ruleLst/>
+    <dgm:forEach name="Name0" axis="ch" ptType="node" cnt="1">
+      <dgm:layoutNode name="roof" styleLbl="dkBgShp">
+        <dgm:alg type="tx"/>
+        <dgm:shape xmlns:r="http://schemas.openxmlformats.org/officeDocument/2006/relationships" type="rect" r:blip="">
+          <dgm:adjLst/>
+        </dgm:shape>
+        <dgm:presOf axis="self"/>
+        <dgm:constrLst>
+          <dgm:constr type="lMarg" refType="primFontSz" fact="0.3"/>
+          <dgm:constr type="rMarg" refType="primFontSz" fact="0.3"/>
+          <dgm:constr type="tMarg" refType="primFontSz" fact="0.3"/>
+          <dgm:constr type="bMarg" refType="primFontSz" fact="0.3"/>
+        </dgm:constrLst>
+        <dgm:ruleLst>
+          <dgm:rule type="primFontSz" val="5" fact="NaN" max="NaN"/>
+        </dgm:ruleLst>
+      </dgm:layoutNode>
+      <dgm:layoutNode name="pillars" styleLbl="node1">
+        <dgm:choose name="Name1">
+          <dgm:if name="Name2" func="var" arg="dir" op="equ" val="norm">
+            <dgm:alg type="lin">
+              <dgm:param type="linDir" val="fromL"/>
+            </dgm:alg>
+          </dgm:if>
+          <dgm:else name="Name3">
+            <dgm:alg type="lin">
+              <dgm:param type="linDir" val="fromR"/>
+            </dgm:alg>
+          </dgm:else>
+        </dgm:choose>
+        <dgm:shape xmlns:r="http://schemas.openxmlformats.org/officeDocument/2006/relationships" r:blip="">
+          <dgm:adjLst/>
+        </dgm:shape>
+        <dgm:presOf/>
+        <dgm:constrLst>
+          <dgm:constr type="w" for="ch" forName="pillar1" refType="w"/>
+          <dgm:constr type="h" for="ch" forName="pillar1" refType="h"/>
+          <dgm:constr type="w" for="ch" forName="pillarX" refType="w"/>
+          <dgm:constr type="h" for="ch" forName="pillarX" refType="h"/>
+        </dgm:constrLst>
+        <dgm:ruleLst/>
+        <dgm:layoutNode name="pillar1" styleLbl="node1">
+          <dgm:varLst>
+            <dgm:bulletEnabled val="1"/>
+          </dgm:varLst>
+          <dgm:alg type="tx"/>
+          <dgm:shape xmlns:r="http://schemas.openxmlformats.org/officeDocument/2006/relationships" type="rect" r:blip="">
+            <dgm:adjLst/>
+          </dgm:shape>
+          <dgm:presOf axis="ch desOrSelf" ptType="node node" st="1 1" cnt="1 0"/>
+          <dgm:constrLst>
+            <dgm:constr type="lMarg" refType="primFontSz" fact="0.3"/>
+            <dgm:constr type="rMarg" refType="primFontSz" fact="0.3"/>
+            <dgm:constr type="tMarg" refType="primFontSz" fact="0.3"/>
+            <dgm:constr type="bMarg" refType="primFontSz" fact="0.3"/>
+          </dgm:constrLst>
+          <dgm:ruleLst>
+            <dgm:rule type="primFontSz" val="5" fact="NaN" max="NaN"/>
+          </dgm:ruleLst>
+        </dgm:layoutNode>
+        <dgm:forEach name="Name4" axis="ch" ptType="node" st="2">
+          <dgm:layoutNode name="pillarX" styleLbl="node1">
+            <dgm:varLst>
+              <dgm:bulletEnabled val="1"/>
+            </dgm:varLst>
+            <dgm:alg type="tx"/>
+            <dgm:shape xmlns:r="http://schemas.openxmlformats.org/officeDocument/2006/relationships" type="rect" r:blip="">
+              <dgm:adjLst/>
+            </dgm:shape>
+            <dgm:presOf axis="desOrSelf" ptType="node"/>
+            <dgm:constrLst>
+              <dgm:constr type="lMarg" refType="primFontSz" fact="0.3"/>
+              <dgm:constr type="rMarg" refType="primFontSz" fact="0.3"/>
+              <dgm:constr type="tMarg" refType="primFontSz" fact="0.3"/>
+              <dgm:constr type="bMarg" refType="primFontSz" fact="0.3"/>
+            </dgm:constrLst>
+            <dgm:ruleLst>
+              <dgm:rule type="primFontSz" val="5" fact="NaN" max="NaN"/>
+            </dgm:ruleLst>
+          </dgm:layoutNode>
+        </dgm:forEach>
+      </dgm:layoutNode>
+      <dgm:layoutNode name="base" styleLbl="dkBgShp">
+        <dgm:alg type="sp"/>
+        <dgm:shape xmlns:r="http://schemas.openxmlformats.org/officeDocument/2006/relationships" type="rect" r:blip="">
+          <dgm:adjLst/>
+        </dgm:shape>
+        <dgm:presOf/>
+        <dgm:constrLst/>
+        <dgm:ruleLst/>
+      </dgm:layoutNode>
+    </dgm:forEach>
+  </dgm:layoutNode>
+</dgm:layoutDef>
+</file>
+
+<file path=ppt/diagrams/quickStyle1.xml><?xml version="1.0" encoding="utf-8"?>
+<dgm:styleDef xmlns:dgm="http://schemas.openxmlformats.org/drawingml/2006/diagram" xmlns:a="http://schemas.openxmlformats.org/drawingml/2006/main" uniqueId="urn:microsoft.com/office/officeart/2005/8/quickstyle/simple3">
+  <dgm:title val=""/>
+  <dgm:desc val=""/>
+  <dgm:catLst>
+    <dgm:cat type="simple" pri="10300"/>
+  </dgm:catLst>
+  <dgm:scene3d>
+    <a:camera prst="orthographicFront"/>
+    <a:lightRig rig="threePt" dir="t"/>
+  </dgm:scene3d>
+  <dgm:styleLbl name="node0">
+    <dgm:scene3d>
+      <a:camera prst="orthographicFront"/>
+      <a:lightRig rig="flat" dir="t"/>
+    </dgm:scene3d>
+    <dgm:sp3d prstMaterial="dkEdge">
+      <a:bevelT w="8200" h="38100"/>
+    </dgm:sp3d>
+    <dgm:txPr/>
+    <dgm:style>
+      <a:lnRef idx="0">
+        <a:scrgbClr r="0" g="0" b="0"/>
+      </a:lnRef>
+      <a:fillRef idx="2">
+        <a:scrgbClr r="0" g="0" b="0"/>
+      </a:fillRef>
+      <a:effectRef idx="1">
+        <a:scrgbClr r="0" g="0" b="0"/>
+      </a:effectRef>
+      <a:fontRef idx="minor">
+        <a:schemeClr val="dk1"/>
+      </a:fontRef>
+    </dgm:style>
+  </dgm:styleLbl>
+  <dgm:styleLbl name="lnNode1">
+    <dgm:scene3d>
+      <a:camera prst="orthographicFront"/>
+      <a:lightRig rig="flat" dir="t"/>
+    </dgm:scene3d>
+    <dgm:sp3d prstMaterial="dkEdge">
+      <a:bevelT w="8200" h="38100"/>
+    </dgm:sp3d>
+    <dgm:txPr/>
+    <dgm:style>
+      <a:lnRef idx="1">
+        <a:scrgbClr r="0" g="0" b="0"/>
+      </a:lnRef>
+      <a:fillRef idx="2">
+        <a:scrgbClr r="0" g="0" b="0"/>
+      </a:fillRef>
+      <a:effectRef idx="0">
+        <a:scrgbClr r="0" g="0" b="0"/>
+      </a:effectRef>
+      <a:fontRef idx="minor">
+        <a:schemeClr val="dk1"/>
+      </a:fontRef>
+    </dgm:style>
+  </dgm:styleLbl>
+  <dgm:styleLbl name="vennNode1">
+    <dgm:scene3d>
+      <a:camera prst="orthographicFront"/>
+      <a:lightRig rig="flat" dir="t"/>
+    </dgm:scene3d>
+    <dgm:sp3d prstMaterial="dkEdge">
+      <a:bevelT w="8200" h="38100"/>
+    </dgm:sp3d>
+    <dgm:txPr/>
+    <dgm:style>
+      <a:lnRef idx="0">
+        <a:scrgbClr r="0" g="0" b="0"/>
+      </a:lnRef>
+      <a:fillRef idx="2">
+        <a:scrgbClr r="0" g="0" b="0"/>
+      </a:fillRef>
+      <a:effectRef idx="0">
+        <a:scrgbClr r="0" g="0" b="0"/>
+      </a:effectRef>
+      <a:fontRef idx="minor">
+        <a:schemeClr val="tx1"/>
+      </a:fontRef>
+    </dgm:style>
+  </dgm:styleLbl>
+  <dgm:styleLbl name="alignNode1">
+    <dgm:scene3d>
+      <a:camera prst="orthographicFront"/>
+      <a:lightRig rig="threePt" dir="t"/>
+    </dgm:scene3d>
+    <dgm:sp3d/>
+    <dgm:txPr/>
+    <dgm:style>
+      <a:lnRef idx="1">
+        <a:scrgbClr r="0" g="0" b="0"/>
+      </a:lnRef>
+      <a:fillRef idx="2">
+        <a:scrgbClr r="0" g="0" b="0"/>
+      </a:fillRef>
+      <a:effectRef idx="1">
+        <a:scrgbClr r="0" g="0" b="0"/>
+      </a:effectRef>
+      <a:fontRef idx="minor">
+        <a:schemeClr val="dk1"/>
+      </a:fontRef>
+    </dgm:style>
+  </dgm:styleLbl>
+  <dgm:styleLbl name="node1">
+    <dgm:scene3d>
+      <a:camera prst="orthographicFront"/>
+      <a:lightRig rig="flat" dir="t"/>
+    </dgm:scene3d>
+    <dgm:sp3d prstMaterial="dkEdge">
+      <a:bevelT w="8200" h="38100"/>
+    </dgm:sp3d>
+    <dgm:txPr/>
+    <dgm:style>
+      <a:lnRef idx="0">
+        <a:scrgbClr r="0" g="0" b="0"/>
+      </a:lnRef>
+      <a:fillRef idx="2">
+        <a:scrgbClr r="0" g="0" b="0"/>
+      </a:fillRef>
+      <a:effectRef idx="1">
+        <a:scrgbClr r="0" g="0" b="0"/>
+      </a:effectRef>
+      <a:fontRef idx="minor">
+        <a:schemeClr val="dk1"/>
+      </a:fontRef>
+    </dgm:style>
+  </dgm:styleLbl>
+  <dgm:styleLbl name="node2">
+    <dgm:scene3d>
+      <a:camera prst="orthographicFront"/>
+      <a:lightRig rig="flat" dir="t"/>
+    </dgm:scene3d>
+    <dgm:sp3d prstMaterial="dkEdge">
+      <a:bevelT w="8200" h="38100"/>
+    </dgm:sp3d>
+    <dgm:txPr/>
+    <dgm:style>
+      <a:lnRef idx="0">
+        <a:scrgbClr r="0" g="0" b="0"/>
+      </a:lnRef>
+      <a:fillRef idx="2">
+        <a:scrgbClr r="0" g="0" b="0"/>
+      </a:fillRef>
+      <a:effectRef idx="1">
+        <a:scrgbClr r="0" g="0" b="0"/>
+      </a:effectRef>
+      <a:fontRef idx="minor">
+        <a:schemeClr val="dk1"/>
+      </a:fontRef>
+    </dgm:style>
+  </dgm:styleLbl>
+  <dgm:styleLbl name="node3">
+    <dgm:scene3d>
+      <a:camera prst="orthographicFront"/>
+      <a:lightRig rig="flat" dir="t"/>
+    </dgm:scene3d>
+    <dgm:sp3d prstMaterial="dkEdge">
+      <a:bevelT w="8200" h="38100"/>
+    </dgm:sp3d>
+    <dgm:txPr/>
+    <dgm:style>
+      <a:lnRef idx="0">
+        <a:scrgbClr r="0" g="0" b="0"/>
+      </a:lnRef>
+      <a:fillRef idx="2">
+        <a:scrgbClr r="0" g="0" b="0"/>
+      </a:fillRef>
+      <a:effectRef idx="1">
+        <a:scrgbClr r="0" g="0" b="0"/>
+      </a:effectRef>
+      <a:fontRef idx="minor">
+        <a:schemeClr val="dk1"/>
+      </a:fontRef>
+    </dgm:style>
+  </dgm:styleLbl>
+  <dgm:styleLbl name="node4">
+    <dgm:scene3d>
+      <a:camera prst="orthographicFront"/>
+      <a:lightRig rig="flat" dir="t"/>
+    </dgm:scene3d>
+    <dgm:sp3d prstMaterial="dkEdge">
+      <a:bevelT w="8200" h="38100"/>
+    </dgm:sp3d>
+    <dgm:txPr/>
+    <dgm:style>
+      <a:lnRef idx="0">
+        <a:scrgbClr r="0" g="0" b="0"/>
+      </a:lnRef>
+      <a:fillRef idx="2">
+        <a:scrgbClr r="0" g="0" b="0"/>
+      </a:fillRef>
+      <a:effectRef idx="1">
+        <a:scrgbClr r="0" g="0" b="0"/>
+      </a:effectRef>
+      <a:fontRef idx="minor">
+        <a:schemeClr val="dk1"/>
+      </a:fontRef>
+    </dgm:style>
+  </dgm:styleLbl>
+  <dgm:styleLbl name="fgImgPlace1">
+    <dgm:scene3d>
+      <a:camera prst="orthographicFront"/>
+      <a:lightRig rig="threePt" dir="t"/>
+    </dgm:scene3d>
+    <dgm:sp3d/>
+    <dgm:txPr/>
+    <dgm:style>
+      <a:lnRef idx="1">
+        <a:scrgbClr r="0" g="0" b="0"/>
+      </a:lnRef>
+      <a:fillRef idx="1">
+        <a:scrgbClr r="0" g="0" b="0"/>
+      </a:fillRef>
+      <a:effectRef idx="1">
+        <a:scrgbClr r="0" g="0" b="0"/>
+      </a:effectRef>
+      <a:fontRef idx="minor"/>
+    </dgm:style>
+  </dgm:styleLbl>
+  <dgm:styleLbl name="alignImgPlace1">
+    <dgm:scene3d>
+      <a:camera prst="orthographicFront"/>
+      <a:lightRig rig="threePt" dir="t"/>
+    </dgm:scene3d>
+    <dgm:sp3d/>
+    <dgm:txPr/>
+    <dgm:style>
+      <a:lnRef idx="1">
+        <a:scrgbClr r="0" g="0" b="0"/>
+      </a:lnRef>
+      <a:fillRef idx="1">
+        <a:scrgbClr r="0" g="0" b="0"/>
+      </a:fillRef>
+      <a:effectRef idx="1">
+        <a:scrgbClr r="0" g="0" b="0"/>
+      </a:effectRef>
+      <a:fontRef idx="minor"/>
+    </dgm:style>
+  </dgm:styleLbl>
+  <dgm:styleLbl name="bgImgPlace1">
+    <dgm:scene3d>
+      <a:camera prst="orthographicFront"/>
+      <a:lightRig rig="threePt" dir="t"/>
+    </dgm:scene3d>
+    <dgm:sp3d/>
+    <dgm:txPr/>
+    <dgm:style>
+      <a:lnRef idx="1">
+        <a:scrgbClr r="0" g="0" b="0"/>
+      </a:lnRef>
+      <a:fillRef idx="1">
+        <a:scrgbClr r="0" g="0" b="0"/>
+      </a:fillRef>
+      <a:effectRef idx="1">
+        <a:scrgbClr r="0" g="0" b="0"/>
+      </a:effectRef>
+      <a:fontRef idx="minor"/>
+    </dgm:style>
+  </dgm:styleLbl>
+  <dgm:styleLbl name="sibTrans2D1">
+    <dgm:scene3d>
+      <a:camera prst="orthographicFront"/>
+      <a:lightRig rig="threePt" dir="t"/>
+    </dgm:scene3d>
+    <dgm:sp3d/>
+    <dgm:txPr/>
+    <dgm:style>
+      <a:lnRef idx="0">
+        <a:scrgbClr r="0" g="0" b="0"/>
+      </a:lnRef>
+      <a:fillRef idx="2">
+        <a:scrgbClr r="0" g="0" b="0"/>
+      </a:fillRef>
+      <a:effectRef idx="1">
+        <a:scrgbClr r="0" g="0" b="0"/>
+      </a:effectRef>
+      <a:fontRef idx="minor">
+        <a:schemeClr val="dk1"/>
+      </a:fontRef>
+    </dgm:style>
+  </dgm:styleLbl>
+  <dgm:styleLbl name="fgSibTrans2D1">
+    <dgm:scene3d>
+      <a:camera prst="orthographicFront"/>
+      <a:lightRig rig="threePt" dir="t"/>
+    </dgm:scene3d>
+    <dgm:sp3d/>
+    <dgm:txPr/>
+    <dgm:style>
+      <a:lnRef idx="0">
+        <a:scrgbClr r="0" g="0" b="0"/>
+      </a:lnRef>
+      <a:fillRef idx="2">
+        <a:scrgbClr r="0" g="0" b="0"/>
+      </a:fillRef>
+      <a:effectRef idx="1">
+        <a:scrgbClr r="0" g="0" b="0"/>
+      </a:effectRef>
+      <a:fontRef idx="minor">
+        <a:schemeClr val="dk1"/>
+      </a:fontRef>
+    </dgm:style>
+  </dgm:styleLbl>
+  <dgm:styleLbl name="bgSibTrans2D1">
+    <dgm:scene3d>
+      <a:camera prst="orthographicFront"/>
+      <a:lightRig rig="threePt" dir="t"/>
+    </dgm:scene3d>
+    <dgm:sp3d/>
+    <dgm:txPr/>
+    <dgm:style>
+      <a:lnRef idx="0">
+        <a:scrgbClr r="0" g="0" b="0"/>
+      </a:lnRef>
+      <a:fillRef idx="2">
+        <a:scrgbClr r="0" g="0" b="0"/>
+      </a:fillRef>
+      <a:effectRef idx="1">
+        <a:scrgbClr r="0" g="0" b="0"/>
+      </a:effectRef>
+      <a:fontRef idx="minor">
+        <a:schemeClr val="dk1"/>
+      </a:fontRef>
+    </dgm:style>
+  </dgm:styleLbl>
+  <dgm:styleLbl name="sibTrans1D1">
+    <dgm:scene3d>
+      <a:camera prst="orthographicFront"/>
+      <a:lightRig rig="threePt" dir="t"/>
+    </dgm:scene3d>
+    <dgm:sp3d/>
+    <dgm:txPr/>
+    <dgm:style>
+      <a:lnRef idx="1">
+        <a:scrgbClr r="0" g="0" b="0"/>
+      </a:lnRef>
+      <a:fillRef idx="0">
+        <a:scrgbClr r="0" g="0" b="0"/>
+      </a:fillRef>
+      <a:effectRef idx="0">
+        <a:scrgbClr r="0" g="0" b="0"/>
+      </a:effectRef>
+      <a:fontRef idx="minor"/>
+    </dgm:style>
+  </dgm:styleLbl>
+  <dgm:styleLbl name="callout">
+    <dgm:scene3d>
+      <a:camera prst="orthographicFront"/>
+      <a:lightRig rig="threePt" dir="t"/>
+    </dgm:scene3d>
+    <dgm:sp3d/>
+    <dgm:txPr/>
+    <dgm:style>
+      <a:lnRef idx="1">
+        <a:scrgbClr r="0" g="0" b="0"/>
+      </a:lnRef>
+      <a:fillRef idx="2">
+        <a:scrgbClr r="0" g="0" b="0"/>
+      </a:fillRef>
+      <a:effectRef idx="1">
+        <a:scrgbClr r="0" g="0" b="0"/>
+      </a:effectRef>
+      <a:fontRef idx="minor"/>
+    </dgm:style>
+  </dgm:styleLbl>
+  <dgm:styleLbl name="asst0">
+    <dgm:scene3d>
+      <a:camera prst="orthographicFront"/>
+      <a:lightRig rig="flat" dir="t"/>
+    </dgm:scene3d>
+    <dgm:sp3d prstMaterial="dkEdge">
+      <a:bevelT w="8200" h="38100"/>
+    </dgm:sp3d>
+    <dgm:txPr/>
+    <dgm:style>
+      <a:lnRef idx="0">
+        <a:scrgbClr r="0" g="0" b="0"/>
+      </a:lnRef>
+      <a:fillRef idx="2">
+        <a:scrgbClr r="0" g="0" b="0"/>
+      </a:fillRef>
+      <a:effectRef idx="1">
+        <a:scrgbClr r="0" g="0" b="0"/>
+      </a:effectRef>
+      <a:fontRef idx="minor">
+        <a:schemeClr val="dk1"/>
+      </a:fontRef>
+    </dgm:style>
+  </dgm:styleLbl>
+  <dgm:styleLbl name="asst1">
+    <dgm:scene3d>
+      <a:camera prst="orthographicFront"/>
+      <a:lightRig rig="flat" dir="t"/>
+    </dgm:scene3d>
+    <dgm:sp3d prstMaterial="dkEdge">
+      <a:bevelT w="8200" h="38100"/>
+    </dgm:sp3d>
+    <dgm:txPr/>
+    <dgm:style>
+      <a:lnRef idx="0">
+        <a:scrgbClr r="0" g="0" b="0"/>
+      </a:lnRef>
+      <a:fillRef idx="2">
+        <a:scrgbClr r="0" g="0" b="0"/>
+      </a:fillRef>
+      <a:effectRef idx="1">
+        <a:scrgbClr r="0" g="0" b="0"/>
+      </a:effectRef>
+      <a:fontRef idx="minor">
+        <a:schemeClr val="dk1"/>
+      </a:fontRef>
+    </dgm:style>
+  </dgm:styleLbl>
+  <dgm:styleLbl name="asst2">
+    <dgm:scene3d>
+      <a:camera prst="orthographicFront"/>
+      <a:lightRig rig="flat" dir="t"/>
+    </dgm:scene3d>
+    <dgm:sp3d prstMaterial="dkEdge">
+      <a:bevelT w="8200" h="38100"/>
+    </dgm:sp3d>
+    <dgm:txPr/>
+    <dgm:style>
+      <a:lnRef idx="0">
+        <a:scrgbClr r="0" g="0" b="0"/>
+      </a:lnRef>
+      <a:fillRef idx="2">
+        <a:scrgbClr r="0" g="0" b="0"/>
+      </a:fillRef>
+      <a:effectRef idx="1">
+        <a:scrgbClr r="0" g="0" b="0"/>
+      </a:effectRef>
+      <a:fontRef idx="minor">
+        <a:schemeClr val="dk1"/>
+      </a:fontRef>
+    </dgm:style>
+  </dgm:styleLbl>
+  <dgm:styleLbl name="asst3">
+    <dgm:scene3d>
+      <a:camera prst="orthographicFront"/>
+      <a:lightRig rig="flat" dir="t"/>
+    </dgm:scene3d>
+    <dgm:sp3d prstMaterial="dkEdge">
+      <a:bevelT w="8200" h="38100"/>
+    </dgm:sp3d>
+    <dgm:txPr/>
+    <dgm:style>
+      <a:lnRef idx="0">
+        <a:scrgbClr r="0" g="0" b="0"/>
+      </a:lnRef>
+      <a:fillRef idx="2">
+        <a:scrgbClr r="0" g="0" b="0"/>
+      </a:fillRef>
+      <a:effectRef idx="1">
+        <a:scrgbClr r="0" g="0" b="0"/>
+      </a:effectRef>
+      <a:fontRef idx="minor">
+        <a:schemeClr val="dk1"/>
+      </a:fontRef>
+    </dgm:style>
+  </dgm:styleLbl>
+  <dgm:styleLbl name="asst4">
+    <dgm:scene3d>
+      <a:camera prst="orthographicFront"/>
+      <a:lightRig rig="flat" dir="t"/>
+    </dgm:scene3d>
+    <dgm:sp3d prstMaterial="dkEdge">
+      <a:bevelT w="8200" h="38100"/>
+    </dgm:sp3d>
+    <dgm:txPr/>
+    <dgm:style>
+      <a:lnRef idx="0">
+        <a:scrgbClr r="0" g="0" b="0"/>
+      </a:lnRef>
+      <a:fillRef idx="2">
+        <a:scrgbClr r="0" g="0" b="0"/>
+      </a:fillRef>
+      <a:effectRef idx="1">
+        <a:scrgbClr r="0" g="0" b="0"/>
+      </a:effectRef>
+      <a:fontRef idx="minor">
+        <a:schemeClr val="dk1"/>
+      </a:fontRef>
+    </dgm:style>
+  </dgm:styleLbl>
+  <dgm:styleLbl name="parChTrans2D1">
+    <dgm:scene3d>
+      <a:camera prst="orthographicFront"/>
+      <a:lightRig rig="threePt" dir="t"/>
+    </dgm:scene3d>
+    <dgm:sp3d/>
+    <dgm:txPr/>
+    <dgm:style>
+      <a:lnRef idx="1">
+        <a:scrgbClr r="0" g="0" b="0"/>
+      </a:lnRef>
+      <a:fillRef idx="2">
+        <a:scrgbClr r="0" g="0" b="0"/>
+      </a:fillRef>
+      <a:effectRef idx="1">
+        <a:scrgbClr r="0" g="0" b="0"/>
+      </a:effectRef>
+      <a:fontRef idx="minor">
+        <a:schemeClr val="dk1"/>
+      </a:fontRef>
+    </dgm:style>
+  </dgm:styleLbl>
+  <dgm:styleLbl name="parChTrans2D2">
+    <dgm:scene3d>
+      <a:camera prst="orthographicFront"/>
+      <a:lightRig rig="threePt" dir="t"/>
+    </dgm:scene3d>
+    <dgm:sp3d/>
+    <dgm:txPr/>
+    <dgm:style>
+      <a:lnRef idx="1">
+        <a:scrgbClr r="0" g="0" b="0"/>
+      </a:lnRef>
+      <a:fillRef idx="2">
+        <a:scrgbClr r="0" g="0" b="0"/>
+      </a:fillRef>
+      <a:effectRef idx="1">
+        <a:scrgbClr r="0" g="0" b="0"/>
+      </a:effectRef>
+      <a:fontRef idx="minor">
+        <a:schemeClr val="dk1"/>
+      </a:fontRef>
+    </dgm:style>
+  </dgm:styleLbl>
+  <dgm:styleLbl name="parChTrans2D3">
+    <dgm:scene3d>
+      <a:camera prst="orthographicFront"/>
+      <a:lightRig rig="threePt" dir="t"/>
+    </dgm:scene3d>
+    <dgm:sp3d/>
+    <dgm:txPr/>
+    <dgm:style>
+      <a:lnRef idx="1">
+        <a:scrgbClr r="0" g="0" b="0"/>
+      </a:lnRef>
+      <a:fillRef idx="2">
+        <a:scrgbClr r="0" g="0" b="0"/>
+      </a:fillRef>
+      <a:effectRef idx="1">
+        <a:scrgbClr r="0" g="0" b="0"/>
+      </a:effectRef>
+      <a:fontRef idx="minor">
+        <a:schemeClr val="dk1"/>
+      </a:fontRef>
+    </dgm:style>
+  </dgm:styleLbl>
+  <dgm:styleLbl name="parChTrans2D4">
+    <dgm:scene3d>
+      <a:camera prst="orthographicFront"/>
+      <a:lightRig rig="threePt" dir="t"/>
+    </dgm:scene3d>
+    <dgm:sp3d/>
+    <dgm:txPr/>
+    <dgm:style>
+      <a:lnRef idx="1">
+        <a:scrgbClr r="0" g="0" b="0"/>
+      </a:lnRef>
+      <a:fillRef idx="2">
+        <a:scrgbClr r="0" g="0" b="0"/>
+      </a:fillRef>
+      <a:effectRef idx="1">
+        <a:scrgbClr r="0" g="0" b="0"/>
+      </a:effectRef>
+      <a:fontRef idx="minor">
+        <a:schemeClr val="dk1"/>
+      </a:fontRef>
+    </dgm:style>
+  </dgm:styleLbl>
+  <dgm:styleLbl name="parChTrans1D1">
+    <dgm:scene3d>
+      <a:camera prst="orthographicFront"/>
+      <a:lightRig rig="threePt" dir="t"/>
+    </dgm:scene3d>
+    <dgm:sp3d/>
+    <dgm:txPr/>
+    <dgm:style>
+      <a:lnRef idx="2">
+        <a:scrgbClr r="0" g="0" b="0"/>
+      </a:lnRef>
+      <a:fillRef idx="0">
+        <a:scrgbClr r="0" g="0" b="0"/>
+      </a:fillRef>
+      <a:effectRef idx="0">
+        <a:scrgbClr r="0" g="0" b="0"/>
+      </a:effectRef>
+      <a:fontRef idx="minor"/>
+    </dgm:style>
+  </dgm:styleLbl>
+  <dgm:styleLbl name="parChTrans1D2">
+    <dgm:scene3d>
+      <a:camera prst="orthographicFront"/>
+      <a:lightRig rig="threePt" dir="t"/>
+    </dgm:scene3d>
+    <dgm:sp3d/>
+    <dgm:txPr/>
+    <dgm:style>
+      <a:lnRef idx="2">
+        <a:scrgbClr r="0" g="0" b="0"/>
+      </a:lnRef>
+      <a:fillRef idx="0">
+        <a:scrgbClr r="0" g="0" b="0"/>
+      </a:fillRef>
+      <a:effectRef idx="0">
+        <a:scrgbClr r="0" g="0" b="0"/>
+      </a:effectRef>
+      <a:fontRef idx="minor"/>
+    </dgm:style>
+  </dgm:styleLbl>
+  <dgm:styleLbl name="parChTrans1D3">
+    <dgm:scene3d>
+      <a:camera prst="orthographicFront"/>
+      <a:lightRig rig="threePt" dir="t"/>
+    </dgm:scene3d>
+    <dgm:sp3d/>
+    <dgm:txPr/>
+    <dgm:style>
+      <a:lnRef idx="2">
+        <a:scrgbClr r="0" g="0" b="0"/>
+      </a:lnRef>
+      <a:fillRef idx="0">
+        <a:scrgbClr r="0" g="0" b="0"/>
+      </a:fillRef>
+      <a:effectRef idx="0">
+        <a:scrgbClr r="0" g="0" b="0"/>
+      </a:effectRef>
+      <a:fontRef idx="minor"/>
+    </dgm:style>
+  </dgm:styleLbl>
+  <dgm:styleLbl name="parChTrans1D4">
+    <dgm:scene3d>
+      <a:camera prst="orthographicFront"/>
+      <a:lightRig rig="threePt" dir="t"/>
+    </dgm:scene3d>
+    <dgm:sp3d/>
+    <dgm:txPr/>
+    <dgm:style>
+      <a:lnRef idx="2">
+        <a:scrgbClr r="0" g="0" b="0"/>
+      </a:lnRef>
+      <a:fillRef idx="0">
+        <a:scrgbClr r="0" g="0" b="0"/>
+      </a:fillRef>
+      <a:effectRef idx="0">
+        <a:scrgbClr r="0" g="0" b="0"/>
+      </a:effectRef>
+      <a:fontRef idx="minor"/>
+    </dgm:style>
+  </dgm:styleLbl>
+  <dgm:styleLbl name="fgAcc1">
+    <dgm:scene3d>
+      <a:camera prst="orthographicFront"/>
+      <a:lightRig rig="threePt" dir="t"/>
+    </dgm:scene3d>
+    <dgm:sp3d/>
+    <dgm:txPr/>
+    <dgm:style>
+      <a:lnRef idx="1">
+        <a:scrgbClr r="0" g="0" b="0"/>
+      </a:lnRef>
+      <a:fillRef idx="1">
+        <a:scrgbClr r="0" g="0" b="0"/>
+      </a:fillRef>
+      <a:effectRef idx="0">
+        <a:scrgbClr r="0" g="0" b="0"/>
+      </a:effectRef>
+      <a:fontRef idx="minor"/>
+    </dgm:style>
+  </dgm:styleLbl>
+  <dgm:styleLbl name="conFgAcc1">
+    <dgm:scene3d>
+      <a:camera prst="orthographicFront"/>
+      <a:lightRig rig="threePt" dir="t"/>
+    </dgm:scene3d>
+    <dgm:sp3d/>
+    <dgm:txPr/>
+    <dgm:style>
+      <a:lnRef idx="1">
+        <a:scrgbClr r="0" g="0" b="0"/>
+      </a:lnRef>
+      <a:fillRef idx="1">
+        <a:scrgbClr r="0" g="0" b="0"/>
+      </a:fillRef>
+      <a:effectRef idx="0">
+        <a:scrgbClr r="0" g="0" b="0"/>
+      </a:effectRef>
+      <a:fontRef idx="minor"/>
+    </dgm:style>
+  </dgm:styleLbl>
+  <dgm:styleLbl name="alignAcc1">
+    <dgm:scene3d>
+      <a:camera prst="orthographicFront"/>
+      <a:lightRig rig="threePt" dir="t"/>
+    </dgm:scene3d>
+    <dgm:sp3d/>
+    <dgm:txPr/>
+    <dgm:style>
+      <a:lnRef idx="1">
+        <a:scrgbClr r="0" g="0" b="0"/>
+      </a:lnRef>
+      <a:fillRef idx="1">
+        <a:scrgbClr r="0" g="0" b="0"/>
+      </a:fillRef>
+      <a:effectRef idx="0">
+        <a:scrgbClr r="0" g="0" b="0"/>
+      </a:effectRef>
+      <a:fontRef idx="minor"/>
+    </dgm:style>
+  </dgm:styleLbl>
+  <dgm:styleLbl name="trAlignAcc1">
+    <dgm:scene3d>
+      <a:camera prst="orthographicFront"/>
+      <a:lightRig rig="threePt" dir="t"/>
+    </dgm:scene3d>
+    <dgm:sp3d/>
+    <dgm:txPr/>
+    <dgm:style>
+      <a:lnRef idx="1">
+        <a:scrgbClr r="0" g="0" b="0"/>
+      </a:lnRef>
+      <a:fillRef idx="1">
+        <a:scrgbClr r="0" g="0" b="0"/>
+      </a:fillRef>
+      <a:effectRef idx="0">
+        <a:scrgbClr r="0" g="0" b="0"/>
+      </a:effectRef>
+      <a:fontRef idx="minor"/>
+    </dgm:style>
+  </dgm:styleLbl>
+  <dgm:styleLbl name="bgAcc1">
+    <dgm:scene3d>
+      <a:camera prst="orthographicFront"/>
+      <a:lightRig rig="threePt" dir="t"/>
+    </dgm:scene3d>
+    <dgm:sp3d/>
+    <dgm:txPr/>
+    <dgm:style>
+      <a:lnRef idx="1">
+        <a:scrgbClr r="0" g="0" b="0"/>
+      </a:lnRef>
+      <a:fillRef idx="1">
+        <a:scrgbClr r="0" g="0" b="0"/>
+      </a:fillRef>
+      <a:effectRef idx="0">
+        <a:scrgbClr r="0" g="0" b="0"/>
+      </a:effectRef>
+      <a:fontRef idx="minor"/>
+    </dgm:style>
+  </dgm:styleLbl>
+  <dgm:styleLbl name="solidFgAcc1">
+    <dgm:scene3d>
+      <a:camera prst="orthographicFront"/>
+      <a:lightRig rig="threePt" dir="t"/>
+    </dgm:scene3d>
+    <dgm:sp3d/>
+    <dgm:txPr/>
+    <dgm:style>
+      <a:lnRef idx="1">
+        <a:scrgbClr r="0" g="0" b="0"/>
+      </a:lnRef>
+      <a:fillRef idx="2">
+        <a:scrgbClr r="0" g="0" b="0"/>
+      </a:fillRef>
+      <a:effectRef idx="0">
+        <a:scrgbClr r="0" g="0" b="0"/>
+      </a:effectRef>
+      <a:fontRef idx="minor"/>
+    </dgm:style>
+  </dgm:styleLbl>
+  <dgm:styleLbl name="solidAlignAcc1">
+    <dgm:scene3d>
+      <a:camera prst="orthographicFront"/>
+      <a:lightRig rig="threePt" dir="t"/>
+    </dgm:scene3d>
+    <dgm:sp3d/>
+    <dgm:txPr/>
+    <dgm:style>
+      <a:lnRef idx="1">
+        <a:scrgbClr r="0" g="0" b="0"/>
+      </a:lnRef>
+      <a:fillRef idx="1">
+        <a:scrgbClr r="0" g="0" b="0"/>
+      </a:fillRef>
+      <a:effectRef idx="0">
+        <a:scrgbClr r="0" g="0" b="0"/>
+      </a:effectRef>
+      <a:fontRef idx="minor"/>
+    </dgm:style>
+  </dgm:styleLbl>
+  <dgm:styleLbl name="solidBgAcc1">
+    <dgm:scene3d>
+      <a:camera prst="orthographicFront"/>
+      <a:lightRig rig="threePt" dir="t"/>
+    </dgm:scene3d>
+    <dgm:sp3d/>
+    <dgm:txPr/>
+    <dgm:style>
+      <a:lnRef idx="1">
+        <a:scrgbClr r="0" g="0" b="0"/>
+      </a:lnRef>
+      <a:fillRef idx="1">
+        <a:scrgbClr r="0" g="0" b="0"/>
+      </a:fillRef>
+      <a:effectRef idx="0">
+        <a:scrgbClr r="0" g="0" b="0"/>
+      </a:effectRef>
+      <a:fontRef idx="minor"/>
+    </dgm:style>
+  </dgm:styleLbl>
+  <dgm:styleLbl name="fgAccFollowNode1">
+    <dgm:scene3d>
+      <a:camera prst="orthographicFront"/>
+      <a:lightRig rig="threePt" dir="t"/>
+    </dgm:scene3d>
+    <dgm:sp3d/>
+    <dgm:txPr/>
+    <dgm:style>
+      <a:lnRef idx="1">
+        <a:scrgbClr r="0" g="0" b="0"/>
+      </a:lnRef>
+      <a:fillRef idx="1">
+        <a:scrgbClr r="0" g="0" b="0"/>
+      </a:fillRef>
+      <a:effectRef idx="0">
+        <a:scrgbClr r="0" g="0" b="0"/>
+      </a:effectRef>
+      <a:fontRef idx="minor"/>
+    </dgm:style>
+  </dgm:styleLbl>
+  <dgm:styleLbl name="alignAccFollowNode1">
+    <dgm:scene3d>
+      <a:camera prst="orthographicFront"/>
+      <a:lightRig rig="threePt" dir="t"/>
+    </dgm:scene3d>
+    <dgm:sp3d/>
+    <dgm:txPr/>
+    <dgm:style>
+      <a:lnRef idx="1">
+        <a:scrgbClr r="0" g="0" b="0"/>
+      </a:lnRef>
+      <a:fillRef idx="1">
+        <a:scrgbClr r="0" g="0" b="0"/>
+      </a:fillRef>
+      <a:effectRef idx="0">
+        <a:scrgbClr r="0" g="0" b="0"/>
+      </a:effectRef>
+      <a:fontRef idx="minor"/>
+    </dgm:style>
+  </dgm:styleLbl>
+  <dgm:styleLbl name="bgAccFollowNode1">
+    <dgm:scene3d>
+      <a:camera prst="orthographicFront"/>
+      <a:lightRig rig="threePt" dir="t"/>
+    </dgm:scene3d>
+    <dgm:sp3d/>
+    <dgm:txPr/>
+    <dgm:style>
+      <a:lnRef idx="1">
+        <a:scrgbClr r="0" g="0" b="0"/>
+      </a:lnRef>
+      <a:fillRef idx="1">
+        <a:scrgbClr r="0" g="0" b="0"/>
+      </a:fillRef>
+      <a:effectRef idx="0">
+        <a:scrgbClr r="0" g="0" b="0"/>
+      </a:effectRef>
+      <a:fontRef idx="minor"/>
+    </dgm:style>
+  </dgm:styleLbl>
+  <dgm:styleLbl name="fgAcc0">
+    <dgm:scene3d>
+      <a:camera prst="orthographicFront"/>
+      <a:lightRig rig="threePt" dir="t"/>
+    </dgm:scene3d>
+    <dgm:sp3d/>
+    <dgm:txPr/>
+    <dgm:style>
+      <a:lnRef idx="1">
+        <a:scrgbClr r="0" g="0" b="0"/>
+      </a:lnRef>
+      <a:fillRef idx="1">
+        <a:scrgbClr r="0" g="0" b="0"/>
+      </a:fillRef>
+      <a:effectRef idx="0">
+        <a:scrgbClr r="0" g="0" b="0"/>
+      </a:effectRef>
+      <a:fontRef idx="minor"/>
+    </dgm:style>
+  </dgm:styleLbl>
+  <dgm:styleLbl name="fgAcc2">
+    <dgm:scene3d>
+      <a:camera prst="orthographicFront"/>
+      <a:lightRig rig="threePt" dir="t"/>
+    </dgm:scene3d>
+    <dgm:sp3d/>
+    <dgm:txPr/>
+    <dgm:style>
+      <a:lnRef idx="1">
+        <a:scrgbClr r="0" g="0" b="0"/>
+      </a:lnRef>
+      <a:fillRef idx="1">
+        <a:scrgbClr r="0" g="0" b="0"/>
+      </a:fillRef>
+      <a:effectRef idx="0">
+        <a:scrgbClr r="0" g="0" b="0"/>
+      </a:effectRef>
+      <a:fontRef idx="minor"/>
+    </dgm:style>
+  </dgm:styleLbl>
+  <dgm:styleLbl name="fgAcc3">
+    <dgm:scene3d>
+      <a:camera prst="orthographicFront"/>
+      <a:lightRig rig="threePt" dir="t"/>
+    </dgm:scene3d>
+    <dgm:sp3d/>
+    <dgm:txPr/>
+    <dgm:style>
+      <a:lnRef idx="1">
+        <a:scrgbClr r="0" g="0" b="0"/>
+      </a:lnRef>
+      <a:fillRef idx="1">
+        <a:scrgbClr r="0" g="0" b="0"/>
+      </a:fillRef>
+      <a:effectRef idx="0">
+        <a:scrgbClr r="0" g="0" b="0"/>
+      </a:effectRef>
+      <a:fontRef idx="minor"/>
+    </dgm:style>
+  </dgm:styleLbl>
+  <dgm:styleLbl name="fgAcc4">
+    <dgm:scene3d>
+      <a:camera prst="orthographicFront"/>
+      <a:lightRig rig="threePt" dir="t"/>
+    </dgm:scene3d>
+    <dgm:sp3d/>
+    <dgm:txPr/>
+    <dgm:style>
+      <a:lnRef idx="1">
+        <a:scrgbClr r="0" g="0" b="0"/>
+      </a:lnRef>
+      <a:fillRef idx="1">
+        <a:scrgbClr r="0" g="0" b="0"/>
+      </a:fillRef>
+      <a:effectRef idx="0">
+        <a:scrgbClr r="0" g="0" b="0"/>
+      </a:effectRef>
+      <a:fontRef idx="minor"/>
+    </dgm:style>
+  </dgm:styleLbl>
+  <dgm:styleLbl name="bgShp">
+    <dgm:scene3d>
+      <a:camera prst="orthographicFront"/>
+      <a:lightRig rig="threePt" dir="t"/>
+    </dgm:scene3d>
+    <dgm:sp3d/>
+    <dgm:txPr/>
+    <dgm:style>
+      <a:lnRef idx="0">
+        <a:scrgbClr r="0" g="0" b="0"/>
+      </a:lnRef>
+      <a:fillRef idx="1">
+        <a:scrgbClr r="0" g="0" b="0"/>
+      </a:fillRef>
+      <a:effectRef idx="1">
+        <a:scrgbClr r="0" g="0" b="0"/>
+      </a:effectRef>
+      <a:fontRef idx="minor"/>
+    </dgm:style>
+  </dgm:styleLbl>
+  <dgm:styleLbl name="dkBgShp">
+    <dgm:scene3d>
+      <a:camera prst="orthographicFront"/>
+      <a:lightRig rig="threePt" dir="t"/>
+    </dgm:scene3d>
+    <dgm:sp3d/>
+    <dgm:txPr/>
+    <dgm:style>
+      <a:lnRef idx="0">
+        <a:scrgbClr r="0" g="0" b="0"/>
+      </a:lnRef>
+      <a:fillRef idx="1">
+        <a:scrgbClr r="0" g="0" b="0"/>
+      </a:fillRef>
+      <a:effectRef idx="1">
+        <a:scrgbClr r="0" g="0" b="0"/>
+      </a:effectRef>
+      <a:fontRef idx="minor"/>
+    </dgm:style>
+  </dgm:styleLbl>
+  <dgm:styleLbl name="trBgShp">
+    <dgm:scene3d>
+      <a:camera prst="orthographicFront"/>
+      <a:lightRig rig="threePt" dir="t"/>
+    </dgm:scene3d>
+    <dgm:sp3d/>
+    <dgm:txPr/>
+    <dgm:style>
+      <a:lnRef idx="0">
+        <a:scrgbClr r="0" g="0" b="0"/>
+      </a:lnRef>
+      <a:fillRef idx="1">
+        <a:scrgbClr r="0" g="0" b="0"/>
+      </a:fillRef>
+      <a:effectRef idx="0">
+        <a:scrgbClr r="0" g="0" b="0"/>
+      </a:effectRef>
+      <a:fontRef idx="minor"/>
+    </dgm:style>
+  </dgm:styleLbl>
+  <dgm:styleLbl name="fgShp">
+    <dgm:scene3d>
+      <a:camera prst="orthographicFront"/>
+      <a:lightRig rig="flat" dir="t"/>
+    </dgm:scene3d>
+    <dgm:sp3d prstMaterial="dkEdge">
+      <a:bevelT w="8200" h="38100"/>
+    </dgm:sp3d>
+    <dgm:txPr/>
+    <dgm:style>
+      <a:lnRef idx="1">
+        <a:scrgbClr r="0" g="0" b="0"/>
+      </a:lnRef>
+      <a:fillRef idx="2">
+        <a:scrgbClr r="0" g="0" b="0"/>
+      </a:fillRef>
+      <a:effectRef idx="1">
+        <a:scrgbClr r="0" g="0" b="0"/>
+      </a:effectRef>
+      <a:fontRef idx="minor"/>
+    </dgm:style>
+  </dgm:styleLbl>
+  <dgm:styleLbl name="revTx">
+    <dgm:scene3d>
+      <a:camera prst="orthographicFront"/>
+      <a:lightRig rig="threePt" dir="t"/>
+    </dgm:scene3d>
+    <dgm:sp3d/>
+    <dgm:txPr/>
+    <dgm:style>
+      <a:lnRef idx="0">
+        <a:scrgbClr r="0" g="0" b="0"/>
+      </a:lnRef>
+      <a:fillRef idx="0">
+        <a:scrgbClr r="0" g="0" b="0"/>
+      </a:fillRef>
+      <a:effectRef idx="0">
+        <a:scrgbClr r="0" g="0" b="0"/>
+      </a:effectRef>
+      <a:fontRef idx="minor"/>
+    </dgm:style>
+  </dgm:styleLbl>
+</dgm:styleDef>
+</file>
+
 <file path=ppt/slideLayouts/slideLayout1.xml><?xml version="1.0" encoding="utf-8"?>
 <p:sldLayout xmlns:a="http://schemas.openxmlformats.org/drawingml/2006/main" xmlns:r="http://schemas.openxmlformats.org/officeDocument/2006/relationships" xmlns:p="http://schemas.openxmlformats.org/presentationml/2006/main" type="title" preserve="1">
   <p:cSld name="Title Slide">
@@ -272,7 +3434,7 @@
           <a:p>
             <a:fld id="{1F0BDA5F-C6F2-4445-A68E-91410FD1ACFE}" type="datetimeFigureOut">
               <a:rPr lang="en-IN" smtClean="0"/>
-              <a:t>23-09-2024</a:t>
+              <a:t>11-10-2024</a:t>
             </a:fld>
             <a:endParaRPr lang="en-IN"/>
           </a:p>
@@ -472,7 +3634,7 @@
           <a:p>
             <a:fld id="{1F0BDA5F-C6F2-4445-A68E-91410FD1ACFE}" type="datetimeFigureOut">
               <a:rPr lang="en-IN" smtClean="0"/>
-              <a:t>23-09-2024</a:t>
+              <a:t>11-10-2024</a:t>
             </a:fld>
             <a:endParaRPr lang="en-IN"/>
           </a:p>
@@ -682,7 +3844,7 @@
           <a:p>
             <a:fld id="{1F0BDA5F-C6F2-4445-A68E-91410FD1ACFE}" type="datetimeFigureOut">
               <a:rPr lang="en-IN" smtClean="0"/>
-              <a:t>23-09-2024</a:t>
+              <a:t>11-10-2024</a:t>
             </a:fld>
             <a:endParaRPr lang="en-IN"/>
           </a:p>
@@ -882,7 +4044,7 @@
           <a:p>
             <a:fld id="{1F0BDA5F-C6F2-4445-A68E-91410FD1ACFE}" type="datetimeFigureOut">
               <a:rPr lang="en-IN" smtClean="0"/>
-              <a:t>23-09-2024</a:t>
+              <a:t>11-10-2024</a:t>
             </a:fld>
             <a:endParaRPr lang="en-IN"/>
           </a:p>
@@ -1158,7 +4320,7 @@
           <a:p>
             <a:fld id="{1F0BDA5F-C6F2-4445-A68E-91410FD1ACFE}" type="datetimeFigureOut">
               <a:rPr lang="en-IN" smtClean="0"/>
-              <a:t>23-09-2024</a:t>
+              <a:t>11-10-2024</a:t>
             </a:fld>
             <a:endParaRPr lang="en-IN"/>
           </a:p>
@@ -1426,7 +4588,7 @@
           <a:p>
             <a:fld id="{1F0BDA5F-C6F2-4445-A68E-91410FD1ACFE}" type="datetimeFigureOut">
               <a:rPr lang="en-IN" smtClean="0"/>
-              <a:t>23-09-2024</a:t>
+              <a:t>11-10-2024</a:t>
             </a:fld>
             <a:endParaRPr lang="en-IN"/>
           </a:p>
@@ -1841,7 +5003,7 @@
           <a:p>
             <a:fld id="{1F0BDA5F-C6F2-4445-A68E-91410FD1ACFE}" type="datetimeFigureOut">
               <a:rPr lang="en-IN" smtClean="0"/>
-              <a:t>23-09-2024</a:t>
+              <a:t>11-10-2024</a:t>
             </a:fld>
             <a:endParaRPr lang="en-IN"/>
           </a:p>
@@ -1983,7 +5145,7 @@
           <a:p>
             <a:fld id="{1F0BDA5F-C6F2-4445-A68E-91410FD1ACFE}" type="datetimeFigureOut">
               <a:rPr lang="en-IN" smtClean="0"/>
-              <a:t>23-09-2024</a:t>
+              <a:t>11-10-2024</a:t>
             </a:fld>
             <a:endParaRPr lang="en-IN"/>
           </a:p>
@@ -2096,7 +5258,7 @@
           <a:p>
             <a:fld id="{1F0BDA5F-C6F2-4445-A68E-91410FD1ACFE}" type="datetimeFigureOut">
               <a:rPr lang="en-IN" smtClean="0"/>
-              <a:t>23-09-2024</a:t>
+              <a:t>11-10-2024</a:t>
             </a:fld>
             <a:endParaRPr lang="en-IN"/>
           </a:p>
@@ -2409,7 +5571,7 @@
           <a:p>
             <a:fld id="{1F0BDA5F-C6F2-4445-A68E-91410FD1ACFE}" type="datetimeFigureOut">
               <a:rPr lang="en-IN" smtClean="0"/>
-              <a:t>23-09-2024</a:t>
+              <a:t>11-10-2024</a:t>
             </a:fld>
             <a:endParaRPr lang="en-IN"/>
           </a:p>
@@ -2698,7 +5860,7 @@
           <a:p>
             <a:fld id="{1F0BDA5F-C6F2-4445-A68E-91410FD1ACFE}" type="datetimeFigureOut">
               <a:rPr lang="en-IN" smtClean="0"/>
-              <a:t>23-09-2024</a:t>
+              <a:t>11-10-2024</a:t>
             </a:fld>
             <a:endParaRPr lang="en-IN"/>
           </a:p>
@@ -2776,9 +5938,36 @@
   <p:cSld>
     <p:bg>
       <p:bgPr>
-        <a:solidFill>
-          <a:schemeClr val="tx1"/>
-        </a:solidFill>
+        <a:gradFill flip="none" rotWithShape="1">
+          <a:gsLst>
+            <a:gs pos="0">
+              <a:schemeClr val="accent1">
+                <a:lumMod val="5000"/>
+                <a:lumOff val="95000"/>
+              </a:schemeClr>
+            </a:gs>
+            <a:gs pos="74000">
+              <a:schemeClr val="accent1">
+                <a:lumMod val="45000"/>
+                <a:lumOff val="55000"/>
+              </a:schemeClr>
+            </a:gs>
+            <a:gs pos="83000">
+              <a:schemeClr val="accent1">
+                <a:lumMod val="45000"/>
+                <a:lumOff val="55000"/>
+              </a:schemeClr>
+            </a:gs>
+            <a:gs pos="100000">
+              <a:schemeClr val="accent1">
+                <a:lumMod val="30000"/>
+                <a:lumOff val="70000"/>
+              </a:schemeClr>
+            </a:gs>
+          </a:gsLst>
+          <a:lin ang="5400000" scaled="1"/>
+          <a:tileRect/>
+        </a:gradFill>
         <a:effectLst/>
       </p:bgPr>
     </p:bg>
@@ -2944,7 +6133,7 @@
           <a:p>
             <a:fld id="{1F0BDA5F-C6F2-4445-A68E-91410FD1ACFE}" type="datetimeFigureOut">
               <a:rPr lang="en-IN" smtClean="0"/>
-              <a:t>23-09-2024</a:t>
+              <a:t>11-10-2024</a:t>
             </a:fld>
             <a:endParaRPr lang="en-IN"/>
           </a:p>
@@ -3433,12 +6622,19 @@
         </p:nvSpPr>
         <p:spPr>
           <a:xfrm>
-            <a:off x="972312" y="5000098"/>
-            <a:ext cx="9144000" cy="1655762"/>
+            <a:off x="972312" y="4983480"/>
+            <a:ext cx="9144000" cy="1418610"/>
           </a:xfrm>
           <a:solidFill>
             <a:srgbClr val="FFFFFF"/>
           </a:solidFill>
+          <a:effectLst>
+            <a:outerShdw blurRad="50800" dist="38100" dir="5400000" algn="t" rotWithShape="0">
+              <a:prstClr val="black">
+                <a:alpha val="40000"/>
+              </a:prstClr>
+            </a:outerShdw>
+          </a:effectLst>
         </p:spPr>
         <p:txBody>
           <a:bodyPr/>
@@ -3602,6 +6798,897 @@
           <p:cNvPr id="4" name="Text Placeholder 3">
             <a:extLst>
               <a:ext uri="{FF2B5EF4-FFF2-40B4-BE49-F238E27FC236}">
+                <a16:creationId xmlns:a16="http://schemas.microsoft.com/office/drawing/2014/main" id="{E7962BCE-D654-93DF-2878-1A54E3A9E6AC}"/>
+              </a:ext>
+            </a:extLst>
+          </p:cNvPr>
+          <p:cNvSpPr>
+            <a:spLocks noGrp="1"/>
+          </p:cNvSpPr>
+          <p:nvPr>
+            <p:ph type="body" sz="half" idx="2"/>
+          </p:nvPr>
+        </p:nvSpPr>
+        <p:spPr>
+          <a:xfrm>
+            <a:off x="135700" y="292608"/>
+            <a:ext cx="11352212" cy="3811588"/>
+          </a:xfrm>
+        </p:spPr>
+        <p:txBody>
+          <a:bodyPr>
+            <a:noAutofit/>
+          </a:bodyPr>
+          <a:lstStyle/>
+          <a:p>
+            <a:pPr algn="just">
+              <a:lnSpc>
+                <a:spcPct val="100000"/>
+              </a:lnSpc>
+            </a:pPr>
+            <a:r>
+              <a:rPr lang="en-IN" sz="2200" dirty="0">
+                <a:solidFill>
+                  <a:schemeClr val="accent6"/>
+                </a:solidFill>
+                <a:latin typeface="ae_AlArabiya" panose="02060603050605020204" pitchFamily="18" charset="-78"/>
+                <a:cs typeface="ae_AlArabiya" panose="02060603050605020204" pitchFamily="18" charset="-78"/>
+              </a:rPr>
+              <a:t>Email Spoofing: </a:t>
+            </a:r>
+          </a:p>
+          <a:p>
+            <a:pPr marL="914400" lvl="1" indent="-457200" algn="just">
+              <a:lnSpc>
+                <a:spcPct val="100000"/>
+              </a:lnSpc>
+              <a:buFont typeface="Arial" panose="020B0604020202020204" pitchFamily="34" charset="0"/>
+              <a:buChar char="•"/>
+            </a:pPr>
+            <a:r>
+              <a:rPr lang="en-US" sz="2200" dirty="0">
+                <a:solidFill>
+                  <a:schemeClr val="bg1"/>
+                </a:solidFill>
+                <a:latin typeface="ae_AlArabiya" panose="02060603050605020204" pitchFamily="18" charset="-78"/>
+                <a:cs typeface="ae_AlArabiya" panose="02060603050605020204" pitchFamily="18" charset="-78"/>
+              </a:rPr>
+              <a:t>Attackers send emails that appear to be from trusted sources by forging the sender's address.</a:t>
+            </a:r>
+          </a:p>
+          <a:p>
+            <a:pPr marL="914400" lvl="1" indent="-457200" algn="just">
+              <a:lnSpc>
+                <a:spcPct val="100000"/>
+              </a:lnSpc>
+              <a:buFont typeface="Arial" panose="020B0604020202020204" pitchFamily="34" charset="0"/>
+              <a:buChar char="•"/>
+            </a:pPr>
+            <a:r>
+              <a:rPr lang="en-US" sz="2200" dirty="0">
+                <a:solidFill>
+                  <a:schemeClr val="bg1"/>
+                </a:solidFill>
+                <a:latin typeface="ae_AlArabiya" panose="02060603050605020204" pitchFamily="18" charset="-78"/>
+                <a:cs typeface="ae_AlArabiya" panose="02060603050605020204" pitchFamily="18" charset="-78"/>
+              </a:rPr>
+              <a:t>Tricking recipients into clicking malicious links or providing personal details.</a:t>
+            </a:r>
+            <a:endParaRPr lang="en-IN" sz="2200" dirty="0">
+              <a:solidFill>
+                <a:schemeClr val="bg1"/>
+              </a:solidFill>
+              <a:latin typeface="ae_AlArabiya" panose="02060603050605020204" pitchFamily="18" charset="-78"/>
+              <a:cs typeface="ae_AlArabiya" panose="02060603050605020204" pitchFamily="18" charset="-78"/>
+            </a:endParaRPr>
+          </a:p>
+          <a:p>
+            <a:pPr algn="just">
+              <a:lnSpc>
+                <a:spcPct val="100000"/>
+              </a:lnSpc>
+            </a:pPr>
+            <a:endParaRPr lang="en-IN" sz="2200" dirty="0">
+              <a:solidFill>
+                <a:schemeClr val="accent6"/>
+              </a:solidFill>
+              <a:latin typeface="ae_AlArabiya" panose="02060603050605020204" pitchFamily="18" charset="-78"/>
+              <a:cs typeface="ae_AlArabiya" panose="02060603050605020204" pitchFamily="18" charset="-78"/>
+            </a:endParaRPr>
+          </a:p>
+          <a:p>
+            <a:pPr algn="just">
+              <a:lnSpc>
+                <a:spcPct val="100000"/>
+              </a:lnSpc>
+            </a:pPr>
+            <a:r>
+              <a:rPr lang="en-IN" sz="2200" dirty="0">
+                <a:solidFill>
+                  <a:schemeClr val="accent6"/>
+                </a:solidFill>
+                <a:latin typeface="ae_AlArabiya" panose="02060603050605020204" pitchFamily="18" charset="-78"/>
+                <a:cs typeface="ae_AlArabiya" panose="02060603050605020204" pitchFamily="18" charset="-78"/>
+              </a:rPr>
+              <a:t>URL Shortening:</a:t>
+            </a:r>
+          </a:p>
+          <a:p>
+            <a:pPr marL="800100" lvl="1" indent="-342900" algn="just">
+              <a:lnSpc>
+                <a:spcPct val="100000"/>
+              </a:lnSpc>
+              <a:buFont typeface="Arial" panose="020B0604020202020204" pitchFamily="34" charset="0"/>
+              <a:buChar char="•"/>
+            </a:pPr>
+            <a:r>
+              <a:rPr lang="en-US" sz="2200" dirty="0">
+                <a:solidFill>
+                  <a:schemeClr val="bg1"/>
+                </a:solidFill>
+                <a:latin typeface="ae_AlArabiya" panose="02060603050605020204" pitchFamily="18" charset="-78"/>
+                <a:cs typeface="ae_AlArabiya" panose="02060603050605020204" pitchFamily="18" charset="-78"/>
+              </a:rPr>
+              <a:t>Attackers use shortened URLs to hide the true destination of a link, making it difficult for users to identify if the link leads to a malicious website.</a:t>
+            </a:r>
+          </a:p>
+          <a:p>
+            <a:pPr marL="800100" lvl="1" indent="-342900" algn="just">
+              <a:lnSpc>
+                <a:spcPct val="100000"/>
+              </a:lnSpc>
+              <a:buFont typeface="Arial" panose="020B0604020202020204" pitchFamily="34" charset="0"/>
+              <a:buChar char="•"/>
+            </a:pPr>
+            <a:r>
+              <a:rPr lang="en-US" sz="2200" dirty="0">
+                <a:solidFill>
+                  <a:schemeClr val="bg1"/>
+                </a:solidFill>
+                <a:latin typeface="ae_AlArabiya" panose="02060603050605020204" pitchFamily="18" charset="-78"/>
+                <a:cs typeface="ae_AlArabiya" panose="02060603050605020204" pitchFamily="18" charset="-78"/>
+              </a:rPr>
+              <a:t>Often used in phishing attempts on social media or emails.</a:t>
+            </a:r>
+          </a:p>
+          <a:p>
+            <a:pPr lvl="1" algn="just">
+              <a:lnSpc>
+                <a:spcPct val="100000"/>
+              </a:lnSpc>
+            </a:pPr>
+            <a:endParaRPr lang="en-IN" sz="2000" dirty="0">
+              <a:solidFill>
+                <a:schemeClr val="bg1"/>
+              </a:solidFill>
+              <a:latin typeface="ae_AlArabiya" panose="02060603050605020204" pitchFamily="18" charset="-78"/>
+              <a:cs typeface="ae_AlArabiya" panose="02060603050605020204" pitchFamily="18" charset="-78"/>
+            </a:endParaRPr>
+          </a:p>
+          <a:p>
+            <a:pPr algn="just">
+              <a:lnSpc>
+                <a:spcPct val="100000"/>
+              </a:lnSpc>
+            </a:pPr>
+            <a:r>
+              <a:rPr lang="en-IN" sz="2200" dirty="0">
+                <a:solidFill>
+                  <a:schemeClr val="accent6"/>
+                </a:solidFill>
+                <a:latin typeface="ae_AlArabiya" panose="02060603050605020204" pitchFamily="18" charset="-78"/>
+                <a:cs typeface="ae_AlArabiya" panose="02060603050605020204" pitchFamily="18" charset="-78"/>
+              </a:rPr>
+              <a:t>Malicious Redirect:</a:t>
+            </a:r>
+          </a:p>
+          <a:p>
+            <a:pPr marL="800100" lvl="1" indent="-342900" algn="just">
+              <a:lnSpc>
+                <a:spcPct val="100000"/>
+              </a:lnSpc>
+              <a:buFont typeface="Arial" panose="020B0604020202020204" pitchFamily="34" charset="0"/>
+              <a:buChar char="•"/>
+            </a:pPr>
+            <a:r>
+              <a:rPr lang="en-US" sz="2200" dirty="0">
+                <a:solidFill>
+                  <a:schemeClr val="bg1"/>
+                </a:solidFill>
+                <a:latin typeface="ae_AlArabiya" panose="02060603050605020204" pitchFamily="18" charset="-78"/>
+                <a:cs typeface="ae_AlArabiya" panose="02060603050605020204" pitchFamily="18" charset="-78"/>
+              </a:rPr>
+              <a:t>This technique involves redirecting users from legitimate websites to harmful or fraudulent sites without their knowledge</a:t>
+            </a:r>
+          </a:p>
+          <a:p>
+            <a:pPr marL="800100" lvl="1" indent="-342900" algn="just">
+              <a:lnSpc>
+                <a:spcPct val="100000"/>
+              </a:lnSpc>
+              <a:buFont typeface="Arial" panose="020B0604020202020204" pitchFamily="34" charset="0"/>
+              <a:buChar char="•"/>
+            </a:pPr>
+            <a:r>
+              <a:rPr lang="en-US" sz="2200" dirty="0">
+                <a:solidFill>
+                  <a:schemeClr val="bg1"/>
+                </a:solidFill>
+                <a:latin typeface="ae_AlArabiya" panose="02060603050605020204" pitchFamily="18" charset="-78"/>
+                <a:cs typeface="ae_AlArabiya" panose="02060603050605020204" pitchFamily="18" charset="-78"/>
+              </a:rPr>
+              <a:t>Typically through compromised web pages or malicious scripts.</a:t>
+            </a:r>
+            <a:endParaRPr lang="en-IN" sz="2200" dirty="0">
+              <a:solidFill>
+                <a:schemeClr val="bg1"/>
+              </a:solidFill>
+              <a:latin typeface="ae_AlArabiya" panose="02060603050605020204" pitchFamily="18" charset="-78"/>
+              <a:cs typeface="ae_AlArabiya" panose="02060603050605020204" pitchFamily="18" charset="-78"/>
+            </a:endParaRPr>
+          </a:p>
+          <a:p>
+            <a:pPr>
+              <a:lnSpc>
+                <a:spcPct val="100000"/>
+              </a:lnSpc>
+            </a:pPr>
+            <a:endParaRPr lang="en-IN" sz="2200" dirty="0">
+              <a:solidFill>
+                <a:schemeClr val="bg1"/>
+              </a:solidFill>
+            </a:endParaRPr>
+          </a:p>
+        </p:txBody>
+      </p:sp>
+    </p:spTree>
+    <p:extLst>
+      <p:ext uri="{BB962C8B-B14F-4D97-AF65-F5344CB8AC3E}">
+        <p14:creationId xmlns:p14="http://schemas.microsoft.com/office/powerpoint/2010/main" val="1202821797"/>
+      </p:ext>
+    </p:extLst>
+  </p:cSld>
+  <p:clrMapOvr>
+    <a:masterClrMapping/>
+  </p:clrMapOvr>
+</p:sld>
+</file>
+
+<file path=ppt/slides/slide11.xml><?xml version="1.0" encoding="utf-8"?>
+<p:sld xmlns:a="http://schemas.openxmlformats.org/drawingml/2006/main" xmlns:r="http://schemas.openxmlformats.org/officeDocument/2006/relationships" xmlns:p="http://schemas.openxmlformats.org/presentationml/2006/main">
+  <p:cSld>
+    <p:spTree>
+      <p:nvGrpSpPr>
+        <p:cNvPr id="1" name=""/>
+        <p:cNvGrpSpPr/>
+        <p:nvPr/>
+      </p:nvGrpSpPr>
+      <p:grpSpPr>
+        <a:xfrm>
+          <a:off x="0" y="0"/>
+          <a:ext cx="0" cy="0"/>
+          <a:chOff x="0" y="0"/>
+          <a:chExt cx="0" cy="0"/>
+        </a:xfrm>
+      </p:grpSpPr>
+      <p:sp>
+        <p:nvSpPr>
+          <p:cNvPr id="4" name="Text Placeholder 3">
+            <a:extLst>
+              <a:ext uri="{FF2B5EF4-FFF2-40B4-BE49-F238E27FC236}">
+                <a16:creationId xmlns:a16="http://schemas.microsoft.com/office/drawing/2014/main" id="{B00EA4A3-F7BD-4C27-F294-2FFB0C734A5A}"/>
+              </a:ext>
+            </a:extLst>
+          </p:cNvPr>
+          <p:cNvSpPr>
+            <a:spLocks noGrp="1"/>
+          </p:cNvSpPr>
+          <p:nvPr>
+            <p:ph type="body" sz="half" idx="2"/>
+          </p:nvPr>
+        </p:nvSpPr>
+        <p:spPr>
+          <a:xfrm>
+            <a:off x="343694" y="620346"/>
+            <a:ext cx="11504612" cy="3811588"/>
+          </a:xfrm>
+        </p:spPr>
+        <p:txBody>
+          <a:bodyPr>
+            <a:normAutofit/>
+          </a:bodyPr>
+          <a:lstStyle/>
+          <a:p>
+            <a:r>
+              <a:rPr lang="en-IN" sz="3200" dirty="0">
+                <a:solidFill>
+                  <a:srgbClr val="FF0000"/>
+                </a:solidFill>
+                <a:latin typeface="ae_AlArabiya" panose="02060603050605020204" pitchFamily="18" charset="-78"/>
+                <a:cs typeface="ae_AlArabiya" panose="02060603050605020204" pitchFamily="18" charset="-78"/>
+              </a:rPr>
+              <a:t>How to recognize Phishing Emails</a:t>
+            </a:r>
+          </a:p>
+          <a:p>
+            <a:endParaRPr lang="en-IN" sz="3200" dirty="0">
+              <a:solidFill>
+                <a:srgbClr val="FF0000"/>
+              </a:solidFill>
+            </a:endParaRPr>
+          </a:p>
+        </p:txBody>
+      </p:sp>
+      <p:cxnSp>
+        <p:nvCxnSpPr>
+          <p:cNvPr id="5" name="Straight Connector 4">
+            <a:extLst>
+              <a:ext uri="{FF2B5EF4-FFF2-40B4-BE49-F238E27FC236}">
+                <a16:creationId xmlns:a16="http://schemas.microsoft.com/office/drawing/2014/main" id="{B8877A37-BDEA-2073-9427-84255A504860}"/>
+              </a:ext>
+            </a:extLst>
+          </p:cNvPr>
+          <p:cNvCxnSpPr/>
+          <p:nvPr/>
+        </p:nvCxnSpPr>
+        <p:spPr>
+          <a:xfrm>
+            <a:off x="5626566" y="1089982"/>
+            <a:ext cx="3024187" cy="0"/>
+          </a:xfrm>
+          <a:prstGeom prst="line">
+            <a:avLst/>
+          </a:prstGeom>
+        </p:spPr>
+        <p:style>
+          <a:lnRef idx="1">
+            <a:schemeClr val="accent2"/>
+          </a:lnRef>
+          <a:fillRef idx="0">
+            <a:schemeClr val="accent2"/>
+          </a:fillRef>
+          <a:effectRef idx="0">
+            <a:schemeClr val="accent2"/>
+          </a:effectRef>
+          <a:fontRef idx="minor">
+            <a:schemeClr val="tx1"/>
+          </a:fontRef>
+        </p:style>
+      </p:cxnSp>
+      <p:sp>
+        <p:nvSpPr>
+          <p:cNvPr id="6" name="TextBox 5">
+            <a:extLst>
+              <a:ext uri="{FF2B5EF4-FFF2-40B4-BE49-F238E27FC236}">
+                <a16:creationId xmlns:a16="http://schemas.microsoft.com/office/drawing/2014/main" id="{998C484F-A1D4-6959-DF0D-2E6341CD1A08}"/>
+              </a:ext>
+            </a:extLst>
+          </p:cNvPr>
+          <p:cNvSpPr txBox="1"/>
+          <p:nvPr/>
+        </p:nvSpPr>
+        <p:spPr>
+          <a:xfrm>
+            <a:off x="481264" y="1155032"/>
+            <a:ext cx="11504612" cy="4386457"/>
+          </a:xfrm>
+          <a:prstGeom prst="rect">
+            <a:avLst/>
+          </a:prstGeom>
+          <a:noFill/>
+        </p:spPr>
+        <p:txBody>
+          <a:bodyPr wrap="square" rtlCol="0">
+            <a:spAutoFit/>
+          </a:bodyPr>
+          <a:lstStyle/>
+          <a:p>
+            <a:pPr marL="457200" indent="-457200">
+              <a:lnSpc>
+                <a:spcPct val="200000"/>
+              </a:lnSpc>
+              <a:buFont typeface="Arial" panose="020B0604020202020204" pitchFamily="34" charset="0"/>
+              <a:buChar char="•"/>
+            </a:pPr>
+            <a:r>
+              <a:rPr lang="en-US" sz="3200" dirty="0">
+                <a:solidFill>
+                  <a:schemeClr val="bg1"/>
+                </a:solidFill>
+              </a:rPr>
+              <a:t>Grammatical and spelling errors in the email.</a:t>
+            </a:r>
+          </a:p>
+          <a:p>
+            <a:pPr marL="457200" indent="-457200">
+              <a:lnSpc>
+                <a:spcPct val="200000"/>
+              </a:lnSpc>
+              <a:buFont typeface="Arial" panose="020B0604020202020204" pitchFamily="34" charset="0"/>
+              <a:buChar char="•"/>
+            </a:pPr>
+            <a:r>
+              <a:rPr lang="en-US" sz="3200" dirty="0">
+                <a:solidFill>
+                  <a:schemeClr val="bg1"/>
+                </a:solidFill>
+              </a:rPr>
+              <a:t>Urgency or threats demanding immediate action.</a:t>
+            </a:r>
+          </a:p>
+          <a:p>
+            <a:pPr marL="457200" indent="-457200">
+              <a:lnSpc>
+                <a:spcPct val="150000"/>
+              </a:lnSpc>
+              <a:buFont typeface="Arial" panose="020B0604020202020204" pitchFamily="34" charset="0"/>
+              <a:buChar char="•"/>
+            </a:pPr>
+            <a:r>
+              <a:rPr lang="en-US" sz="3200" dirty="0">
+                <a:solidFill>
+                  <a:schemeClr val="bg1"/>
+                </a:solidFill>
+              </a:rPr>
+              <a:t>Suspicious sender email addressed or URLs that don’t match the purported sender</a:t>
+            </a:r>
+          </a:p>
+          <a:p>
+            <a:pPr marL="457200" indent="-457200">
+              <a:lnSpc>
+                <a:spcPct val="200000"/>
+              </a:lnSpc>
+              <a:buFont typeface="Arial" panose="020B0604020202020204" pitchFamily="34" charset="0"/>
+              <a:buChar char="•"/>
+            </a:pPr>
+            <a:r>
+              <a:rPr lang="en-US" sz="3200" dirty="0">
+                <a:solidFill>
+                  <a:schemeClr val="bg1"/>
+                </a:solidFill>
+              </a:rPr>
+              <a:t>Links that lead to unfamiliar or suspicious websites</a:t>
+            </a:r>
+          </a:p>
+        </p:txBody>
+      </p:sp>
+    </p:spTree>
+    <p:extLst>
+      <p:ext uri="{BB962C8B-B14F-4D97-AF65-F5344CB8AC3E}">
+        <p14:creationId xmlns:p14="http://schemas.microsoft.com/office/powerpoint/2010/main" val="1978778125"/>
+      </p:ext>
+    </p:extLst>
+  </p:cSld>
+  <p:clrMapOvr>
+    <a:masterClrMapping/>
+  </p:clrMapOvr>
+</p:sld>
+</file>
+
+<file path=ppt/slides/slide12.xml><?xml version="1.0" encoding="utf-8"?>
+<p:sld xmlns:a="http://schemas.openxmlformats.org/drawingml/2006/main" xmlns:r="http://schemas.openxmlformats.org/officeDocument/2006/relationships" xmlns:p="http://schemas.openxmlformats.org/presentationml/2006/main">
+  <p:cSld>
+    <p:spTree>
+      <p:nvGrpSpPr>
+        <p:cNvPr id="1" name=""/>
+        <p:cNvGrpSpPr/>
+        <p:nvPr/>
+      </p:nvGrpSpPr>
+      <p:grpSpPr>
+        <a:xfrm>
+          <a:off x="0" y="0"/>
+          <a:ext cx="0" cy="0"/>
+          <a:chOff x="0" y="0"/>
+          <a:chExt cx="0" cy="0"/>
+        </a:xfrm>
+      </p:grpSpPr>
+      <p:pic>
+        <p:nvPicPr>
+          <p:cNvPr id="6" name="Content Placeholder 5">
+            <a:extLst>
+              <a:ext uri="{FF2B5EF4-FFF2-40B4-BE49-F238E27FC236}">
+                <a16:creationId xmlns:a16="http://schemas.microsoft.com/office/drawing/2014/main" id="{F32FEC44-326D-4922-C1EC-6EE7335919D4}"/>
+              </a:ext>
+            </a:extLst>
+          </p:cNvPr>
+          <p:cNvPicPr>
+            <a:picLocks noGrp="1" noChangeAspect="1"/>
+          </p:cNvPicPr>
+          <p:nvPr>
+            <p:ph idx="1"/>
+          </p:nvPr>
+        </p:nvPicPr>
+        <p:blipFill>
+          <a:blip r:embed="rId2">
+            <a:extLst>
+              <a:ext uri="{28A0092B-C50C-407E-A947-70E740481C1C}">
+                <a14:useLocalDpi xmlns:a14="http://schemas.microsoft.com/office/drawing/2010/main" val="0"/>
+              </a:ext>
+            </a:extLst>
+          </a:blip>
+          <a:stretch>
+            <a:fillRect/>
+          </a:stretch>
+        </p:blipFill>
+        <p:spPr>
+          <a:xfrm>
+            <a:off x="2189978" y="409591"/>
+            <a:ext cx="7812043" cy="6038817"/>
+          </a:xfrm>
+          <a:effectLst>
+            <a:outerShdw blurRad="50800" dist="38100" dir="5400000" algn="t" rotWithShape="0">
+              <a:prstClr val="black">
+                <a:alpha val="40000"/>
+              </a:prstClr>
+            </a:outerShdw>
+          </a:effectLst>
+        </p:spPr>
+      </p:pic>
+    </p:spTree>
+    <p:extLst>
+      <p:ext uri="{BB962C8B-B14F-4D97-AF65-F5344CB8AC3E}">
+        <p14:creationId xmlns:p14="http://schemas.microsoft.com/office/powerpoint/2010/main" val="1193902696"/>
+      </p:ext>
+    </p:extLst>
+  </p:cSld>
+  <p:clrMapOvr>
+    <a:masterClrMapping/>
+  </p:clrMapOvr>
+</p:sld>
+</file>
+
+<file path=ppt/slides/slide13.xml><?xml version="1.0" encoding="utf-8"?>
+<p:sld xmlns:a="http://schemas.openxmlformats.org/drawingml/2006/main" xmlns:r="http://schemas.openxmlformats.org/officeDocument/2006/relationships" xmlns:p="http://schemas.openxmlformats.org/presentationml/2006/main">
+  <p:cSld>
+    <p:spTree>
+      <p:nvGrpSpPr>
+        <p:cNvPr id="1" name=""/>
+        <p:cNvGrpSpPr/>
+        <p:nvPr/>
+      </p:nvGrpSpPr>
+      <p:grpSpPr>
+        <a:xfrm>
+          <a:off x="0" y="0"/>
+          <a:ext cx="0" cy="0"/>
+          <a:chOff x="0" y="0"/>
+          <a:chExt cx="0" cy="0"/>
+        </a:xfrm>
+      </p:grpSpPr>
+      <p:sp>
+        <p:nvSpPr>
+          <p:cNvPr id="2" name="Title 1">
+            <a:extLst>
+              <a:ext uri="{FF2B5EF4-FFF2-40B4-BE49-F238E27FC236}">
+                <a16:creationId xmlns:a16="http://schemas.microsoft.com/office/drawing/2014/main" id="{4FA2F320-119E-33E5-D959-06A1DD8BD39B}"/>
+              </a:ext>
+            </a:extLst>
+          </p:cNvPr>
+          <p:cNvSpPr>
+            <a:spLocks noGrp="1"/>
+          </p:cNvSpPr>
+          <p:nvPr>
+            <p:ph type="title"/>
+          </p:nvPr>
+        </p:nvSpPr>
+        <p:spPr>
+          <a:xfrm>
+            <a:off x="272860" y="18288"/>
+            <a:ext cx="10806780" cy="842211"/>
+          </a:xfrm>
+        </p:spPr>
+        <p:txBody>
+          <a:bodyPr/>
+          <a:lstStyle/>
+          <a:p>
+            <a:r>
+              <a:rPr lang="en-IN" dirty="0">
+                <a:solidFill>
+                  <a:srgbClr val="FF0000"/>
+                </a:solidFill>
+                <a:latin typeface="ae_AlArabiya" panose="02060603050605020204" pitchFamily="18" charset="-78"/>
+                <a:cs typeface="ae_AlArabiya" panose="02060603050605020204" pitchFamily="18" charset="-78"/>
+              </a:rPr>
+              <a:t>What to do if a phishing email is received</a:t>
+            </a:r>
+          </a:p>
+        </p:txBody>
+      </p:sp>
+      <p:sp>
+        <p:nvSpPr>
+          <p:cNvPr id="4" name="Text Placeholder 3">
+            <a:extLst>
+              <a:ext uri="{FF2B5EF4-FFF2-40B4-BE49-F238E27FC236}">
+                <a16:creationId xmlns:a16="http://schemas.microsoft.com/office/drawing/2014/main" id="{513CA531-A943-AE4C-57E7-33EABB851A52}"/>
+              </a:ext>
+            </a:extLst>
+          </p:cNvPr>
+          <p:cNvSpPr>
+            <a:spLocks noGrp="1"/>
+          </p:cNvSpPr>
+          <p:nvPr>
+            <p:ph type="body" sz="half" idx="2"/>
+          </p:nvPr>
+        </p:nvSpPr>
+        <p:spPr>
+          <a:xfrm>
+            <a:off x="336868" y="731520"/>
+            <a:ext cx="10806780" cy="5559552"/>
+          </a:xfrm>
+        </p:spPr>
+        <p:txBody>
+          <a:bodyPr>
+            <a:noAutofit/>
+          </a:bodyPr>
+          <a:lstStyle/>
+          <a:p>
+            <a:pPr>
+              <a:lnSpc>
+                <a:spcPct val="150000"/>
+              </a:lnSpc>
+            </a:pPr>
+            <a:r>
+              <a:rPr lang="en-US" sz="2000" b="1" dirty="0">
+                <a:solidFill>
+                  <a:schemeClr val="bg1"/>
+                </a:solidFill>
+                <a:latin typeface="ae_AlArabiya" panose="02060603050605020204" pitchFamily="18" charset="-78"/>
+                <a:cs typeface="ae_AlArabiya" panose="02060603050605020204" pitchFamily="18" charset="-78"/>
+              </a:rPr>
+              <a:t>Protecting Yourself From Phishing Attack</a:t>
+            </a:r>
+          </a:p>
+          <a:p>
+            <a:pPr>
+              <a:lnSpc>
+                <a:spcPct val="150000"/>
+              </a:lnSpc>
+            </a:pPr>
+            <a:r>
+              <a:rPr lang="en-US" sz="2000" b="1" dirty="0">
+                <a:solidFill>
+                  <a:schemeClr val="bg1"/>
+                </a:solidFill>
+                <a:latin typeface="ae_AlArabiya" panose="02060603050605020204" pitchFamily="18" charset="-78"/>
+                <a:cs typeface="ae_AlArabiya" panose="02060603050605020204" pitchFamily="18" charset="-78"/>
+              </a:rPr>
+              <a:t>1.Verify The Sender</a:t>
+            </a:r>
+          </a:p>
+          <a:p>
+            <a:pPr marL="742950" lvl="1" indent="-285750">
+              <a:lnSpc>
+                <a:spcPct val="150000"/>
+              </a:lnSpc>
+              <a:buFont typeface="Arial" panose="020B0604020202020204" pitchFamily="34" charset="0"/>
+              <a:buChar char="•"/>
+            </a:pPr>
+            <a:r>
+              <a:rPr lang="en-US" sz="1600" dirty="0">
+                <a:solidFill>
+                  <a:schemeClr val="bg1"/>
+                </a:solidFill>
+                <a:latin typeface="ae_AlArabiya" panose="02060603050605020204" pitchFamily="18" charset="-78"/>
+                <a:cs typeface="ae_AlArabiya" panose="02060603050605020204" pitchFamily="18" charset="-78"/>
+              </a:rPr>
+              <a:t>Always verify the sender’s email address before clicking on any links or providing information.</a:t>
+            </a:r>
+          </a:p>
+          <a:p>
+            <a:pPr marL="742950" lvl="1" indent="-285750">
+              <a:lnSpc>
+                <a:spcPct val="150000"/>
+              </a:lnSpc>
+              <a:buFont typeface="Arial" panose="020B0604020202020204" pitchFamily="34" charset="0"/>
+              <a:buChar char="•"/>
+            </a:pPr>
+            <a:r>
+              <a:rPr lang="en-US" sz="1800" dirty="0">
+                <a:solidFill>
+                  <a:schemeClr val="bg1"/>
+                </a:solidFill>
+                <a:latin typeface="ae_AlArabiya" panose="02060603050605020204" pitchFamily="18" charset="-78"/>
+                <a:cs typeface="ae_AlArabiya" panose="02060603050605020204" pitchFamily="18" charset="-78"/>
+              </a:rPr>
+              <a:t>Check for the legitimacy of the sender’s domain.</a:t>
+            </a:r>
+          </a:p>
+          <a:p>
+            <a:pPr>
+              <a:lnSpc>
+                <a:spcPct val="150000"/>
+              </a:lnSpc>
+            </a:pPr>
+            <a:r>
+              <a:rPr lang="en-US" sz="2000" b="1" dirty="0">
+                <a:solidFill>
+                  <a:schemeClr val="bg1"/>
+                </a:solidFill>
+                <a:latin typeface="ae_AlArabiya" panose="02060603050605020204" pitchFamily="18" charset="-78"/>
+                <a:cs typeface="ae_AlArabiya" panose="02060603050605020204" pitchFamily="18" charset="-78"/>
+              </a:rPr>
+              <a:t>2. Be Skeptical of Urgent Requests</a:t>
+            </a:r>
+          </a:p>
+          <a:p>
+            <a:pPr marL="800100" lvl="1" indent="-342900">
+              <a:lnSpc>
+                <a:spcPct val="150000"/>
+              </a:lnSpc>
+              <a:buFont typeface="Arial" panose="020B0604020202020204" pitchFamily="34" charset="0"/>
+              <a:buChar char="•"/>
+            </a:pPr>
+            <a:r>
+              <a:rPr lang="en-US" sz="1800" dirty="0">
+                <a:solidFill>
+                  <a:schemeClr val="bg1"/>
+                </a:solidFill>
+                <a:latin typeface="ae_AlArabiya" panose="02060603050605020204" pitchFamily="18" charset="-78"/>
+                <a:cs typeface="ae_AlArabiya" panose="02060603050605020204" pitchFamily="18" charset="-78"/>
+              </a:rPr>
+              <a:t>Be cautious of emails that create a sense of urgency or fear, pressuring you to take immediate action.</a:t>
+            </a:r>
+          </a:p>
+          <a:p>
+            <a:pPr marL="800100" lvl="1" indent="-342900">
+              <a:lnSpc>
+                <a:spcPct val="150000"/>
+              </a:lnSpc>
+              <a:buFont typeface="Arial" panose="020B0604020202020204" pitchFamily="34" charset="0"/>
+              <a:buChar char="•"/>
+            </a:pPr>
+            <a:r>
+              <a:rPr lang="en-US" sz="2000" dirty="0">
+                <a:solidFill>
+                  <a:schemeClr val="bg1"/>
+                </a:solidFill>
+                <a:latin typeface="ae_AlArabiya" panose="02060603050605020204" pitchFamily="18" charset="-78"/>
+                <a:cs typeface="ae_AlArabiya" panose="02060603050605020204" pitchFamily="18" charset="-78"/>
+              </a:rPr>
+              <a:t>Verify the authenticity of the request through other means before responding.</a:t>
+            </a:r>
+          </a:p>
+          <a:p>
+            <a:pPr>
+              <a:lnSpc>
+                <a:spcPct val="150000"/>
+              </a:lnSpc>
+            </a:pPr>
+            <a:r>
+              <a:rPr lang="en-US" sz="2000" b="1" dirty="0">
+                <a:solidFill>
+                  <a:schemeClr val="bg1"/>
+                </a:solidFill>
+                <a:latin typeface="ae_AlArabiya" panose="02060603050605020204" pitchFamily="18" charset="-78"/>
+                <a:cs typeface="ae_AlArabiya" panose="02060603050605020204" pitchFamily="18" charset="-78"/>
+              </a:rPr>
+              <a:t>3. Hover Over Links</a:t>
+            </a:r>
+          </a:p>
+          <a:p>
+            <a:pPr marL="800100" lvl="1" indent="-342900">
+              <a:lnSpc>
+                <a:spcPct val="150000"/>
+              </a:lnSpc>
+              <a:buFont typeface="Arial" panose="020B0604020202020204" pitchFamily="34" charset="0"/>
+              <a:buChar char="•"/>
+            </a:pPr>
+            <a:r>
+              <a:rPr lang="en-US" sz="1800" dirty="0">
+                <a:solidFill>
+                  <a:schemeClr val="bg1"/>
+                </a:solidFill>
+                <a:latin typeface="ae_AlArabiya" panose="02060603050605020204" pitchFamily="18" charset="-78"/>
+                <a:cs typeface="ae_AlArabiya" panose="02060603050605020204" pitchFamily="18" charset="-78"/>
+              </a:rPr>
+              <a:t>Hover over links to preview the URL before clicking.</a:t>
+            </a:r>
+          </a:p>
+          <a:p>
+            <a:pPr marL="800100" lvl="1" indent="-342900">
+              <a:lnSpc>
+                <a:spcPct val="150000"/>
+              </a:lnSpc>
+              <a:buFont typeface="Arial" panose="020B0604020202020204" pitchFamily="34" charset="0"/>
+              <a:buChar char="•"/>
+            </a:pPr>
+            <a:r>
+              <a:rPr lang="en-US" sz="1800" dirty="0">
+                <a:solidFill>
+                  <a:schemeClr val="bg1"/>
+                </a:solidFill>
+                <a:latin typeface="ae_AlArabiya" panose="02060603050605020204" pitchFamily="18" charset="-78"/>
+                <a:cs typeface="ae_AlArabiya" panose="02060603050605020204" pitchFamily="18" charset="-78"/>
+              </a:rPr>
+              <a:t>Ensure that the URL matches the purported destination.</a:t>
+            </a:r>
+          </a:p>
+          <a:p>
+            <a:pPr>
+              <a:lnSpc>
+                <a:spcPct val="150000"/>
+              </a:lnSpc>
+            </a:pPr>
+            <a:endParaRPr lang="en-IN" sz="2000" dirty="0">
+              <a:solidFill>
+                <a:schemeClr val="bg1"/>
+              </a:solidFill>
+            </a:endParaRPr>
+          </a:p>
+        </p:txBody>
+      </p:sp>
+      <p:cxnSp>
+        <p:nvCxnSpPr>
+          <p:cNvPr id="5" name="Straight Connector 4">
+            <a:extLst>
+              <a:ext uri="{FF2B5EF4-FFF2-40B4-BE49-F238E27FC236}">
+                <a16:creationId xmlns:a16="http://schemas.microsoft.com/office/drawing/2014/main" id="{BB784D66-6A50-068D-2A6C-D8DC39D91436}"/>
+              </a:ext>
+            </a:extLst>
+          </p:cNvPr>
+          <p:cNvCxnSpPr>
+            <a:cxnSpLocks/>
+          </p:cNvCxnSpPr>
+          <p:nvPr/>
+        </p:nvCxnSpPr>
+        <p:spPr>
+          <a:xfrm flipV="1">
+            <a:off x="2595277" y="777240"/>
+            <a:ext cx="7024211" cy="6379"/>
+          </a:xfrm>
+          <a:prstGeom prst="line">
+            <a:avLst/>
+          </a:prstGeom>
+        </p:spPr>
+        <p:style>
+          <a:lnRef idx="1">
+            <a:schemeClr val="accent2"/>
+          </a:lnRef>
+          <a:fillRef idx="0">
+            <a:schemeClr val="accent2"/>
+          </a:fillRef>
+          <a:effectRef idx="0">
+            <a:schemeClr val="accent2"/>
+          </a:effectRef>
+          <a:fontRef idx="minor">
+            <a:schemeClr val="tx1"/>
+          </a:fontRef>
+        </p:style>
+      </p:cxnSp>
+    </p:spTree>
+    <p:extLst>
+      <p:ext uri="{BB962C8B-B14F-4D97-AF65-F5344CB8AC3E}">
+        <p14:creationId xmlns:p14="http://schemas.microsoft.com/office/powerpoint/2010/main" val="1612553012"/>
+      </p:ext>
+    </p:extLst>
+  </p:cSld>
+  <p:clrMapOvr>
+    <a:masterClrMapping/>
+  </p:clrMapOvr>
+</p:sld>
+</file>
+
+<file path=ppt/slides/slide14.xml><?xml version="1.0" encoding="utf-8"?>
+<p:sld xmlns:a="http://schemas.openxmlformats.org/drawingml/2006/main" xmlns:r="http://schemas.openxmlformats.org/officeDocument/2006/relationships" xmlns:p="http://schemas.openxmlformats.org/presentationml/2006/main">
+  <p:cSld>
+    <p:spTree>
+      <p:nvGrpSpPr>
+        <p:cNvPr id="1" name=""/>
+        <p:cNvGrpSpPr/>
+        <p:nvPr/>
+      </p:nvGrpSpPr>
+      <p:grpSpPr>
+        <a:xfrm>
+          <a:off x="0" y="0"/>
+          <a:ext cx="0" cy="0"/>
+          <a:chOff x="0" y="0"/>
+          <a:chExt cx="0" cy="0"/>
+        </a:xfrm>
+      </p:grpSpPr>
+      <p:sp>
+        <p:nvSpPr>
+          <p:cNvPr id="4" name="Text Placeholder 3">
+            <a:extLst>
+              <a:ext uri="{FF2B5EF4-FFF2-40B4-BE49-F238E27FC236}">
                 <a16:creationId xmlns:a16="http://schemas.microsoft.com/office/drawing/2014/main" id="{946CD068-893C-ADA8-FE73-6EACC95ACC44}"/>
               </a:ext>
             </a:extLst>
@@ -3845,7 +7932,7 @@
 </p:sld>
 </file>
 
-<file path=ppt/slides/slide11.xml><?xml version="1.0" encoding="utf-8"?>
+<file path=ppt/slides/slide15.xml><?xml version="1.0" encoding="utf-8"?>
 <p:sld xmlns:a="http://schemas.openxmlformats.org/drawingml/2006/main" xmlns:r="http://schemas.openxmlformats.org/officeDocument/2006/relationships" xmlns:p="http://schemas.openxmlformats.org/presentationml/2006/main">
   <p:cSld>
     <p:spTree>
@@ -4022,7 +8109,7 @@
 </p:sld>
 </file>
 
-<file path=ppt/slides/slide12.xml><?xml version="1.0" encoding="utf-8"?>
+<file path=ppt/slides/slide16.xml><?xml version="1.0" encoding="utf-8"?>
 <p:sld xmlns:a="http://schemas.openxmlformats.org/drawingml/2006/main" xmlns:r="http://schemas.openxmlformats.org/officeDocument/2006/relationships" xmlns:p="http://schemas.openxmlformats.org/presentationml/2006/main">
   <p:cSld>
     <p:spTree>
@@ -4096,8 +8183,8 @@
         </p:nvSpPr>
         <p:spPr>
           <a:xfrm>
-            <a:off x="853440" y="2057400"/>
-            <a:ext cx="10512424" cy="3811588"/>
+            <a:off x="847472" y="1481328"/>
+            <a:ext cx="11123612" cy="1882204"/>
           </a:xfrm>
         </p:spPr>
         <p:txBody>
@@ -4121,7 +8208,7 @@
               </a:tabLst>
             </a:pPr>
             <a:r>
-              <a:rPr lang="en-IN" sz="2800" kern="100" dirty="0">
+              <a:rPr lang="en-IN" sz="2200" kern="100" dirty="0">
                 <a:solidFill>
                   <a:schemeClr val="bg1"/>
                 </a:solidFill>
@@ -4149,7 +8236,7 @@
               </a:tabLst>
             </a:pPr>
             <a:r>
-              <a:rPr lang="en-IN" sz="2800" kern="100" dirty="0">
+              <a:rPr lang="en-IN" sz="2200" kern="100" dirty="0">
                 <a:solidFill>
                   <a:schemeClr val="bg1"/>
                 </a:solidFill>
@@ -4171,7 +8258,7 @@
               </a:spcAft>
             </a:pPr>
             <a:r>
-              <a:rPr lang="en-IN" sz="2800" kern="100" dirty="0">
+              <a:rPr lang="en-IN" sz="2200" kern="100" dirty="0">
                 <a:solidFill>
                   <a:schemeClr val="bg1"/>
                 </a:solidFill>
@@ -4189,7 +8276,7 @@
                 <a:spcPct val="150000"/>
               </a:lnSpc>
             </a:pPr>
-            <a:endParaRPr lang="en-IN" sz="2800" dirty="0">
+            <a:endParaRPr lang="en-IN" sz="2200" dirty="0">
               <a:solidFill>
                 <a:schemeClr val="bg1"/>
               </a:solidFill>
@@ -4235,6 +8322,52 @@
           </a:fontRef>
         </p:style>
       </p:cxnSp>
+      <p:pic>
+        <p:nvPicPr>
+          <p:cNvPr id="6" name="Picture 5">
+            <a:extLst>
+              <a:ext uri="{FF2B5EF4-FFF2-40B4-BE49-F238E27FC236}">
+                <a16:creationId xmlns:a16="http://schemas.microsoft.com/office/drawing/2014/main" id="{A65B73D7-0054-4B0F-6A7E-2E4DF1D2FACB}"/>
+              </a:ext>
+            </a:extLst>
+          </p:cNvPr>
+          <p:cNvPicPr>
+            <a:picLocks noChangeAspect="1"/>
+          </p:cNvPicPr>
+          <p:nvPr/>
+        </p:nvPicPr>
+        <p:blipFill>
+          <a:blip r:embed="rId2">
+            <a:extLst>
+              <a:ext uri="{28A0092B-C50C-407E-A947-70E740481C1C}">
+                <a14:useLocalDpi xmlns:a14="http://schemas.microsoft.com/office/drawing/2010/main" val="0"/>
+              </a:ext>
+            </a:extLst>
+          </a:blip>
+          <a:stretch>
+            <a:fillRect/>
+          </a:stretch>
+        </p:blipFill>
+        <p:spPr>
+          <a:xfrm>
+            <a:off x="-73152" y="4137758"/>
+            <a:ext cx="12265152" cy="2830830"/>
+          </a:xfrm>
+          <a:prstGeom prst="rect">
+            <a:avLst/>
+          </a:prstGeom>
+          <a:ln>
+            <a:noFill/>
+          </a:ln>
+          <a:effectLst>
+            <a:outerShdw blurRad="292100" dist="139700" dir="2700000" algn="tl" rotWithShape="0">
+              <a:srgbClr val="333333">
+                <a:alpha val="65000"/>
+              </a:srgbClr>
+            </a:outerShdw>
+          </a:effectLst>
+        </p:spPr>
+      </p:pic>
     </p:spTree>
     <p:extLst>
       <p:ext uri="{BB962C8B-B14F-4D97-AF65-F5344CB8AC3E}">
@@ -4793,6 +8926,78 @@
       </p:grpSpPr>
       <p:pic>
         <p:nvPicPr>
+          <p:cNvPr id="6" name="Content Placeholder 5">
+            <a:extLst>
+              <a:ext uri="{FF2B5EF4-FFF2-40B4-BE49-F238E27FC236}">
+                <a16:creationId xmlns:a16="http://schemas.microsoft.com/office/drawing/2014/main" id="{A00C03AF-19E0-C094-6D79-C7C4B8439B2F}"/>
+              </a:ext>
+            </a:extLst>
+          </p:cNvPr>
+          <p:cNvPicPr>
+            <a:picLocks noGrp="1" noChangeAspect="1"/>
+          </p:cNvPicPr>
+          <p:nvPr>
+            <p:ph idx="1"/>
+          </p:nvPr>
+        </p:nvPicPr>
+        <p:blipFill>
+          <a:blip r:embed="rId2">
+            <a:extLst>
+              <a:ext uri="{28A0092B-C50C-407E-A947-70E740481C1C}">
+                <a14:useLocalDpi xmlns:a14="http://schemas.microsoft.com/office/drawing/2010/main" val="0"/>
+              </a:ext>
+            </a:extLst>
+          </a:blip>
+          <a:stretch>
+            <a:fillRect/>
+          </a:stretch>
+        </p:blipFill>
+        <p:spPr>
+          <a:xfrm>
+            <a:off x="1389888" y="210153"/>
+            <a:ext cx="9067673" cy="6437694"/>
+          </a:xfrm>
+          <a:effectLst>
+            <a:outerShdw blurRad="50800" dist="38100" dir="5400000" algn="t" rotWithShape="0">
+              <a:prstClr val="black">
+                <a:alpha val="40000"/>
+              </a:prstClr>
+            </a:outerShdw>
+          </a:effectLst>
+        </p:spPr>
+      </p:pic>
+    </p:spTree>
+    <p:extLst>
+      <p:ext uri="{BB962C8B-B14F-4D97-AF65-F5344CB8AC3E}">
+        <p14:creationId xmlns:p14="http://schemas.microsoft.com/office/powerpoint/2010/main" val="1919833187"/>
+      </p:ext>
+    </p:extLst>
+  </p:cSld>
+  <p:clrMapOvr>
+    <a:masterClrMapping/>
+  </p:clrMapOvr>
+</p:sld>
+</file>
+
+<file path=ppt/slides/slide5.xml><?xml version="1.0" encoding="utf-8"?>
+<p:sld xmlns:a="http://schemas.openxmlformats.org/drawingml/2006/main" xmlns:r="http://schemas.openxmlformats.org/officeDocument/2006/relationships" xmlns:p="http://schemas.openxmlformats.org/presentationml/2006/main">
+  <p:cSld>
+    <p:spTree>
+      <p:nvGrpSpPr>
+        <p:cNvPr id="1" name=""/>
+        <p:cNvGrpSpPr/>
+        <p:nvPr/>
+      </p:nvGrpSpPr>
+      <p:grpSpPr>
+        <a:xfrm>
+          <a:off x="0" y="0"/>
+          <a:ext cx="0" cy="0"/>
+          <a:chOff x="0" y="0"/>
+          <a:chExt cx="0" cy="0"/>
+        </a:xfrm>
+      </p:grpSpPr>
+      <p:pic>
+        <p:nvPicPr>
           <p:cNvPr id="19" name="Picture 18">
             <a:extLst>
               <a:ext uri="{FF2B5EF4-FFF2-40B4-BE49-F238E27FC236}">
@@ -4958,7 +9163,147 @@
 </p:sld>
 </file>
 
-<file path=ppt/slides/slide5.xml><?xml version="1.0" encoding="utf-8"?>
+<file path=ppt/slides/slide6.xml><?xml version="1.0" encoding="utf-8"?>
+<p:sld xmlns:a="http://schemas.openxmlformats.org/drawingml/2006/main" xmlns:r="http://schemas.openxmlformats.org/officeDocument/2006/relationships" xmlns:p="http://schemas.openxmlformats.org/presentationml/2006/main">
+  <p:cSld>
+    <p:spTree>
+      <p:nvGrpSpPr>
+        <p:cNvPr id="1" name=""/>
+        <p:cNvGrpSpPr/>
+        <p:nvPr/>
+      </p:nvGrpSpPr>
+      <p:grpSpPr>
+        <a:xfrm>
+          <a:off x="0" y="0"/>
+          <a:ext cx="0" cy="0"/>
+          <a:chOff x="0" y="0"/>
+          <a:chExt cx="0" cy="0"/>
+        </a:xfrm>
+      </p:grpSpPr>
+      <p:pic>
+        <p:nvPicPr>
+          <p:cNvPr id="6" name="Content Placeholder 5">
+            <a:extLst>
+              <a:ext uri="{FF2B5EF4-FFF2-40B4-BE49-F238E27FC236}">
+                <a16:creationId xmlns:a16="http://schemas.microsoft.com/office/drawing/2014/main" id="{1831E354-DC94-93DF-6621-7B9DAECB097B}"/>
+              </a:ext>
+            </a:extLst>
+          </p:cNvPr>
+          <p:cNvPicPr>
+            <a:picLocks noGrp="1" noChangeAspect="1"/>
+          </p:cNvPicPr>
+          <p:nvPr>
+            <p:ph idx="1"/>
+          </p:nvPr>
+        </p:nvPicPr>
+        <p:blipFill>
+          <a:blip r:embed="rId2">
+            <a:extLst>
+              <a:ext uri="{28A0092B-C50C-407E-A947-70E740481C1C}">
+                <a14:useLocalDpi xmlns:a14="http://schemas.microsoft.com/office/drawing/2010/main" val="0"/>
+              </a:ext>
+            </a:extLst>
+          </a:blip>
+          <a:stretch>
+            <a:fillRect/>
+          </a:stretch>
+        </p:blipFill>
+        <p:spPr>
+          <a:xfrm>
+            <a:off x="2265104" y="-237871"/>
+            <a:ext cx="7661792" cy="6704068"/>
+          </a:xfrm>
+          <a:effectLst>
+            <a:outerShdw blurRad="50800" dist="38100" dir="5400000" algn="t" rotWithShape="0">
+              <a:prstClr val="black">
+                <a:alpha val="40000"/>
+              </a:prstClr>
+            </a:outerShdw>
+          </a:effectLst>
+        </p:spPr>
+      </p:pic>
+      <p:sp>
+        <p:nvSpPr>
+          <p:cNvPr id="7" name="TextBox 6">
+            <a:extLst>
+              <a:ext uri="{FF2B5EF4-FFF2-40B4-BE49-F238E27FC236}">
+                <a16:creationId xmlns:a16="http://schemas.microsoft.com/office/drawing/2014/main" id="{A26ADC05-7EB6-36E5-9994-00CE4EC26463}"/>
+              </a:ext>
+            </a:extLst>
+          </p:cNvPr>
+          <p:cNvSpPr txBox="1"/>
+          <p:nvPr/>
+        </p:nvSpPr>
+        <p:spPr>
+          <a:xfrm>
+            <a:off x="4544568" y="6281531"/>
+            <a:ext cx="3256789" cy="369332"/>
+          </a:xfrm>
+          <a:prstGeom prst="rect">
+            <a:avLst/>
+          </a:prstGeom>
+          <a:noFill/>
+        </p:spPr>
+        <p:txBody>
+          <a:bodyPr wrap="none" rtlCol="0">
+            <a:spAutoFit/>
+          </a:bodyPr>
+          <a:lstStyle/>
+          <a:p>
+            <a:r>
+              <a:rPr lang="en-US" b="1" dirty="0">
+                <a:solidFill>
+                  <a:schemeClr val="bg1"/>
+                </a:solidFill>
+                <a:latin typeface="ae_AlArabiya" panose="02060603050605020204" pitchFamily="18" charset="-78"/>
+                <a:cs typeface="ae_AlArabiya" panose="02060603050605020204" pitchFamily="18" charset="-78"/>
+              </a:rPr>
+              <a:t>Types </a:t>
+            </a:r>
+            <a:r>
+              <a:rPr lang="en-US" b="1" dirty="0">
+                <a:solidFill>
+                  <a:srgbClr val="FF0000"/>
+                </a:solidFill>
+                <a:latin typeface="ae_AlArabiya" panose="02060603050605020204" pitchFamily="18" charset="-78"/>
+                <a:cs typeface="ae_AlArabiya" panose="02060603050605020204" pitchFamily="18" charset="-78"/>
+              </a:rPr>
+              <a:t>Of</a:t>
+            </a:r>
+            <a:r>
+              <a:rPr lang="en-US" b="1" dirty="0">
+                <a:solidFill>
+                  <a:schemeClr val="bg1"/>
+                </a:solidFill>
+                <a:latin typeface="ae_AlArabiya" panose="02060603050605020204" pitchFamily="18" charset="-78"/>
+                <a:cs typeface="ae_AlArabiya" panose="02060603050605020204" pitchFamily="18" charset="-78"/>
+              </a:rPr>
+              <a:t> Phishing Attacks</a:t>
+            </a:r>
+            <a:endParaRPr lang="en-IN" b="1" dirty="0">
+              <a:solidFill>
+                <a:schemeClr val="bg1"/>
+              </a:solidFill>
+              <a:latin typeface="ae_AlArabiya" panose="02060603050605020204" pitchFamily="18" charset="-78"/>
+              <a:cs typeface="ae_AlArabiya" panose="02060603050605020204" pitchFamily="18" charset="-78"/>
+            </a:endParaRPr>
+          </a:p>
+        </p:txBody>
+      </p:sp>
+    </p:spTree>
+    <p:extLst>
+      <p:ext uri="{BB962C8B-B14F-4D97-AF65-F5344CB8AC3E}">
+        <p14:creationId xmlns:p14="http://schemas.microsoft.com/office/powerpoint/2010/main" val="3925577333"/>
+      </p:ext>
+    </p:extLst>
+  </p:cSld>
+  <p:clrMapOvr>
+    <a:masterClrMapping/>
+  </p:clrMapOvr>
+</p:sld>
+</file>
+
+<file path=ppt/slides/slide7.xml><?xml version="1.0" encoding="utf-8"?>
 <p:sld xmlns:a="http://schemas.openxmlformats.org/drawingml/2006/main" xmlns:r="http://schemas.openxmlformats.org/officeDocument/2006/relationships" xmlns:p="http://schemas.openxmlformats.org/presentationml/2006/main">
   <p:cSld>
     <p:spTree>
@@ -4998,7 +9343,9 @@
           </a:xfrm>
         </p:spPr>
         <p:txBody>
-          <a:bodyPr/>
+          <a:bodyPr>
+            <a:normAutofit fontScale="90000"/>
+          </a:bodyPr>
           <a:lstStyle/>
           <a:p>
             <a:r>
@@ -5009,7 +9356,7 @@
                 <a:latin typeface="ae_AlArabiya" panose="02060603050605020204" pitchFamily="18" charset="-78"/>
                 <a:cs typeface="ae_AlArabiya" panose="02060603050605020204" pitchFamily="18" charset="-78"/>
               </a:rPr>
-              <a:t>Types of Phishing Attacks</a:t>
+              <a:t>Common Types of Phishing Attacks</a:t>
             </a:r>
           </a:p>
         </p:txBody>
@@ -5290,7 +9637,113 @@
 </p:sld>
 </file>
 
-<file path=ppt/slides/slide6.xml><?xml version="1.0" encoding="utf-8"?>
+<file path=ppt/slides/slide8.xml><?xml version="1.0" encoding="utf-8"?>
+<p:sld xmlns:a="http://schemas.openxmlformats.org/drawingml/2006/main" xmlns:r="http://schemas.openxmlformats.org/officeDocument/2006/relationships" xmlns:p="http://schemas.openxmlformats.org/presentationml/2006/main">
+  <p:cSld>
+    <p:spTree>
+      <p:nvGrpSpPr>
+        <p:cNvPr id="1" name=""/>
+        <p:cNvGrpSpPr/>
+        <p:nvPr/>
+      </p:nvGrpSpPr>
+      <p:grpSpPr>
+        <a:xfrm>
+          <a:off x="0" y="0"/>
+          <a:ext cx="0" cy="0"/>
+          <a:chOff x="0" y="0"/>
+          <a:chExt cx="0" cy="0"/>
+        </a:xfrm>
+      </p:grpSpPr>
+      <p:graphicFrame>
+        <p:nvGraphicFramePr>
+          <p:cNvPr id="11" name="Diagram 10">
+            <a:extLst>
+              <a:ext uri="{FF2B5EF4-FFF2-40B4-BE49-F238E27FC236}">
+                <a16:creationId xmlns:a16="http://schemas.microsoft.com/office/drawing/2014/main" id="{5C2F9F02-8E41-333C-BAB0-4644C1B9BC62}"/>
+              </a:ext>
+            </a:extLst>
+          </p:cNvPr>
+          <p:cNvGraphicFramePr/>
+          <p:nvPr>
+            <p:extLst>
+              <p:ext uri="{D42A27DB-BD31-4B8C-83A1-F6EECF244321}">
+                <p14:modId xmlns:p14="http://schemas.microsoft.com/office/powerpoint/2010/main" val="3687369649"/>
+              </p:ext>
+            </p:extLst>
+          </p:nvPr>
+        </p:nvGraphicFramePr>
+        <p:xfrm>
+          <a:off x="2057400" y="786384"/>
+          <a:ext cx="7936992" cy="5285232"/>
+        </p:xfrm>
+        <a:graphic>
+          <a:graphicData uri="http://schemas.openxmlformats.org/drawingml/2006/diagram">
+            <dgm:relIds xmlns:dgm="http://schemas.openxmlformats.org/drawingml/2006/diagram" xmlns:r="http://schemas.openxmlformats.org/officeDocument/2006/relationships" r:dm="rId2" r:lo="rId3" r:qs="rId4" r:cs="rId5"/>
+          </a:graphicData>
+        </a:graphic>
+      </p:graphicFrame>
+      <p:sp>
+        <p:nvSpPr>
+          <p:cNvPr id="12" name="TextBox 11">
+            <a:extLst>
+              <a:ext uri="{FF2B5EF4-FFF2-40B4-BE49-F238E27FC236}">
+                <a16:creationId xmlns:a16="http://schemas.microsoft.com/office/drawing/2014/main" id="{9AE276F9-449D-5AD0-8353-F04F04D2D114}"/>
+              </a:ext>
+            </a:extLst>
+          </p:cNvPr>
+          <p:cNvSpPr txBox="1"/>
+          <p:nvPr/>
+        </p:nvSpPr>
+        <p:spPr>
+          <a:xfrm>
+            <a:off x="4818888" y="6190488"/>
+            <a:ext cx="2898294" cy="369332"/>
+          </a:xfrm>
+          <a:prstGeom prst="rect">
+            <a:avLst/>
+          </a:prstGeom>
+          <a:noFill/>
+        </p:spPr>
+        <p:txBody>
+          <a:bodyPr wrap="none" rtlCol="0">
+            <a:spAutoFit/>
+          </a:bodyPr>
+          <a:lstStyle/>
+          <a:p>
+            <a:r>
+              <a:rPr lang="en-US" dirty="0">
+                <a:solidFill>
+                  <a:schemeClr val="bg1"/>
+                </a:solidFill>
+                <a:latin typeface="ae_AlArabiya" panose="02060603050605020204" pitchFamily="18" charset="-78"/>
+                <a:cs typeface="ae_AlArabiya" panose="02060603050605020204" pitchFamily="18" charset="-78"/>
+              </a:rPr>
+              <a:t>Techniques of Phishing</a:t>
+            </a:r>
+            <a:endParaRPr lang="en-IN" dirty="0">
+              <a:solidFill>
+                <a:schemeClr val="bg1"/>
+              </a:solidFill>
+              <a:latin typeface="ae_AlArabiya" panose="02060603050605020204" pitchFamily="18" charset="-78"/>
+              <a:cs typeface="ae_AlArabiya" panose="02060603050605020204" pitchFamily="18" charset="-78"/>
+            </a:endParaRPr>
+          </a:p>
+        </p:txBody>
+      </p:sp>
+    </p:spTree>
+    <p:extLst>
+      <p:ext uri="{BB962C8B-B14F-4D97-AF65-F5344CB8AC3E}">
+        <p14:creationId xmlns:p14="http://schemas.microsoft.com/office/powerpoint/2010/main" val="2051209794"/>
+      </p:ext>
+    </p:extLst>
+  </p:cSld>
+  <p:clrMapOvr>
+    <a:masterClrMapping/>
+  </p:clrMapOvr>
+</p:sld>
+</file>
+
+<file path=ppt/slides/slide9.xml><?xml version="1.0" encoding="utf-8"?>
 <p:sld xmlns:a="http://schemas.openxmlformats.org/drawingml/2006/main" xmlns:r="http://schemas.openxmlformats.org/officeDocument/2006/relationships" xmlns:p="http://schemas.openxmlformats.org/presentationml/2006/main">
   <p:cSld>
     <p:spTree>
@@ -5581,825 +10034,6 @@
     <p:extLst>
       <p:ext uri="{BB962C8B-B14F-4D97-AF65-F5344CB8AC3E}">
         <p14:creationId xmlns:p14="http://schemas.microsoft.com/office/powerpoint/2010/main" val="2654833067"/>
-      </p:ext>
-    </p:extLst>
-  </p:cSld>
-  <p:clrMapOvr>
-    <a:masterClrMapping/>
-  </p:clrMapOvr>
-</p:sld>
-</file>
-
-<file path=ppt/slides/slide7.xml><?xml version="1.0" encoding="utf-8"?>
-<p:sld xmlns:a="http://schemas.openxmlformats.org/drawingml/2006/main" xmlns:r="http://schemas.openxmlformats.org/officeDocument/2006/relationships" xmlns:p="http://schemas.openxmlformats.org/presentationml/2006/main">
-  <p:cSld>
-    <p:spTree>
-      <p:nvGrpSpPr>
-        <p:cNvPr id="1" name=""/>
-        <p:cNvGrpSpPr/>
-        <p:nvPr/>
-      </p:nvGrpSpPr>
-      <p:grpSpPr>
-        <a:xfrm>
-          <a:off x="0" y="0"/>
-          <a:ext cx="0" cy="0"/>
-          <a:chOff x="0" y="0"/>
-          <a:chExt cx="0" cy="0"/>
-        </a:xfrm>
-      </p:grpSpPr>
-      <p:sp>
-        <p:nvSpPr>
-          <p:cNvPr id="4" name="Text Placeholder 3">
-            <a:extLst>
-              <a:ext uri="{FF2B5EF4-FFF2-40B4-BE49-F238E27FC236}">
-                <a16:creationId xmlns:a16="http://schemas.microsoft.com/office/drawing/2014/main" id="{E7962BCE-D654-93DF-2878-1A54E3A9E6AC}"/>
-              </a:ext>
-            </a:extLst>
-          </p:cNvPr>
-          <p:cNvSpPr>
-            <a:spLocks noGrp="1"/>
-          </p:cNvSpPr>
-          <p:nvPr>
-            <p:ph type="body" sz="half" idx="2"/>
-          </p:nvPr>
-        </p:nvSpPr>
-        <p:spPr>
-          <a:xfrm>
-            <a:off x="135700" y="292608"/>
-            <a:ext cx="11352212" cy="3811588"/>
-          </a:xfrm>
-        </p:spPr>
-        <p:txBody>
-          <a:bodyPr>
-            <a:noAutofit/>
-          </a:bodyPr>
-          <a:lstStyle/>
-          <a:p>
-            <a:pPr algn="just">
-              <a:lnSpc>
-                <a:spcPct val="100000"/>
-              </a:lnSpc>
-            </a:pPr>
-            <a:r>
-              <a:rPr lang="en-IN" sz="2200" dirty="0">
-                <a:solidFill>
-                  <a:schemeClr val="accent6"/>
-                </a:solidFill>
-                <a:latin typeface="ae_AlArabiya" panose="02060603050605020204" pitchFamily="18" charset="-78"/>
-                <a:cs typeface="ae_AlArabiya" panose="02060603050605020204" pitchFamily="18" charset="-78"/>
-              </a:rPr>
-              <a:t>Email Spoofing: </a:t>
-            </a:r>
-          </a:p>
-          <a:p>
-            <a:pPr marL="914400" lvl="1" indent="-457200" algn="just">
-              <a:lnSpc>
-                <a:spcPct val="100000"/>
-              </a:lnSpc>
-              <a:buFont typeface="Arial" panose="020B0604020202020204" pitchFamily="34" charset="0"/>
-              <a:buChar char="•"/>
-            </a:pPr>
-            <a:r>
-              <a:rPr lang="en-US" sz="2200" dirty="0">
-                <a:solidFill>
-                  <a:schemeClr val="bg1"/>
-                </a:solidFill>
-                <a:latin typeface="ae_AlArabiya" panose="02060603050605020204" pitchFamily="18" charset="-78"/>
-                <a:cs typeface="ae_AlArabiya" panose="02060603050605020204" pitchFamily="18" charset="-78"/>
-              </a:rPr>
-              <a:t>Attackers send emails that appear to be from trusted sources by forging the sender's address.</a:t>
-            </a:r>
-          </a:p>
-          <a:p>
-            <a:pPr marL="914400" lvl="1" indent="-457200" algn="just">
-              <a:lnSpc>
-                <a:spcPct val="100000"/>
-              </a:lnSpc>
-              <a:buFont typeface="Arial" panose="020B0604020202020204" pitchFamily="34" charset="0"/>
-              <a:buChar char="•"/>
-            </a:pPr>
-            <a:r>
-              <a:rPr lang="en-US" sz="2200" dirty="0">
-                <a:solidFill>
-                  <a:schemeClr val="bg1"/>
-                </a:solidFill>
-                <a:latin typeface="ae_AlArabiya" panose="02060603050605020204" pitchFamily="18" charset="-78"/>
-                <a:cs typeface="ae_AlArabiya" panose="02060603050605020204" pitchFamily="18" charset="-78"/>
-              </a:rPr>
-              <a:t>Tricking recipients into clicking malicious links or providing personal details.</a:t>
-            </a:r>
-            <a:endParaRPr lang="en-IN" sz="2200" dirty="0">
-              <a:solidFill>
-                <a:schemeClr val="bg1"/>
-              </a:solidFill>
-              <a:latin typeface="ae_AlArabiya" panose="02060603050605020204" pitchFamily="18" charset="-78"/>
-              <a:cs typeface="ae_AlArabiya" panose="02060603050605020204" pitchFamily="18" charset="-78"/>
-            </a:endParaRPr>
-          </a:p>
-          <a:p>
-            <a:pPr algn="just">
-              <a:lnSpc>
-                <a:spcPct val="100000"/>
-              </a:lnSpc>
-            </a:pPr>
-            <a:endParaRPr lang="en-IN" sz="2200" dirty="0">
-              <a:solidFill>
-                <a:schemeClr val="accent6"/>
-              </a:solidFill>
-              <a:latin typeface="ae_AlArabiya" panose="02060603050605020204" pitchFamily="18" charset="-78"/>
-              <a:cs typeface="ae_AlArabiya" panose="02060603050605020204" pitchFamily="18" charset="-78"/>
-            </a:endParaRPr>
-          </a:p>
-          <a:p>
-            <a:pPr algn="just">
-              <a:lnSpc>
-                <a:spcPct val="100000"/>
-              </a:lnSpc>
-            </a:pPr>
-            <a:r>
-              <a:rPr lang="en-IN" sz="2200" dirty="0">
-                <a:solidFill>
-                  <a:schemeClr val="accent6"/>
-                </a:solidFill>
-                <a:latin typeface="ae_AlArabiya" panose="02060603050605020204" pitchFamily="18" charset="-78"/>
-                <a:cs typeface="ae_AlArabiya" panose="02060603050605020204" pitchFamily="18" charset="-78"/>
-              </a:rPr>
-              <a:t>URL Shortening:</a:t>
-            </a:r>
-          </a:p>
-          <a:p>
-            <a:pPr marL="800100" lvl="1" indent="-342900" algn="just">
-              <a:lnSpc>
-                <a:spcPct val="100000"/>
-              </a:lnSpc>
-              <a:buFont typeface="Arial" panose="020B0604020202020204" pitchFamily="34" charset="0"/>
-              <a:buChar char="•"/>
-            </a:pPr>
-            <a:r>
-              <a:rPr lang="en-US" sz="2200" dirty="0">
-                <a:solidFill>
-                  <a:schemeClr val="bg1"/>
-                </a:solidFill>
-                <a:latin typeface="ae_AlArabiya" panose="02060603050605020204" pitchFamily="18" charset="-78"/>
-                <a:cs typeface="ae_AlArabiya" panose="02060603050605020204" pitchFamily="18" charset="-78"/>
-              </a:rPr>
-              <a:t>Attackers use shortened URLs to hide the true destination of a link, making it difficult for users to identify if the link leads to a malicious website.</a:t>
-            </a:r>
-          </a:p>
-          <a:p>
-            <a:pPr marL="800100" lvl="1" indent="-342900" algn="just">
-              <a:lnSpc>
-                <a:spcPct val="100000"/>
-              </a:lnSpc>
-              <a:buFont typeface="Arial" panose="020B0604020202020204" pitchFamily="34" charset="0"/>
-              <a:buChar char="•"/>
-            </a:pPr>
-            <a:r>
-              <a:rPr lang="en-US" sz="2200" dirty="0">
-                <a:solidFill>
-                  <a:schemeClr val="bg1"/>
-                </a:solidFill>
-                <a:latin typeface="ae_AlArabiya" panose="02060603050605020204" pitchFamily="18" charset="-78"/>
-                <a:cs typeface="ae_AlArabiya" panose="02060603050605020204" pitchFamily="18" charset="-78"/>
-              </a:rPr>
-              <a:t>Often used in phishing attempts on social media or emails.</a:t>
-            </a:r>
-          </a:p>
-          <a:p>
-            <a:pPr lvl="1" algn="just">
-              <a:lnSpc>
-                <a:spcPct val="100000"/>
-              </a:lnSpc>
-            </a:pPr>
-            <a:endParaRPr lang="en-IN" sz="2000" dirty="0">
-              <a:solidFill>
-                <a:schemeClr val="bg1"/>
-              </a:solidFill>
-              <a:latin typeface="ae_AlArabiya" panose="02060603050605020204" pitchFamily="18" charset="-78"/>
-              <a:cs typeface="ae_AlArabiya" panose="02060603050605020204" pitchFamily="18" charset="-78"/>
-            </a:endParaRPr>
-          </a:p>
-          <a:p>
-            <a:pPr algn="just">
-              <a:lnSpc>
-                <a:spcPct val="100000"/>
-              </a:lnSpc>
-            </a:pPr>
-            <a:r>
-              <a:rPr lang="en-IN" sz="2200" dirty="0">
-                <a:solidFill>
-                  <a:schemeClr val="accent6"/>
-                </a:solidFill>
-                <a:latin typeface="ae_AlArabiya" panose="02060603050605020204" pitchFamily="18" charset="-78"/>
-                <a:cs typeface="ae_AlArabiya" panose="02060603050605020204" pitchFamily="18" charset="-78"/>
-              </a:rPr>
-              <a:t>Malicious Redirect:</a:t>
-            </a:r>
-          </a:p>
-          <a:p>
-            <a:pPr marL="800100" lvl="1" indent="-342900" algn="just">
-              <a:lnSpc>
-                <a:spcPct val="100000"/>
-              </a:lnSpc>
-              <a:buFont typeface="Arial" panose="020B0604020202020204" pitchFamily="34" charset="0"/>
-              <a:buChar char="•"/>
-            </a:pPr>
-            <a:r>
-              <a:rPr lang="en-US" sz="2200" dirty="0">
-                <a:solidFill>
-                  <a:schemeClr val="bg1"/>
-                </a:solidFill>
-                <a:latin typeface="ae_AlArabiya" panose="02060603050605020204" pitchFamily="18" charset="-78"/>
-                <a:cs typeface="ae_AlArabiya" panose="02060603050605020204" pitchFamily="18" charset="-78"/>
-              </a:rPr>
-              <a:t>This technique involves redirecting users from legitimate websites to harmful or fraudulent sites without their knowledge</a:t>
-            </a:r>
-          </a:p>
-          <a:p>
-            <a:pPr marL="800100" lvl="1" indent="-342900" algn="just">
-              <a:lnSpc>
-                <a:spcPct val="100000"/>
-              </a:lnSpc>
-              <a:buFont typeface="Arial" panose="020B0604020202020204" pitchFamily="34" charset="0"/>
-              <a:buChar char="•"/>
-            </a:pPr>
-            <a:r>
-              <a:rPr lang="en-US" sz="2200" dirty="0">
-                <a:solidFill>
-                  <a:schemeClr val="bg1"/>
-                </a:solidFill>
-                <a:latin typeface="ae_AlArabiya" panose="02060603050605020204" pitchFamily="18" charset="-78"/>
-                <a:cs typeface="ae_AlArabiya" panose="02060603050605020204" pitchFamily="18" charset="-78"/>
-              </a:rPr>
-              <a:t>Typically through compromised web pages or malicious scripts.</a:t>
-            </a:r>
-            <a:endParaRPr lang="en-IN" sz="2200" dirty="0">
-              <a:solidFill>
-                <a:schemeClr val="bg1"/>
-              </a:solidFill>
-              <a:latin typeface="ae_AlArabiya" panose="02060603050605020204" pitchFamily="18" charset="-78"/>
-              <a:cs typeface="ae_AlArabiya" panose="02060603050605020204" pitchFamily="18" charset="-78"/>
-            </a:endParaRPr>
-          </a:p>
-          <a:p>
-            <a:pPr>
-              <a:lnSpc>
-                <a:spcPct val="100000"/>
-              </a:lnSpc>
-            </a:pPr>
-            <a:endParaRPr lang="en-IN" sz="2200" dirty="0">
-              <a:solidFill>
-                <a:schemeClr val="bg1"/>
-              </a:solidFill>
-            </a:endParaRPr>
-          </a:p>
-        </p:txBody>
-      </p:sp>
-    </p:spTree>
-    <p:extLst>
-      <p:ext uri="{BB962C8B-B14F-4D97-AF65-F5344CB8AC3E}">
-        <p14:creationId xmlns:p14="http://schemas.microsoft.com/office/powerpoint/2010/main" val="1202821797"/>
-      </p:ext>
-    </p:extLst>
-  </p:cSld>
-  <p:clrMapOvr>
-    <a:masterClrMapping/>
-  </p:clrMapOvr>
-</p:sld>
-</file>
-
-<file path=ppt/slides/slide8.xml><?xml version="1.0" encoding="utf-8"?>
-<p:sld xmlns:a="http://schemas.openxmlformats.org/drawingml/2006/main" xmlns:r="http://schemas.openxmlformats.org/officeDocument/2006/relationships" xmlns:p="http://schemas.openxmlformats.org/presentationml/2006/main">
-  <p:cSld>
-    <p:spTree>
-      <p:nvGrpSpPr>
-        <p:cNvPr id="1" name=""/>
-        <p:cNvGrpSpPr/>
-        <p:nvPr/>
-      </p:nvGrpSpPr>
-      <p:grpSpPr>
-        <a:xfrm>
-          <a:off x="0" y="0"/>
-          <a:ext cx="0" cy="0"/>
-          <a:chOff x="0" y="0"/>
-          <a:chExt cx="0" cy="0"/>
-        </a:xfrm>
-      </p:grpSpPr>
-      <p:sp>
-        <p:nvSpPr>
-          <p:cNvPr id="4" name="Text Placeholder 3">
-            <a:extLst>
-              <a:ext uri="{FF2B5EF4-FFF2-40B4-BE49-F238E27FC236}">
-                <a16:creationId xmlns:a16="http://schemas.microsoft.com/office/drawing/2014/main" id="{B00EA4A3-F7BD-4C27-F294-2FFB0C734A5A}"/>
-              </a:ext>
-            </a:extLst>
-          </p:cNvPr>
-          <p:cNvSpPr>
-            <a:spLocks noGrp="1"/>
-          </p:cNvSpPr>
-          <p:nvPr>
-            <p:ph type="body" sz="half" idx="2"/>
-          </p:nvPr>
-        </p:nvSpPr>
-        <p:spPr>
-          <a:xfrm>
-            <a:off x="343694" y="620346"/>
-            <a:ext cx="11504612" cy="3811588"/>
-          </a:xfrm>
-        </p:spPr>
-        <p:txBody>
-          <a:bodyPr>
-            <a:normAutofit/>
-          </a:bodyPr>
-          <a:lstStyle/>
-          <a:p>
-            <a:r>
-              <a:rPr lang="en-IN" sz="3200" dirty="0">
-                <a:solidFill>
-                  <a:srgbClr val="FF0000"/>
-                </a:solidFill>
-                <a:latin typeface="ae_AlArabiya" panose="02060603050605020204" pitchFamily="18" charset="-78"/>
-                <a:cs typeface="ae_AlArabiya" panose="02060603050605020204" pitchFamily="18" charset="-78"/>
-              </a:rPr>
-              <a:t>How to recognize Phishing Emails</a:t>
-            </a:r>
-          </a:p>
-          <a:p>
-            <a:endParaRPr lang="en-IN" sz="3200" dirty="0">
-              <a:solidFill>
-                <a:srgbClr val="FF0000"/>
-              </a:solidFill>
-            </a:endParaRPr>
-          </a:p>
-        </p:txBody>
-      </p:sp>
-      <p:cxnSp>
-        <p:nvCxnSpPr>
-          <p:cNvPr id="5" name="Straight Connector 4">
-            <a:extLst>
-              <a:ext uri="{FF2B5EF4-FFF2-40B4-BE49-F238E27FC236}">
-                <a16:creationId xmlns:a16="http://schemas.microsoft.com/office/drawing/2014/main" id="{B8877A37-BDEA-2073-9427-84255A504860}"/>
-              </a:ext>
-            </a:extLst>
-          </p:cNvPr>
-          <p:cNvCxnSpPr/>
-          <p:nvPr/>
-        </p:nvCxnSpPr>
-        <p:spPr>
-          <a:xfrm>
-            <a:off x="5626566" y="1089982"/>
-            <a:ext cx="3024187" cy="0"/>
-          </a:xfrm>
-          <a:prstGeom prst="line">
-            <a:avLst/>
-          </a:prstGeom>
-        </p:spPr>
-        <p:style>
-          <a:lnRef idx="1">
-            <a:schemeClr val="accent2"/>
-          </a:lnRef>
-          <a:fillRef idx="0">
-            <a:schemeClr val="accent2"/>
-          </a:fillRef>
-          <a:effectRef idx="0">
-            <a:schemeClr val="accent2"/>
-          </a:effectRef>
-          <a:fontRef idx="minor">
-            <a:schemeClr val="tx1"/>
-          </a:fontRef>
-        </p:style>
-      </p:cxnSp>
-      <p:sp>
-        <p:nvSpPr>
-          <p:cNvPr id="6" name="TextBox 5">
-            <a:extLst>
-              <a:ext uri="{FF2B5EF4-FFF2-40B4-BE49-F238E27FC236}">
-                <a16:creationId xmlns:a16="http://schemas.microsoft.com/office/drawing/2014/main" id="{998C484F-A1D4-6959-DF0D-2E6341CD1A08}"/>
-              </a:ext>
-            </a:extLst>
-          </p:cNvPr>
-          <p:cNvSpPr txBox="1"/>
-          <p:nvPr/>
-        </p:nvSpPr>
-        <p:spPr>
-          <a:xfrm>
-            <a:off x="481264" y="1155032"/>
-            <a:ext cx="11504612" cy="4386457"/>
-          </a:xfrm>
-          <a:prstGeom prst="rect">
-            <a:avLst/>
-          </a:prstGeom>
-          <a:noFill/>
-        </p:spPr>
-        <p:txBody>
-          <a:bodyPr wrap="square" rtlCol="0">
-            <a:spAutoFit/>
-          </a:bodyPr>
-          <a:lstStyle/>
-          <a:p>
-            <a:pPr marL="457200" indent="-457200">
-              <a:lnSpc>
-                <a:spcPct val="200000"/>
-              </a:lnSpc>
-              <a:buFont typeface="Arial" panose="020B0604020202020204" pitchFamily="34" charset="0"/>
-              <a:buChar char="•"/>
-            </a:pPr>
-            <a:r>
-              <a:rPr lang="en-US" sz="3200" dirty="0">
-                <a:solidFill>
-                  <a:schemeClr val="bg1"/>
-                </a:solidFill>
-              </a:rPr>
-              <a:t>Grammatical and spelling errors in the email.</a:t>
-            </a:r>
-          </a:p>
-          <a:p>
-            <a:pPr marL="457200" indent="-457200">
-              <a:lnSpc>
-                <a:spcPct val="200000"/>
-              </a:lnSpc>
-              <a:buFont typeface="Arial" panose="020B0604020202020204" pitchFamily="34" charset="0"/>
-              <a:buChar char="•"/>
-            </a:pPr>
-            <a:r>
-              <a:rPr lang="en-US" sz="3200" dirty="0">
-                <a:solidFill>
-                  <a:schemeClr val="bg1"/>
-                </a:solidFill>
-              </a:rPr>
-              <a:t>Urgency or threats demanding immediate action.</a:t>
-            </a:r>
-          </a:p>
-          <a:p>
-            <a:pPr marL="457200" indent="-457200">
-              <a:lnSpc>
-                <a:spcPct val="150000"/>
-              </a:lnSpc>
-              <a:buFont typeface="Arial" panose="020B0604020202020204" pitchFamily="34" charset="0"/>
-              <a:buChar char="•"/>
-            </a:pPr>
-            <a:r>
-              <a:rPr lang="en-US" sz="3200" dirty="0">
-                <a:solidFill>
-                  <a:schemeClr val="bg1"/>
-                </a:solidFill>
-              </a:rPr>
-              <a:t>Suspicious sender email addressed or URLs that don’t match the purported sender</a:t>
-            </a:r>
-          </a:p>
-          <a:p>
-            <a:pPr marL="457200" indent="-457200">
-              <a:lnSpc>
-                <a:spcPct val="200000"/>
-              </a:lnSpc>
-              <a:buFont typeface="Arial" panose="020B0604020202020204" pitchFamily="34" charset="0"/>
-              <a:buChar char="•"/>
-            </a:pPr>
-            <a:r>
-              <a:rPr lang="en-US" sz="3200" dirty="0">
-                <a:solidFill>
-                  <a:schemeClr val="bg1"/>
-                </a:solidFill>
-              </a:rPr>
-              <a:t>Links that lead to unfamiliar or suspicious websites</a:t>
-            </a:r>
-          </a:p>
-        </p:txBody>
-      </p:sp>
-    </p:spTree>
-    <p:extLst>
-      <p:ext uri="{BB962C8B-B14F-4D97-AF65-F5344CB8AC3E}">
-        <p14:creationId xmlns:p14="http://schemas.microsoft.com/office/powerpoint/2010/main" val="1978778125"/>
-      </p:ext>
-    </p:extLst>
-  </p:cSld>
-  <p:clrMapOvr>
-    <a:masterClrMapping/>
-  </p:clrMapOvr>
-</p:sld>
-</file>
-
-<file path=ppt/slides/slide9.xml><?xml version="1.0" encoding="utf-8"?>
-<p:sld xmlns:a="http://schemas.openxmlformats.org/drawingml/2006/main" xmlns:r="http://schemas.openxmlformats.org/officeDocument/2006/relationships" xmlns:p="http://schemas.openxmlformats.org/presentationml/2006/main">
-  <p:cSld>
-    <p:spTree>
-      <p:nvGrpSpPr>
-        <p:cNvPr id="1" name=""/>
-        <p:cNvGrpSpPr/>
-        <p:nvPr/>
-      </p:nvGrpSpPr>
-      <p:grpSpPr>
-        <a:xfrm>
-          <a:off x="0" y="0"/>
-          <a:ext cx="0" cy="0"/>
-          <a:chOff x="0" y="0"/>
-          <a:chExt cx="0" cy="0"/>
-        </a:xfrm>
-      </p:grpSpPr>
-      <p:sp>
-        <p:nvSpPr>
-          <p:cNvPr id="2" name="Title 1">
-            <a:extLst>
-              <a:ext uri="{FF2B5EF4-FFF2-40B4-BE49-F238E27FC236}">
-                <a16:creationId xmlns:a16="http://schemas.microsoft.com/office/drawing/2014/main" id="{4FA2F320-119E-33E5-D959-06A1DD8BD39B}"/>
-              </a:ext>
-            </a:extLst>
-          </p:cNvPr>
-          <p:cNvSpPr>
-            <a:spLocks noGrp="1"/>
-          </p:cNvSpPr>
-          <p:nvPr>
-            <p:ph type="title"/>
-          </p:nvPr>
-        </p:nvSpPr>
-        <p:spPr>
-          <a:xfrm>
-            <a:off x="272860" y="18288"/>
-            <a:ext cx="10806780" cy="842211"/>
-          </a:xfrm>
-        </p:spPr>
-        <p:txBody>
-          <a:bodyPr/>
-          <a:lstStyle/>
-          <a:p>
-            <a:r>
-              <a:rPr lang="en-IN" dirty="0">
-                <a:solidFill>
-                  <a:srgbClr val="FF0000"/>
-                </a:solidFill>
-                <a:latin typeface="ae_AlArabiya" panose="02060603050605020204" pitchFamily="18" charset="-78"/>
-                <a:cs typeface="ae_AlArabiya" panose="02060603050605020204" pitchFamily="18" charset="-78"/>
-              </a:rPr>
-              <a:t>What to do if a phishing email is received</a:t>
-            </a:r>
-          </a:p>
-        </p:txBody>
-      </p:sp>
-      <p:sp>
-        <p:nvSpPr>
-          <p:cNvPr id="4" name="Text Placeholder 3">
-            <a:extLst>
-              <a:ext uri="{FF2B5EF4-FFF2-40B4-BE49-F238E27FC236}">
-                <a16:creationId xmlns:a16="http://schemas.microsoft.com/office/drawing/2014/main" id="{513CA531-A943-AE4C-57E7-33EABB851A52}"/>
-              </a:ext>
-            </a:extLst>
-          </p:cNvPr>
-          <p:cNvSpPr>
-            <a:spLocks noGrp="1"/>
-          </p:cNvSpPr>
-          <p:nvPr>
-            <p:ph type="body" sz="half" idx="2"/>
-          </p:nvPr>
-        </p:nvSpPr>
-        <p:spPr>
-          <a:xfrm>
-            <a:off x="336868" y="731520"/>
-            <a:ext cx="10806780" cy="5559552"/>
-          </a:xfrm>
-        </p:spPr>
-        <p:txBody>
-          <a:bodyPr>
-            <a:noAutofit/>
-          </a:bodyPr>
-          <a:lstStyle/>
-          <a:p>
-            <a:pPr>
-              <a:lnSpc>
-                <a:spcPct val="150000"/>
-              </a:lnSpc>
-            </a:pPr>
-            <a:r>
-              <a:rPr lang="en-US" sz="2000" b="1" dirty="0">
-                <a:solidFill>
-                  <a:schemeClr val="bg1"/>
-                </a:solidFill>
-                <a:latin typeface="ae_AlArabiya" panose="02060603050605020204" pitchFamily="18" charset="-78"/>
-                <a:cs typeface="ae_AlArabiya" panose="02060603050605020204" pitchFamily="18" charset="-78"/>
-              </a:rPr>
-              <a:t>Protecting Yourself From Phishing Attack</a:t>
-            </a:r>
-          </a:p>
-          <a:p>
-            <a:pPr>
-              <a:lnSpc>
-                <a:spcPct val="150000"/>
-              </a:lnSpc>
-            </a:pPr>
-            <a:r>
-              <a:rPr lang="en-US" sz="2000" b="1" dirty="0">
-                <a:solidFill>
-                  <a:schemeClr val="bg1"/>
-                </a:solidFill>
-                <a:latin typeface="ae_AlArabiya" panose="02060603050605020204" pitchFamily="18" charset="-78"/>
-                <a:cs typeface="ae_AlArabiya" panose="02060603050605020204" pitchFamily="18" charset="-78"/>
-              </a:rPr>
-              <a:t>1.Verify The Sender</a:t>
-            </a:r>
-          </a:p>
-          <a:p>
-            <a:pPr marL="742950" lvl="1" indent="-285750">
-              <a:lnSpc>
-                <a:spcPct val="150000"/>
-              </a:lnSpc>
-              <a:buFont typeface="Arial" panose="020B0604020202020204" pitchFamily="34" charset="0"/>
-              <a:buChar char="•"/>
-            </a:pPr>
-            <a:r>
-              <a:rPr lang="en-US" sz="1600" dirty="0">
-                <a:solidFill>
-                  <a:schemeClr val="bg1"/>
-                </a:solidFill>
-                <a:latin typeface="ae_AlArabiya" panose="02060603050605020204" pitchFamily="18" charset="-78"/>
-                <a:cs typeface="ae_AlArabiya" panose="02060603050605020204" pitchFamily="18" charset="-78"/>
-              </a:rPr>
-              <a:t>Always verify the sender’s email address before clicking on any links or providing information.</a:t>
-            </a:r>
-          </a:p>
-          <a:p>
-            <a:pPr marL="742950" lvl="1" indent="-285750">
-              <a:lnSpc>
-                <a:spcPct val="150000"/>
-              </a:lnSpc>
-              <a:buFont typeface="Arial" panose="020B0604020202020204" pitchFamily="34" charset="0"/>
-              <a:buChar char="•"/>
-            </a:pPr>
-            <a:r>
-              <a:rPr lang="en-US" sz="1800" dirty="0">
-                <a:solidFill>
-                  <a:schemeClr val="bg1"/>
-                </a:solidFill>
-                <a:latin typeface="ae_AlArabiya" panose="02060603050605020204" pitchFamily="18" charset="-78"/>
-                <a:cs typeface="ae_AlArabiya" panose="02060603050605020204" pitchFamily="18" charset="-78"/>
-              </a:rPr>
-              <a:t>Check for the legitimacy of the sender’s domain.</a:t>
-            </a:r>
-          </a:p>
-          <a:p>
-            <a:pPr>
-              <a:lnSpc>
-                <a:spcPct val="150000"/>
-              </a:lnSpc>
-            </a:pPr>
-            <a:r>
-              <a:rPr lang="en-US" sz="2000" b="1" dirty="0">
-                <a:solidFill>
-                  <a:schemeClr val="bg1"/>
-                </a:solidFill>
-                <a:latin typeface="ae_AlArabiya" panose="02060603050605020204" pitchFamily="18" charset="-78"/>
-                <a:cs typeface="ae_AlArabiya" panose="02060603050605020204" pitchFamily="18" charset="-78"/>
-              </a:rPr>
-              <a:t>2. Be Skeptical of Urgent Requests</a:t>
-            </a:r>
-          </a:p>
-          <a:p>
-            <a:pPr marL="800100" lvl="1" indent="-342900">
-              <a:lnSpc>
-                <a:spcPct val="150000"/>
-              </a:lnSpc>
-              <a:buFont typeface="Arial" panose="020B0604020202020204" pitchFamily="34" charset="0"/>
-              <a:buChar char="•"/>
-            </a:pPr>
-            <a:r>
-              <a:rPr lang="en-US" sz="1800" dirty="0">
-                <a:solidFill>
-                  <a:schemeClr val="bg1"/>
-                </a:solidFill>
-                <a:latin typeface="ae_AlArabiya" panose="02060603050605020204" pitchFamily="18" charset="-78"/>
-                <a:cs typeface="ae_AlArabiya" panose="02060603050605020204" pitchFamily="18" charset="-78"/>
-              </a:rPr>
-              <a:t>Be cautious of emails that create a sense of urgency or fear, pressuring you to take immediate action.</a:t>
-            </a:r>
-          </a:p>
-          <a:p>
-            <a:pPr marL="800100" lvl="1" indent="-342900">
-              <a:lnSpc>
-                <a:spcPct val="150000"/>
-              </a:lnSpc>
-              <a:buFont typeface="Arial" panose="020B0604020202020204" pitchFamily="34" charset="0"/>
-              <a:buChar char="•"/>
-            </a:pPr>
-            <a:r>
-              <a:rPr lang="en-US" sz="2000" dirty="0">
-                <a:solidFill>
-                  <a:schemeClr val="bg1"/>
-                </a:solidFill>
-                <a:latin typeface="ae_AlArabiya" panose="02060603050605020204" pitchFamily="18" charset="-78"/>
-                <a:cs typeface="ae_AlArabiya" panose="02060603050605020204" pitchFamily="18" charset="-78"/>
-              </a:rPr>
-              <a:t>Verify the authenticity of the request through other means before responding.</a:t>
-            </a:r>
-          </a:p>
-          <a:p>
-            <a:pPr>
-              <a:lnSpc>
-                <a:spcPct val="150000"/>
-              </a:lnSpc>
-            </a:pPr>
-            <a:r>
-              <a:rPr lang="en-US" sz="2000" b="1" dirty="0">
-                <a:solidFill>
-                  <a:schemeClr val="bg1"/>
-                </a:solidFill>
-                <a:latin typeface="ae_AlArabiya" panose="02060603050605020204" pitchFamily="18" charset="-78"/>
-                <a:cs typeface="ae_AlArabiya" panose="02060603050605020204" pitchFamily="18" charset="-78"/>
-              </a:rPr>
-              <a:t>3. Hover Over Links</a:t>
-            </a:r>
-          </a:p>
-          <a:p>
-            <a:pPr marL="800100" lvl="1" indent="-342900">
-              <a:lnSpc>
-                <a:spcPct val="150000"/>
-              </a:lnSpc>
-              <a:buFont typeface="Arial" panose="020B0604020202020204" pitchFamily="34" charset="0"/>
-              <a:buChar char="•"/>
-            </a:pPr>
-            <a:r>
-              <a:rPr lang="en-US" sz="1800" dirty="0">
-                <a:solidFill>
-                  <a:schemeClr val="bg1"/>
-                </a:solidFill>
-                <a:latin typeface="ae_AlArabiya" panose="02060603050605020204" pitchFamily="18" charset="-78"/>
-                <a:cs typeface="ae_AlArabiya" panose="02060603050605020204" pitchFamily="18" charset="-78"/>
-              </a:rPr>
-              <a:t>Hover over links to preview the URL before clicking.</a:t>
-            </a:r>
-          </a:p>
-          <a:p>
-            <a:pPr marL="800100" lvl="1" indent="-342900">
-              <a:lnSpc>
-                <a:spcPct val="150000"/>
-              </a:lnSpc>
-              <a:buFont typeface="Arial" panose="020B0604020202020204" pitchFamily="34" charset="0"/>
-              <a:buChar char="•"/>
-            </a:pPr>
-            <a:r>
-              <a:rPr lang="en-US" sz="1800" dirty="0">
-                <a:solidFill>
-                  <a:schemeClr val="bg1"/>
-                </a:solidFill>
-                <a:latin typeface="ae_AlArabiya" panose="02060603050605020204" pitchFamily="18" charset="-78"/>
-                <a:cs typeface="ae_AlArabiya" panose="02060603050605020204" pitchFamily="18" charset="-78"/>
-              </a:rPr>
-              <a:t>Ensure that the URL matches the purported destination.</a:t>
-            </a:r>
-          </a:p>
-          <a:p>
-            <a:pPr>
-              <a:lnSpc>
-                <a:spcPct val="150000"/>
-              </a:lnSpc>
-            </a:pPr>
-            <a:endParaRPr lang="en-IN" sz="2000" dirty="0">
-              <a:solidFill>
-                <a:schemeClr val="bg1"/>
-              </a:solidFill>
-            </a:endParaRPr>
-          </a:p>
-        </p:txBody>
-      </p:sp>
-      <p:cxnSp>
-        <p:nvCxnSpPr>
-          <p:cNvPr id="5" name="Straight Connector 4">
-            <a:extLst>
-              <a:ext uri="{FF2B5EF4-FFF2-40B4-BE49-F238E27FC236}">
-                <a16:creationId xmlns:a16="http://schemas.microsoft.com/office/drawing/2014/main" id="{BB784D66-6A50-068D-2A6C-D8DC39D91436}"/>
-              </a:ext>
-            </a:extLst>
-          </p:cNvPr>
-          <p:cNvCxnSpPr>
-            <a:cxnSpLocks/>
-          </p:cNvCxnSpPr>
-          <p:nvPr/>
-        </p:nvCxnSpPr>
-        <p:spPr>
-          <a:xfrm flipV="1">
-            <a:off x="2595277" y="777240"/>
-            <a:ext cx="7024211" cy="6379"/>
-          </a:xfrm>
-          <a:prstGeom prst="line">
-            <a:avLst/>
-          </a:prstGeom>
-        </p:spPr>
-        <p:style>
-          <a:lnRef idx="1">
-            <a:schemeClr val="accent2"/>
-          </a:lnRef>
-          <a:fillRef idx="0">
-            <a:schemeClr val="accent2"/>
-          </a:fillRef>
-          <a:effectRef idx="0">
-            <a:schemeClr val="accent2"/>
-          </a:effectRef>
-          <a:fontRef idx="minor">
-            <a:schemeClr val="tx1"/>
-          </a:fontRef>
-        </p:style>
-      </p:cxnSp>
-    </p:spTree>
-    <p:extLst>
-      <p:ext uri="{BB962C8B-B14F-4D97-AF65-F5344CB8AC3E}">
-        <p14:creationId xmlns:p14="http://schemas.microsoft.com/office/powerpoint/2010/main" val="1612553012"/>
       </p:ext>
     </p:extLst>
   </p:cSld>
